--- a/전력공급/전력공급현황_화면구성.pptx
+++ b/전력공급/전력공급현황_화면구성.pptx
@@ -5,28 +5,31 @@
     <p:sldMasterId id="2147483671" r:id="rId1"/>
   </p:sldMasterIdLst>
   <p:notesMasterIdLst>
-    <p:notesMasterId r:id="rId18"/>
+    <p:notesMasterId r:id="rId21"/>
   </p:notesMasterIdLst>
   <p:handoutMasterIdLst>
-    <p:handoutMasterId r:id="rId19"/>
+    <p:handoutMasterId r:id="rId22"/>
   </p:handoutMasterIdLst>
   <p:sldIdLst>
-    <p:sldId id="318" r:id="rId2"/>
-    <p:sldId id="320" r:id="rId3"/>
-    <p:sldId id="319" r:id="rId4"/>
-    <p:sldId id="317" r:id="rId5"/>
-    <p:sldId id="316" r:id="rId6"/>
-    <p:sldId id="307" r:id="rId7"/>
-    <p:sldId id="305" r:id="rId8"/>
-    <p:sldId id="284" r:id="rId9"/>
-    <p:sldId id="314" r:id="rId10"/>
-    <p:sldId id="308" r:id="rId11"/>
-    <p:sldId id="282" r:id="rId12"/>
-    <p:sldId id="309" r:id="rId13"/>
-    <p:sldId id="306" r:id="rId14"/>
-    <p:sldId id="315" r:id="rId15"/>
-    <p:sldId id="311" r:id="rId16"/>
-    <p:sldId id="310" r:id="rId17"/>
+    <p:sldId id="321" r:id="rId2"/>
+    <p:sldId id="323" r:id="rId3"/>
+    <p:sldId id="322" r:id="rId4"/>
+    <p:sldId id="324" r:id="rId5"/>
+    <p:sldId id="305" r:id="rId6"/>
+    <p:sldId id="320" r:id="rId7"/>
+    <p:sldId id="325" r:id="rId8"/>
+    <p:sldId id="317" r:id="rId9"/>
+    <p:sldId id="316" r:id="rId10"/>
+    <p:sldId id="307" r:id="rId11"/>
+    <p:sldId id="284" r:id="rId12"/>
+    <p:sldId id="314" r:id="rId13"/>
+    <p:sldId id="308" r:id="rId14"/>
+    <p:sldId id="282" r:id="rId15"/>
+    <p:sldId id="309" r:id="rId16"/>
+    <p:sldId id="306" r:id="rId17"/>
+    <p:sldId id="315" r:id="rId18"/>
+    <p:sldId id="311" r:id="rId19"/>
+    <p:sldId id="310" r:id="rId20"/>
   </p:sldIdLst>
   <p:sldSz cx="9906000" cy="6858000" type="A4"/>
   <p:notesSz cx="6858000" cy="9144000"/>
@@ -224,7 +227,7 @@
           <a:p>
             <a:fld id="{C2B9CFB0-BCA9-4570-BBC6-9C2684F7EA69}" type="datetimeFigureOut">
               <a:rPr lang="ko-KR" altLang="en-US" smtClean="0"/>
-              <a:t>2025-02-20</a:t>
+              <a:t>2025-02-21</a:t>
             </a:fld>
             <a:endParaRPr lang="ko-KR" altLang="en-US"/>
           </a:p>
@@ -389,7 +392,7 @@
           <a:p>
             <a:fld id="{BE23F86A-8152-4198-942A-719B9DB78762}" type="datetimeFigureOut">
               <a:rPr lang="ko-KR" altLang="en-US" smtClean="0"/>
-              <a:t>2025-02-20</a:t>
+              <a:t>2025-02-21</a:t>
             </a:fld>
             <a:endParaRPr lang="ko-KR" altLang="en-US"/>
           </a:p>
@@ -664,7 +667,7 @@
         <p:cNvPr id="1" name="Shape 80">
           <a:extLst>
             <a:ext uri="{FF2B5EF4-FFF2-40B4-BE49-F238E27FC236}">
-              <a16:creationId xmlns:a16="http://schemas.microsoft.com/office/drawing/2014/main" id="{81ECB298-683E-0384-13E2-455D93614E4D}"/>
+              <a16:creationId xmlns:a16="http://schemas.microsoft.com/office/drawing/2014/main" id="{4CC3025E-9E50-9018-8148-95FC1EC87D0D}"/>
             </a:ext>
           </a:extLst>
         </p:cNvPr>
@@ -684,7 +687,7 @@
           <p:cNvPr id="81" name="Google Shape;81;p1:notes">
             <a:extLst>
               <a:ext uri="{FF2B5EF4-FFF2-40B4-BE49-F238E27FC236}">
-                <a16:creationId xmlns:a16="http://schemas.microsoft.com/office/drawing/2014/main" id="{637A66FB-CF58-2848-843A-905E66116B27}"/>
+                <a16:creationId xmlns:a16="http://schemas.microsoft.com/office/drawing/2014/main" id="{2B3A56C2-7881-18F3-DD46-DFADDA4C07C9}"/>
               </a:ext>
             </a:extLst>
           </p:cNvPr>
@@ -728,7 +731,7 @@
           <p:cNvPr id="82" name="Google Shape;82;p1:notes">
             <a:extLst>
               <a:ext uri="{FF2B5EF4-FFF2-40B4-BE49-F238E27FC236}">
-                <a16:creationId xmlns:a16="http://schemas.microsoft.com/office/drawing/2014/main" id="{0BA267C6-E896-5E82-56CB-8DBB5AEF308E}"/>
+                <a16:creationId xmlns:a16="http://schemas.microsoft.com/office/drawing/2014/main" id="{711D30BD-6547-4EF2-516E-25F9E8AA4C48}"/>
               </a:ext>
             </a:extLst>
           </p:cNvPr>
@@ -773,6 +776,133 @@
     </p:spTree>
     <p:extLst>
       <p:ext uri="{BB962C8B-B14F-4D97-AF65-F5344CB8AC3E}">
+        <p14:creationId xmlns:p14="http://schemas.microsoft.com/office/powerpoint/2010/main" val="542664065"/>
+      </p:ext>
+    </p:extLst>
+  </p:cSld>
+  <p:clrMapOvr>
+    <a:masterClrMapping/>
+  </p:clrMapOvr>
+</p:notes>
+</file>
+
+<file path=ppt/notesSlides/notesSlide2.xml><?xml version="1.0" encoding="utf-8"?>
+<p:notes xmlns:a="http://schemas.openxmlformats.org/drawingml/2006/main" xmlns:r="http://schemas.openxmlformats.org/officeDocument/2006/relationships" xmlns:p="http://schemas.openxmlformats.org/presentationml/2006/main" showMasterSp="0" showMasterPhAnim="0">
+  <p:cSld>
+    <p:spTree>
+      <p:nvGrpSpPr>
+        <p:cNvPr id="1" name="Shape 80">
+          <a:extLst>
+            <a:ext uri="{FF2B5EF4-FFF2-40B4-BE49-F238E27FC236}">
+              <a16:creationId xmlns:a16="http://schemas.microsoft.com/office/drawing/2014/main" id="{81ECB298-683E-0384-13E2-455D93614E4D}"/>
+            </a:ext>
+          </a:extLst>
+        </p:cNvPr>
+        <p:cNvGrpSpPr/>
+        <p:nvPr/>
+      </p:nvGrpSpPr>
+      <p:grpSpPr>
+        <a:xfrm>
+          <a:off x="0" y="0"/>
+          <a:ext cx="0" cy="0"/>
+          <a:chOff x="0" y="0"/>
+          <a:chExt cx="0" cy="0"/>
+        </a:xfrm>
+      </p:grpSpPr>
+      <p:sp>
+        <p:nvSpPr>
+          <p:cNvPr id="81" name="Google Shape;81;p1:notes">
+            <a:extLst>
+              <a:ext uri="{FF2B5EF4-FFF2-40B4-BE49-F238E27FC236}">
+                <a16:creationId xmlns:a16="http://schemas.microsoft.com/office/drawing/2014/main" id="{637A66FB-CF58-2848-843A-905E66116B27}"/>
+              </a:ext>
+            </a:extLst>
+          </p:cNvPr>
+          <p:cNvSpPr txBox="1">
+            <a:spLocks noGrp="1"/>
+          </p:cNvSpPr>
+          <p:nvPr>
+            <p:ph type="body" idx="1"/>
+          </p:nvPr>
+        </p:nvSpPr>
+        <p:spPr>
+          <a:xfrm>
+            <a:off x="685800" y="4343400"/>
+            <a:ext cx="5486400" cy="4114800"/>
+          </a:xfrm>
+          <a:prstGeom prst="rect">
+            <a:avLst/>
+          </a:prstGeom>
+        </p:spPr>
+        <p:txBody>
+          <a:bodyPr spcFirstLastPara="1" wrap="square" lIns="91425" tIns="91425" rIns="91425" bIns="91425" anchor="t" anchorCtr="0">
+            <a:noAutofit/>
+          </a:bodyPr>
+          <a:lstStyle/>
+          <a:p>
+            <a:pPr marL="0" lvl="0" indent="0" algn="l" rtl="0">
+              <a:spcBef>
+                <a:spcPts val="0"/>
+              </a:spcBef>
+              <a:spcAft>
+                <a:spcPts val="0"/>
+              </a:spcAft>
+              <a:buNone/>
+            </a:pPr>
+            <a:endParaRPr/>
+          </a:p>
+        </p:txBody>
+      </p:sp>
+      <p:sp>
+        <p:nvSpPr>
+          <p:cNvPr id="82" name="Google Shape;82;p1:notes">
+            <a:extLst>
+              <a:ext uri="{FF2B5EF4-FFF2-40B4-BE49-F238E27FC236}">
+                <a16:creationId xmlns:a16="http://schemas.microsoft.com/office/drawing/2014/main" id="{0BA267C6-E896-5E82-56CB-8DBB5AEF308E}"/>
+              </a:ext>
+            </a:extLst>
+          </p:cNvPr>
+          <p:cNvSpPr>
+            <a:spLocks noGrp="1" noRot="1" noChangeAspect="1"/>
+          </p:cNvSpPr>
+          <p:nvPr>
+            <p:ph type="sldImg" idx="2"/>
+          </p:nvPr>
+        </p:nvSpPr>
+        <p:spPr>
+          <a:xfrm>
+            <a:off x="952500" y="685800"/>
+            <a:ext cx="4953000" cy="3429000"/>
+          </a:xfrm>
+          <a:custGeom>
+            <a:avLst/>
+            <a:gdLst/>
+            <a:ahLst/>
+            <a:cxnLst/>
+            <a:rect l="l" t="t" r="r" b="b"/>
+            <a:pathLst>
+              <a:path w="120000" h="120000" extrusionOk="0">
+                <a:moveTo>
+                  <a:pt x="0" y="0"/>
+                </a:moveTo>
+                <a:lnTo>
+                  <a:pt x="120000" y="0"/>
+                </a:lnTo>
+                <a:lnTo>
+                  <a:pt x="120000" y="120000"/>
+                </a:lnTo>
+                <a:lnTo>
+                  <a:pt x="0" y="120000"/>
+                </a:lnTo>
+                <a:close/>
+              </a:path>
+            </a:pathLst>
+          </a:custGeom>
+        </p:spPr>
+      </p:sp>
+    </p:spTree>
+    <p:extLst>
+      <p:ext uri="{BB962C8B-B14F-4D97-AF65-F5344CB8AC3E}">
         <p14:creationId xmlns:p14="http://schemas.microsoft.com/office/powerpoint/2010/main" val="3939959041"/>
       </p:ext>
     </p:extLst>
@@ -783,7 +913,7 @@
 </p:notes>
 </file>
 
-<file path=ppt/notesSlides/notesSlide2.xml><?xml version="1.0" encoding="utf-8"?>
+<file path=ppt/notesSlides/notesSlide3.xml><?xml version="1.0" encoding="utf-8"?>
 <p:notes xmlns:a="http://schemas.openxmlformats.org/drawingml/2006/main" xmlns:r="http://schemas.openxmlformats.org/officeDocument/2006/relationships" xmlns:p="http://schemas.openxmlformats.org/presentationml/2006/main" showMasterSp="0" showMasterPhAnim="0">
   <p:cSld>
     <p:spTree>
@@ -910,7 +1040,7 @@
 </p:notes>
 </file>
 
-<file path=ppt/notesSlides/notesSlide3.xml><?xml version="1.0" encoding="utf-8"?>
+<file path=ppt/notesSlides/notesSlide4.xml><?xml version="1.0" encoding="utf-8"?>
 <p:notes xmlns:a="http://schemas.openxmlformats.org/drawingml/2006/main" xmlns:r="http://schemas.openxmlformats.org/officeDocument/2006/relationships" xmlns:p="http://schemas.openxmlformats.org/presentationml/2006/main" showMasterSp="0" showMasterPhAnim="0">
   <p:cSld>
     <p:spTree>
@@ -1037,7 +1167,7 @@
 </p:notes>
 </file>
 
-<file path=ppt/notesSlides/notesSlide4.xml><?xml version="1.0" encoding="utf-8"?>
+<file path=ppt/notesSlides/notesSlide5.xml><?xml version="1.0" encoding="utf-8"?>
 <p:notes xmlns:a="http://schemas.openxmlformats.org/drawingml/2006/main" xmlns:r="http://schemas.openxmlformats.org/officeDocument/2006/relationships" xmlns:p="http://schemas.openxmlformats.org/presentationml/2006/main" showMasterSp="0" showMasterPhAnim="0">
   <p:cSld>
     <p:spTree>
@@ -1146,7 +1276,7 @@
 </p:notes>
 </file>
 
-<file path=ppt/notesSlides/notesSlide5.xml><?xml version="1.0" encoding="utf-8"?>
+<file path=ppt/notesSlides/notesSlide6.xml><?xml version="1.0" encoding="utf-8"?>
 <p:notes xmlns:a="http://schemas.openxmlformats.org/drawingml/2006/main" xmlns:r="http://schemas.openxmlformats.org/officeDocument/2006/relationships" xmlns:p="http://schemas.openxmlformats.org/presentationml/2006/main" showMasterSp="0" showMasterPhAnim="0">
   <p:cSld>
     <p:spTree>
@@ -1273,7 +1403,7 @@
 </p:notes>
 </file>
 
-<file path=ppt/notesSlides/notesSlide6.xml><?xml version="1.0" encoding="utf-8"?>
+<file path=ppt/notesSlides/notesSlide7.xml><?xml version="1.0" encoding="utf-8"?>
 <p:notes xmlns:a="http://schemas.openxmlformats.org/drawingml/2006/main" xmlns:r="http://schemas.openxmlformats.org/officeDocument/2006/relationships" xmlns:p="http://schemas.openxmlformats.org/presentationml/2006/main" showMasterSp="0" showMasterPhAnim="0">
   <p:cSld>
     <p:spTree>
@@ -2914,6 +3044,188 @@
   <p:cSld>
     <p:spTree>
       <p:nvGrpSpPr>
+        <p:cNvPr id="1" name="Shape 83">
+          <a:extLst>
+            <a:ext uri="{FF2B5EF4-FFF2-40B4-BE49-F238E27FC236}">
+              <a16:creationId xmlns:a16="http://schemas.microsoft.com/office/drawing/2014/main" id="{10BEEB03-CDBA-1148-DA6A-244D65F893AC}"/>
+            </a:ext>
+          </a:extLst>
+        </p:cNvPr>
+        <p:cNvGrpSpPr/>
+        <p:nvPr/>
+      </p:nvGrpSpPr>
+      <p:grpSpPr>
+        <a:xfrm>
+          <a:off x="0" y="0"/>
+          <a:ext cx="0" cy="0"/>
+          <a:chOff x="0" y="0"/>
+          <a:chExt cx="0" cy="0"/>
+        </a:xfrm>
+      </p:grpSpPr>
+      <p:sp>
+        <p:nvSpPr>
+          <p:cNvPr id="5" name="TextBox 4">
+            <a:extLst>
+              <a:ext uri="{FF2B5EF4-FFF2-40B4-BE49-F238E27FC236}">
+                <a16:creationId xmlns:a16="http://schemas.microsoft.com/office/drawing/2014/main" id="{4CDB26C8-01D0-712E-FC0B-E9A62F65A33A}"/>
+              </a:ext>
+            </a:extLst>
+          </p:cNvPr>
+          <p:cNvSpPr txBox="1"/>
+          <p:nvPr/>
+        </p:nvSpPr>
+        <p:spPr>
+          <a:xfrm>
+            <a:off x="1819945" y="2953677"/>
+            <a:ext cx="7247855" cy="1077218"/>
+          </a:xfrm>
+          <a:prstGeom prst="rect">
+            <a:avLst/>
+          </a:prstGeom>
+          <a:noFill/>
+        </p:spPr>
+        <p:txBody>
+          <a:bodyPr wrap="square" rtlCol="0">
+            <a:spAutoFit/>
+          </a:bodyPr>
+          <a:lstStyle/>
+          <a:p>
+            <a:r>
+              <a:rPr lang="ko-KR" altLang="en-US" sz="4000" dirty="0"/>
+              <a:t>시도별 전력 발전 현황</a:t>
+            </a:r>
+            <a:endParaRPr lang="en-US" altLang="ko-KR" sz="4000" dirty="0"/>
+          </a:p>
+          <a:p>
+            <a:r>
+              <a:rPr lang="en-US" altLang="ko-KR" sz="2400" dirty="0"/>
+              <a:t>- </a:t>
+            </a:r>
+            <a:r>
+              <a:rPr lang="ko-KR" altLang="en-US" sz="2400" dirty="0"/>
+              <a:t>전국 </a:t>
+            </a:r>
+            <a:r>
+              <a:rPr lang="en-US" altLang="ko-KR" sz="2400" dirty="0"/>
+              <a:t>17</a:t>
+            </a:r>
+            <a:r>
+              <a:rPr lang="ko-KR" altLang="en-US" sz="2400" dirty="0"/>
+              <a:t>개 시도 중 경기도를 평가</a:t>
+            </a:r>
+            <a:endParaRPr lang="en-US" altLang="ko-KR" sz="2400" dirty="0"/>
+          </a:p>
+        </p:txBody>
+      </p:sp>
+    </p:spTree>
+    <p:extLst>
+      <p:ext uri="{BB962C8B-B14F-4D97-AF65-F5344CB8AC3E}">
+        <p14:creationId xmlns:p14="http://schemas.microsoft.com/office/powerpoint/2010/main" val="4108450605"/>
+      </p:ext>
+    </p:extLst>
+  </p:cSld>
+  <p:clrMapOvr>
+    <a:masterClrMapping/>
+  </p:clrMapOvr>
+</p:sld>
+</file>
+
+<file path=ppt/slides/slide10.xml><?xml version="1.0" encoding="utf-8"?>
+<p:sld xmlns:a="http://schemas.openxmlformats.org/drawingml/2006/main" xmlns:r="http://schemas.openxmlformats.org/officeDocument/2006/relationships" xmlns:p="http://schemas.openxmlformats.org/presentationml/2006/main">
+  <p:cSld>
+    <p:spTree>
+      <p:nvGrpSpPr>
+        <p:cNvPr id="1" name="Shape 83">
+          <a:extLst>
+            <a:ext uri="{FF2B5EF4-FFF2-40B4-BE49-F238E27FC236}">
+              <a16:creationId xmlns:a16="http://schemas.microsoft.com/office/drawing/2014/main" id="{F10FE0B6-2092-A288-8A9D-3BB303A2F1E3}"/>
+            </a:ext>
+          </a:extLst>
+        </p:cNvPr>
+        <p:cNvGrpSpPr/>
+        <p:nvPr/>
+      </p:nvGrpSpPr>
+      <p:grpSpPr>
+        <a:xfrm>
+          <a:off x="0" y="0"/>
+          <a:ext cx="0" cy="0"/>
+          <a:chOff x="0" y="0"/>
+          <a:chExt cx="0" cy="0"/>
+        </a:xfrm>
+      </p:grpSpPr>
+      <p:sp>
+        <p:nvSpPr>
+          <p:cNvPr id="5" name="TextBox 4">
+            <a:extLst>
+              <a:ext uri="{FF2B5EF4-FFF2-40B4-BE49-F238E27FC236}">
+                <a16:creationId xmlns:a16="http://schemas.microsoft.com/office/drawing/2014/main" id="{F1012CC6-F536-C914-A9D1-0440E965701F}"/>
+              </a:ext>
+            </a:extLst>
+          </p:cNvPr>
+          <p:cNvSpPr txBox="1"/>
+          <p:nvPr/>
+        </p:nvSpPr>
+        <p:spPr>
+          <a:xfrm>
+            <a:off x="1819945" y="2953677"/>
+            <a:ext cx="7247855" cy="1077218"/>
+          </a:xfrm>
+          <a:prstGeom prst="rect">
+            <a:avLst/>
+          </a:prstGeom>
+          <a:noFill/>
+        </p:spPr>
+        <p:txBody>
+          <a:bodyPr wrap="square" rtlCol="0">
+            <a:spAutoFit/>
+          </a:bodyPr>
+          <a:lstStyle/>
+          <a:p>
+            <a:r>
+              <a:rPr lang="ko-KR" altLang="en-US" sz="4000" dirty="0"/>
+              <a:t>시도별 에너지 소비 현황</a:t>
+            </a:r>
+            <a:endParaRPr lang="en-US" altLang="ko-KR" sz="4000" dirty="0"/>
+          </a:p>
+          <a:p>
+            <a:r>
+              <a:rPr lang="en-US" altLang="ko-KR" sz="2400" dirty="0"/>
+              <a:t>- </a:t>
+            </a:r>
+            <a:r>
+              <a:rPr lang="ko-KR" altLang="en-US" sz="2400" dirty="0"/>
+              <a:t>전국 </a:t>
+            </a:r>
+            <a:r>
+              <a:rPr lang="en-US" altLang="ko-KR" sz="2400" dirty="0"/>
+              <a:t>17</a:t>
+            </a:r>
+            <a:r>
+              <a:rPr lang="ko-KR" altLang="en-US" sz="2400" dirty="0"/>
+              <a:t>개 시도 중 경기도를 평가</a:t>
+            </a:r>
+            <a:endParaRPr lang="en-US" altLang="ko-KR" sz="2400" dirty="0"/>
+          </a:p>
+        </p:txBody>
+      </p:sp>
+    </p:spTree>
+    <p:extLst>
+      <p:ext uri="{BB962C8B-B14F-4D97-AF65-F5344CB8AC3E}">
+        <p14:creationId xmlns:p14="http://schemas.microsoft.com/office/powerpoint/2010/main" val="1052007217"/>
+      </p:ext>
+    </p:extLst>
+  </p:cSld>
+  <p:clrMapOvr>
+    <a:masterClrMapping/>
+  </p:clrMapOvr>
+</p:sld>
+</file>
+
+<file path=ppt/slides/slide11.xml><?xml version="1.0" encoding="utf-8"?>
+<p:sld xmlns:a="http://schemas.openxmlformats.org/drawingml/2006/main" xmlns:r="http://schemas.openxmlformats.org/officeDocument/2006/relationships" xmlns:p="http://schemas.openxmlformats.org/presentationml/2006/main">
+  <p:cSld>
+    <p:spTree>
+      <p:nvGrpSpPr>
         <p:cNvPr id="1" name=""/>
         <p:cNvGrpSpPr/>
         <p:nvPr/>
@@ -2928,74 +3240,751 @@
       </p:grpSpPr>
       <p:sp>
         <p:nvSpPr>
-          <p:cNvPr id="4" name="슬라이드 번호 개체 틀 3">
-            <a:extLst>
-              <a:ext uri="{FF2B5EF4-FFF2-40B4-BE49-F238E27FC236}">
-                <a16:creationId xmlns:a16="http://schemas.microsoft.com/office/drawing/2014/main" id="{F833C59D-CAA2-019D-2FC1-4C79A901B1EE}"/>
-              </a:ext>
-            </a:extLst>
-          </p:cNvPr>
-          <p:cNvSpPr>
-            <a:spLocks noGrp="1"/>
-          </p:cNvSpPr>
-          <p:nvPr>
-            <p:ph type="sldNum" idx="12"/>
-          </p:nvPr>
-        </p:nvSpPr>
-        <p:spPr/>
-        <p:txBody>
-          <a:bodyPr/>
-          <a:lstStyle/>
-          <a:p>
-            <a:fld id="{00000000-1234-1234-1234-123412341234}" type="slidenum">
-              <a:rPr lang="en-US" altLang="ko-KR" smtClean="0"/>
-              <a:pPr/>
-              <a:t>0</a:t>
-            </a:fld>
-            <a:endParaRPr lang="ko-KR" altLang="en-US"/>
-          </a:p>
-        </p:txBody>
-      </p:sp>
-      <p:sp>
-        <p:nvSpPr>
-          <p:cNvPr id="5" name="TextBox 4">
-            <a:extLst>
-              <a:ext uri="{FF2B5EF4-FFF2-40B4-BE49-F238E27FC236}">
-                <a16:creationId xmlns:a16="http://schemas.microsoft.com/office/drawing/2014/main" id="{898A9204-87D4-B1E6-1747-FE87B82D8B04}"/>
-              </a:ext>
-            </a:extLst>
-          </p:cNvPr>
-          <p:cNvSpPr txBox="1"/>
-          <p:nvPr/>
-        </p:nvSpPr>
-        <p:spPr>
-          <a:xfrm>
-            <a:off x="1819945" y="2953677"/>
-            <a:ext cx="7247855" cy="707886"/>
-          </a:xfrm>
-          <a:prstGeom prst="rect">
-            <a:avLst/>
-          </a:prstGeom>
-          <a:noFill/>
-        </p:spPr>
-        <p:txBody>
-          <a:bodyPr wrap="square" rtlCol="0">
-            <a:spAutoFit/>
-          </a:bodyPr>
-          <a:lstStyle/>
-          <a:p>
-            <a:r>
-              <a:rPr lang="ko-KR" altLang="en-US" sz="4000" dirty="0"/>
-              <a:t>전력 공급 현황</a:t>
-            </a:r>
-            <a:endParaRPr lang="en-US" altLang="ko-KR" sz="4000" dirty="0"/>
+          <p:cNvPr id="76" name="직사각형 75">
+            <a:extLst>
+              <a:ext uri="{FF2B5EF4-FFF2-40B4-BE49-F238E27FC236}">
+                <a16:creationId xmlns:a16="http://schemas.microsoft.com/office/drawing/2014/main" id="{01C60341-3B58-4FCD-0925-BB5BA330BB77}"/>
+              </a:ext>
+            </a:extLst>
+          </p:cNvPr>
+          <p:cNvSpPr/>
+          <p:nvPr/>
+        </p:nvSpPr>
+        <p:spPr>
+          <a:xfrm>
+            <a:off x="964293" y="135918"/>
+            <a:ext cx="1129247" cy="257347"/>
+          </a:xfrm>
+          <a:prstGeom prst="rect">
+            <a:avLst/>
+          </a:prstGeom>
+          <a:solidFill>
+            <a:schemeClr val="bg2"/>
+          </a:solidFill>
+          <a:ln>
+            <a:solidFill>
+              <a:schemeClr val="bg2"/>
+            </a:solidFill>
+          </a:ln>
+        </p:spPr>
+        <p:style>
+          <a:lnRef idx="2">
+            <a:schemeClr val="accent1">
+              <a:shade val="15000"/>
+            </a:schemeClr>
+          </a:lnRef>
+          <a:fillRef idx="1">
+            <a:schemeClr val="accent1"/>
+          </a:fillRef>
+          <a:effectRef idx="0">
+            <a:schemeClr val="accent1"/>
+          </a:effectRef>
+          <a:fontRef idx="minor">
+            <a:schemeClr val="lt1"/>
+          </a:fontRef>
+        </p:style>
+        <p:txBody>
+          <a:bodyPr rtlCol="0" anchor="ctr"/>
+          <a:lstStyle/>
+          <a:p>
+            <a:pPr algn="ctr"/>
+            <a:r>
+              <a:rPr lang="ko-KR" altLang="en-US" sz="1200" dirty="0"/>
+              <a:t>최종에너지 </a:t>
+            </a:r>
+            <a:endParaRPr lang="en-US" altLang="ko-KR" sz="1200" dirty="0"/>
+          </a:p>
+        </p:txBody>
+      </p:sp>
+      <p:sp>
+        <p:nvSpPr>
+          <p:cNvPr id="78" name="직사각형 77">
+            <a:extLst>
+              <a:ext uri="{FF2B5EF4-FFF2-40B4-BE49-F238E27FC236}">
+                <a16:creationId xmlns:a16="http://schemas.microsoft.com/office/drawing/2014/main" id="{BA7A35C0-5335-37CE-6526-FF4B0B81E55A}"/>
+              </a:ext>
+            </a:extLst>
+          </p:cNvPr>
+          <p:cNvSpPr/>
+          <p:nvPr/>
+        </p:nvSpPr>
+        <p:spPr>
+          <a:xfrm>
+            <a:off x="2135039" y="135918"/>
+            <a:ext cx="719374" cy="257347"/>
+          </a:xfrm>
+          <a:prstGeom prst="rect">
+            <a:avLst/>
+          </a:prstGeom>
+        </p:spPr>
+        <p:style>
+          <a:lnRef idx="2">
+            <a:schemeClr val="accent1">
+              <a:shade val="15000"/>
+            </a:schemeClr>
+          </a:lnRef>
+          <a:fillRef idx="1">
+            <a:schemeClr val="accent1"/>
+          </a:fillRef>
+          <a:effectRef idx="0">
+            <a:schemeClr val="accent1"/>
+          </a:effectRef>
+          <a:fontRef idx="minor">
+            <a:schemeClr val="lt1"/>
+          </a:fontRef>
+        </p:style>
+        <p:txBody>
+          <a:bodyPr rtlCol="0" anchor="ctr"/>
+          <a:lstStyle/>
+          <a:p>
+            <a:pPr algn="ctr"/>
+            <a:r>
+              <a:rPr lang="ko-KR" altLang="en-US" sz="1200" dirty="0"/>
+              <a:t>부문별 </a:t>
+            </a:r>
+            <a:endParaRPr lang="en-US" altLang="ko-KR" sz="1200" dirty="0"/>
+          </a:p>
+        </p:txBody>
+      </p:sp>
+      <p:sp>
+        <p:nvSpPr>
+          <p:cNvPr id="81" name="직사각형 80">
+            <a:extLst>
+              <a:ext uri="{FF2B5EF4-FFF2-40B4-BE49-F238E27FC236}">
+                <a16:creationId xmlns:a16="http://schemas.microsoft.com/office/drawing/2014/main" id="{6AEE7A44-69EB-4944-DF6A-589E0E742C76}"/>
+              </a:ext>
+            </a:extLst>
+          </p:cNvPr>
+          <p:cNvSpPr/>
+          <p:nvPr/>
+        </p:nvSpPr>
+        <p:spPr>
+          <a:xfrm>
+            <a:off x="2899976" y="135918"/>
+            <a:ext cx="1008590" cy="257347"/>
+          </a:xfrm>
+          <a:prstGeom prst="rect">
+            <a:avLst/>
+          </a:prstGeom>
+          <a:solidFill>
+            <a:schemeClr val="bg2"/>
+          </a:solidFill>
+          <a:ln>
+            <a:solidFill>
+              <a:schemeClr val="bg2"/>
+            </a:solidFill>
+          </a:ln>
+        </p:spPr>
+        <p:style>
+          <a:lnRef idx="2">
+            <a:schemeClr val="accent1">
+              <a:shade val="15000"/>
+            </a:schemeClr>
+          </a:lnRef>
+          <a:fillRef idx="1">
+            <a:schemeClr val="accent1"/>
+          </a:fillRef>
+          <a:effectRef idx="0">
+            <a:schemeClr val="accent1"/>
+          </a:effectRef>
+          <a:fontRef idx="minor">
+            <a:schemeClr val="lt1"/>
+          </a:fontRef>
+        </p:style>
+        <p:txBody>
+          <a:bodyPr rtlCol="0" anchor="ctr"/>
+          <a:lstStyle/>
+          <a:p>
+            <a:pPr algn="ctr"/>
+            <a:r>
+              <a:rPr lang="ko-KR" altLang="en-US" sz="1200" dirty="0"/>
+              <a:t>에너지원별</a:t>
+            </a:r>
+            <a:endParaRPr lang="en-US" altLang="ko-KR" sz="1200" dirty="0"/>
+          </a:p>
+        </p:txBody>
+      </p:sp>
+      <p:sp>
+        <p:nvSpPr>
+          <p:cNvPr id="82" name="직사각형 81">
+            <a:extLst>
+              <a:ext uri="{FF2B5EF4-FFF2-40B4-BE49-F238E27FC236}">
+                <a16:creationId xmlns:a16="http://schemas.microsoft.com/office/drawing/2014/main" id="{64BF5B8E-1340-4590-DBFF-6AB6BA63C2FB}"/>
+              </a:ext>
+            </a:extLst>
+          </p:cNvPr>
+          <p:cNvSpPr/>
+          <p:nvPr/>
+        </p:nvSpPr>
+        <p:spPr>
+          <a:xfrm>
+            <a:off x="382615" y="135918"/>
+            <a:ext cx="540180" cy="257347"/>
+          </a:xfrm>
+          <a:prstGeom prst="rect">
+            <a:avLst/>
+          </a:prstGeom>
+          <a:solidFill>
+            <a:schemeClr val="bg2"/>
+          </a:solidFill>
+          <a:ln>
+            <a:solidFill>
+              <a:schemeClr val="bg2"/>
+            </a:solidFill>
+          </a:ln>
+        </p:spPr>
+        <p:style>
+          <a:lnRef idx="2">
+            <a:schemeClr val="accent1">
+              <a:shade val="15000"/>
+            </a:schemeClr>
+          </a:lnRef>
+          <a:fillRef idx="1">
+            <a:schemeClr val="accent1"/>
+          </a:fillRef>
+          <a:effectRef idx="0">
+            <a:schemeClr val="accent1"/>
+          </a:effectRef>
+          <a:fontRef idx="minor">
+            <a:schemeClr val="lt1"/>
+          </a:fontRef>
+        </p:style>
+        <p:txBody>
+          <a:bodyPr rtlCol="0" anchor="ctr"/>
+          <a:lstStyle/>
+          <a:p>
+            <a:pPr algn="ctr"/>
+            <a:r>
+              <a:rPr lang="ko-KR" altLang="en-US" sz="1200" dirty="0"/>
+              <a:t>연도</a:t>
+            </a:r>
+            <a:endParaRPr lang="en-US" altLang="ko-KR" sz="1200" dirty="0"/>
+          </a:p>
+        </p:txBody>
+      </p:sp>
+      <p:pic>
+        <p:nvPicPr>
+          <p:cNvPr id="83" name="그림 82">
+            <a:extLst>
+              <a:ext uri="{FF2B5EF4-FFF2-40B4-BE49-F238E27FC236}">
+                <a16:creationId xmlns:a16="http://schemas.microsoft.com/office/drawing/2014/main" id="{052E91EF-07CE-2392-BFF9-ABF14EB3C32F}"/>
+              </a:ext>
+            </a:extLst>
+          </p:cNvPr>
+          <p:cNvPicPr>
+            <a:picLocks noChangeAspect="1"/>
+          </p:cNvPicPr>
+          <p:nvPr/>
+        </p:nvPicPr>
+        <p:blipFill>
+          <a:blip r:embed="rId2"/>
+          <a:stretch>
+            <a:fillRect/>
+          </a:stretch>
+        </p:blipFill>
+        <p:spPr>
+          <a:xfrm>
+            <a:off x="382615" y="487405"/>
+            <a:ext cx="4001414" cy="2483334"/>
+          </a:xfrm>
+          <a:prstGeom prst="rect">
+            <a:avLst/>
+          </a:prstGeom>
+        </p:spPr>
+      </p:pic>
+      <p:sp>
+        <p:nvSpPr>
+          <p:cNvPr id="92" name="직사각형 91">
+            <a:extLst>
+              <a:ext uri="{FF2B5EF4-FFF2-40B4-BE49-F238E27FC236}">
+                <a16:creationId xmlns:a16="http://schemas.microsoft.com/office/drawing/2014/main" id="{01C60341-3B58-4FCD-0925-BB5BA330BB77}"/>
+              </a:ext>
+            </a:extLst>
+          </p:cNvPr>
+          <p:cNvSpPr/>
+          <p:nvPr/>
+        </p:nvSpPr>
+        <p:spPr>
+          <a:xfrm>
+            <a:off x="6388909" y="135918"/>
+            <a:ext cx="1129247" cy="257347"/>
+          </a:xfrm>
+          <a:prstGeom prst="rect">
+            <a:avLst/>
+          </a:prstGeom>
+          <a:solidFill>
+            <a:schemeClr val="bg2"/>
+          </a:solidFill>
+          <a:ln>
+            <a:solidFill>
+              <a:schemeClr val="bg2"/>
+            </a:solidFill>
+          </a:ln>
+        </p:spPr>
+        <p:style>
+          <a:lnRef idx="2">
+            <a:schemeClr val="accent1">
+              <a:shade val="15000"/>
+            </a:schemeClr>
+          </a:lnRef>
+          <a:fillRef idx="1">
+            <a:schemeClr val="accent1"/>
+          </a:fillRef>
+          <a:effectRef idx="0">
+            <a:schemeClr val="accent1"/>
+          </a:effectRef>
+          <a:fontRef idx="minor">
+            <a:schemeClr val="lt1"/>
+          </a:fontRef>
+        </p:style>
+        <p:txBody>
+          <a:bodyPr rtlCol="0" anchor="ctr"/>
+          <a:lstStyle/>
+          <a:p>
+            <a:pPr algn="ctr"/>
+            <a:r>
+              <a:rPr lang="ko-KR" altLang="en-US" sz="1200" dirty="0"/>
+              <a:t>최종에너지 </a:t>
+            </a:r>
+            <a:endParaRPr lang="en-US" altLang="ko-KR" sz="1200" dirty="0"/>
+          </a:p>
+        </p:txBody>
+      </p:sp>
+      <p:sp>
+        <p:nvSpPr>
+          <p:cNvPr id="93" name="직사각형 92">
+            <a:extLst>
+              <a:ext uri="{FF2B5EF4-FFF2-40B4-BE49-F238E27FC236}">
+                <a16:creationId xmlns:a16="http://schemas.microsoft.com/office/drawing/2014/main" id="{BA7A35C0-5335-37CE-6526-FF4B0B81E55A}"/>
+              </a:ext>
+            </a:extLst>
+          </p:cNvPr>
+          <p:cNvSpPr/>
+          <p:nvPr/>
+        </p:nvSpPr>
+        <p:spPr>
+          <a:xfrm>
+            <a:off x="7559655" y="135918"/>
+            <a:ext cx="719374" cy="257347"/>
+          </a:xfrm>
+          <a:prstGeom prst="rect">
+            <a:avLst/>
+          </a:prstGeom>
+          <a:solidFill>
+            <a:schemeClr val="bg2"/>
+          </a:solidFill>
+          <a:ln>
+            <a:solidFill>
+              <a:schemeClr val="bg2"/>
+            </a:solidFill>
+          </a:ln>
+        </p:spPr>
+        <p:style>
+          <a:lnRef idx="2">
+            <a:schemeClr val="accent1">
+              <a:shade val="15000"/>
+            </a:schemeClr>
+          </a:lnRef>
+          <a:fillRef idx="1">
+            <a:schemeClr val="accent1"/>
+          </a:fillRef>
+          <a:effectRef idx="0">
+            <a:schemeClr val="accent1"/>
+          </a:effectRef>
+          <a:fontRef idx="minor">
+            <a:schemeClr val="lt1"/>
+          </a:fontRef>
+        </p:style>
+        <p:txBody>
+          <a:bodyPr rtlCol="0" anchor="ctr"/>
+          <a:lstStyle/>
+          <a:p>
+            <a:pPr algn="ctr"/>
+            <a:r>
+              <a:rPr lang="ko-KR" altLang="en-US" sz="1200" dirty="0"/>
+              <a:t>부문별 </a:t>
+            </a:r>
+            <a:endParaRPr lang="en-US" altLang="ko-KR" sz="1200" dirty="0"/>
+          </a:p>
+        </p:txBody>
+      </p:sp>
+      <p:sp>
+        <p:nvSpPr>
+          <p:cNvPr id="94" name="직사각형 93">
+            <a:extLst>
+              <a:ext uri="{FF2B5EF4-FFF2-40B4-BE49-F238E27FC236}">
+                <a16:creationId xmlns:a16="http://schemas.microsoft.com/office/drawing/2014/main" id="{6AEE7A44-69EB-4944-DF6A-589E0E742C76}"/>
+              </a:ext>
+            </a:extLst>
+          </p:cNvPr>
+          <p:cNvSpPr/>
+          <p:nvPr/>
+        </p:nvSpPr>
+        <p:spPr>
+          <a:xfrm>
+            <a:off x="8324592" y="135918"/>
+            <a:ext cx="1008590" cy="257347"/>
+          </a:xfrm>
+          <a:prstGeom prst="rect">
+            <a:avLst/>
+          </a:prstGeom>
+        </p:spPr>
+        <p:style>
+          <a:lnRef idx="2">
+            <a:schemeClr val="accent1">
+              <a:shade val="15000"/>
+            </a:schemeClr>
+          </a:lnRef>
+          <a:fillRef idx="1">
+            <a:schemeClr val="accent1"/>
+          </a:fillRef>
+          <a:effectRef idx="0">
+            <a:schemeClr val="accent1"/>
+          </a:effectRef>
+          <a:fontRef idx="minor">
+            <a:schemeClr val="lt1"/>
+          </a:fontRef>
+        </p:style>
+        <p:txBody>
+          <a:bodyPr rtlCol="0" anchor="ctr"/>
+          <a:lstStyle/>
+          <a:p>
+            <a:pPr algn="ctr"/>
+            <a:r>
+              <a:rPr lang="ko-KR" altLang="en-US" sz="1200" dirty="0"/>
+              <a:t>에너지원별</a:t>
+            </a:r>
+            <a:endParaRPr lang="en-US" altLang="ko-KR" sz="1200" dirty="0"/>
+          </a:p>
+        </p:txBody>
+      </p:sp>
+      <p:sp>
+        <p:nvSpPr>
+          <p:cNvPr id="95" name="직사각형 94">
+            <a:extLst>
+              <a:ext uri="{FF2B5EF4-FFF2-40B4-BE49-F238E27FC236}">
+                <a16:creationId xmlns:a16="http://schemas.microsoft.com/office/drawing/2014/main" id="{64BF5B8E-1340-4590-DBFF-6AB6BA63C2FB}"/>
+              </a:ext>
+            </a:extLst>
+          </p:cNvPr>
+          <p:cNvSpPr/>
+          <p:nvPr/>
+        </p:nvSpPr>
+        <p:spPr>
+          <a:xfrm>
+            <a:off x="5807231" y="135918"/>
+            <a:ext cx="540180" cy="257347"/>
+          </a:xfrm>
+          <a:prstGeom prst="rect">
+            <a:avLst/>
+          </a:prstGeom>
+          <a:solidFill>
+            <a:schemeClr val="bg2"/>
+          </a:solidFill>
+          <a:ln>
+            <a:solidFill>
+              <a:schemeClr val="bg2"/>
+            </a:solidFill>
+          </a:ln>
+        </p:spPr>
+        <p:style>
+          <a:lnRef idx="2">
+            <a:schemeClr val="accent1">
+              <a:shade val="15000"/>
+            </a:schemeClr>
+          </a:lnRef>
+          <a:fillRef idx="1">
+            <a:schemeClr val="accent1"/>
+          </a:fillRef>
+          <a:effectRef idx="0">
+            <a:schemeClr val="accent1"/>
+          </a:effectRef>
+          <a:fontRef idx="minor">
+            <a:schemeClr val="lt1"/>
+          </a:fontRef>
+        </p:style>
+        <p:txBody>
+          <a:bodyPr rtlCol="0" anchor="ctr"/>
+          <a:lstStyle/>
+          <a:p>
+            <a:pPr algn="ctr"/>
+            <a:r>
+              <a:rPr lang="ko-KR" altLang="en-US" sz="1200" dirty="0"/>
+              <a:t>연도</a:t>
+            </a:r>
+            <a:endParaRPr lang="en-US" altLang="ko-KR" sz="1200" dirty="0"/>
+          </a:p>
+        </p:txBody>
+      </p:sp>
+      <p:pic>
+        <p:nvPicPr>
+          <p:cNvPr id="102" name="그림 101">
+            <a:extLst>
+              <a:ext uri="{FF2B5EF4-FFF2-40B4-BE49-F238E27FC236}">
+                <a16:creationId xmlns:a16="http://schemas.microsoft.com/office/drawing/2014/main" id="{75C40BED-7973-F743-E999-F8505F875C83}"/>
+              </a:ext>
+            </a:extLst>
+          </p:cNvPr>
+          <p:cNvPicPr>
+            <a:picLocks noChangeAspect="1"/>
+          </p:cNvPicPr>
+          <p:nvPr/>
+        </p:nvPicPr>
+        <p:blipFill>
+          <a:blip r:embed="rId3"/>
+          <a:srcRect r="16143"/>
+          <a:stretch/>
+        </p:blipFill>
+        <p:spPr>
+          <a:xfrm>
+            <a:off x="5612207" y="488465"/>
+            <a:ext cx="3811897" cy="2610287"/>
+          </a:xfrm>
+          <a:prstGeom prst="rect">
+            <a:avLst/>
+          </a:prstGeom>
+        </p:spPr>
+      </p:pic>
+      <p:sp>
+        <p:nvSpPr>
+          <p:cNvPr id="103" name="직사각형 102"/>
+          <p:cNvSpPr/>
+          <p:nvPr/>
+        </p:nvSpPr>
+        <p:spPr>
+          <a:xfrm>
+            <a:off x="383163" y="3328584"/>
+            <a:ext cx="4000866" cy="763356"/>
+          </a:xfrm>
+          <a:prstGeom prst="rect">
+            <a:avLst/>
+          </a:prstGeom>
+          <a:solidFill>
+            <a:schemeClr val="accent2"/>
+          </a:solidFill>
+        </p:spPr>
+        <p:style>
+          <a:lnRef idx="2">
+            <a:schemeClr val="accent1">
+              <a:shade val="50000"/>
+            </a:schemeClr>
+          </a:lnRef>
+          <a:fillRef idx="1">
+            <a:schemeClr val="accent1"/>
+          </a:fillRef>
+          <a:effectRef idx="0">
+            <a:schemeClr val="accent1"/>
+          </a:effectRef>
+          <a:fontRef idx="minor">
+            <a:schemeClr val="lt1"/>
+          </a:fontRef>
+        </p:style>
+        <p:txBody>
+          <a:bodyPr rtlCol="0" anchor="ctr"/>
+          <a:lstStyle/>
+          <a:p>
+            <a:pPr algn="ctr"/>
+            <a:r>
+              <a:rPr lang="en-US" altLang="ko-KR" sz="1200" dirty="0"/>
+              <a:t>[</a:t>
+            </a:r>
+            <a:r>
+              <a:rPr lang="ko-KR" altLang="en-US" sz="1200" dirty="0"/>
+              <a:t>차트</a:t>
+            </a:r>
+            <a:r>
+              <a:rPr lang="en-US" altLang="ko-KR" sz="1200" dirty="0"/>
+              <a:t>] https://echarts.apache.org/examples/en/editor.html?c=treemap-disk</a:t>
+            </a:r>
+            <a:endParaRPr lang="ko-KR" altLang="en-US" sz="1200" dirty="0"/>
+          </a:p>
+        </p:txBody>
+      </p:sp>
+      <p:sp>
+        <p:nvSpPr>
+          <p:cNvPr id="104" name="직사각형 103"/>
+          <p:cNvSpPr/>
+          <p:nvPr/>
+        </p:nvSpPr>
+        <p:spPr>
+          <a:xfrm>
+            <a:off x="5807230" y="3328584"/>
+            <a:ext cx="3616873" cy="763356"/>
+          </a:xfrm>
+          <a:prstGeom prst="rect">
+            <a:avLst/>
+          </a:prstGeom>
+          <a:solidFill>
+            <a:schemeClr val="accent2"/>
+          </a:solidFill>
+        </p:spPr>
+        <p:style>
+          <a:lnRef idx="2">
+            <a:schemeClr val="accent1">
+              <a:shade val="50000"/>
+            </a:schemeClr>
+          </a:lnRef>
+          <a:fillRef idx="1">
+            <a:schemeClr val="accent1"/>
+          </a:fillRef>
+          <a:effectRef idx="0">
+            <a:schemeClr val="accent1"/>
+          </a:effectRef>
+          <a:fontRef idx="minor">
+            <a:schemeClr val="lt1"/>
+          </a:fontRef>
+        </p:style>
+        <p:txBody>
+          <a:bodyPr rtlCol="0" anchor="ctr"/>
+          <a:lstStyle/>
+          <a:p>
+            <a:pPr algn="ctr"/>
+            <a:r>
+              <a:rPr lang="en-US" altLang="ko-KR" sz="1200" dirty="0"/>
+              <a:t>[</a:t>
+            </a:r>
+            <a:r>
+              <a:rPr lang="ko-KR" altLang="en-US" sz="1200" dirty="0"/>
+              <a:t>차트</a:t>
+            </a:r>
+            <a:r>
+              <a:rPr lang="en-US" altLang="ko-KR" sz="1200" dirty="0"/>
+              <a:t>] https://echarts.apache.org/examples/en/editor.html?c=treemap-disk</a:t>
+            </a:r>
+            <a:endParaRPr lang="ko-KR" altLang="en-US" sz="1200" dirty="0"/>
+          </a:p>
+        </p:txBody>
+      </p:sp>
+      <p:sp>
+        <p:nvSpPr>
+          <p:cNvPr id="14" name="직사각형 13"/>
+          <p:cNvSpPr/>
+          <p:nvPr/>
+        </p:nvSpPr>
+        <p:spPr>
+          <a:xfrm>
+            <a:off x="382615" y="4186080"/>
+            <a:ext cx="4001414" cy="262645"/>
+          </a:xfrm>
+          <a:prstGeom prst="rect">
+            <a:avLst/>
+          </a:prstGeom>
+          <a:solidFill>
+            <a:srgbClr val="7030A0"/>
+          </a:solidFill>
+        </p:spPr>
+        <p:style>
+          <a:lnRef idx="2">
+            <a:schemeClr val="accent1">
+              <a:shade val="50000"/>
+            </a:schemeClr>
+          </a:lnRef>
+          <a:fillRef idx="1">
+            <a:schemeClr val="accent1"/>
+          </a:fillRef>
+          <a:effectRef idx="0">
+            <a:schemeClr val="accent1"/>
+          </a:effectRef>
+          <a:fontRef idx="minor">
+            <a:schemeClr val="lt1"/>
+          </a:fontRef>
+        </p:style>
+        <p:txBody>
+          <a:bodyPr rtlCol="0" anchor="ctr"/>
+          <a:lstStyle/>
+          <a:p>
+            <a:pPr algn="ctr"/>
+            <a:r>
+              <a:rPr lang="en-US" altLang="ko-KR" sz="1200" dirty="0"/>
+              <a:t>[</a:t>
+            </a:r>
+            <a:r>
+              <a:rPr lang="ko-KR" altLang="en-US" sz="1200" dirty="0"/>
+              <a:t>자료</a:t>
+            </a:r>
+            <a:r>
+              <a:rPr lang="en-US" altLang="ko-KR" sz="1200" dirty="0"/>
+              <a:t>] </a:t>
+            </a:r>
+            <a:r>
+              <a:rPr lang="ko-KR" altLang="en-US" sz="1200" dirty="0"/>
+              <a:t>지역에너지통계연보 </a:t>
+            </a:r>
+            <a:r>
+              <a:rPr lang="en-US" altLang="ko-KR" sz="1200" dirty="0"/>
+              <a:t>I-7</a:t>
+            </a:r>
+            <a:endParaRPr lang="ko-KR" altLang="en-US" sz="1200" dirty="0"/>
+          </a:p>
+        </p:txBody>
+      </p:sp>
+      <p:sp>
+        <p:nvSpPr>
+          <p:cNvPr id="16" name="직사각형 15"/>
+          <p:cNvSpPr/>
+          <p:nvPr/>
+        </p:nvSpPr>
+        <p:spPr>
+          <a:xfrm>
+            <a:off x="5807231" y="4186080"/>
+            <a:ext cx="3616872" cy="262645"/>
+          </a:xfrm>
+          <a:prstGeom prst="rect">
+            <a:avLst/>
+          </a:prstGeom>
+          <a:solidFill>
+            <a:srgbClr val="7030A0"/>
+          </a:solidFill>
+        </p:spPr>
+        <p:style>
+          <a:lnRef idx="2">
+            <a:schemeClr val="accent1">
+              <a:shade val="50000"/>
+            </a:schemeClr>
+          </a:lnRef>
+          <a:fillRef idx="1">
+            <a:schemeClr val="accent1"/>
+          </a:fillRef>
+          <a:effectRef idx="0">
+            <a:schemeClr val="accent1"/>
+          </a:effectRef>
+          <a:fontRef idx="minor">
+            <a:schemeClr val="lt1"/>
+          </a:fontRef>
+        </p:style>
+        <p:txBody>
+          <a:bodyPr rtlCol="0" anchor="ctr"/>
+          <a:lstStyle/>
+          <a:p>
+            <a:pPr algn="ctr"/>
+            <a:r>
+              <a:rPr lang="en-US" altLang="ko-KR" sz="1200" dirty="0"/>
+              <a:t>[</a:t>
+            </a:r>
+            <a:r>
+              <a:rPr lang="ko-KR" altLang="en-US" sz="1200" dirty="0"/>
+              <a:t>자료</a:t>
+            </a:r>
+            <a:r>
+              <a:rPr lang="en-US" altLang="ko-KR" sz="1200" dirty="0"/>
+              <a:t>] </a:t>
+            </a:r>
+            <a:r>
+              <a:rPr lang="ko-KR" altLang="en-US" sz="1200" dirty="0"/>
+              <a:t>지역에너지통계연보 </a:t>
+            </a:r>
+            <a:r>
+              <a:rPr lang="en-US" altLang="ko-KR" sz="1200" dirty="0"/>
+              <a:t>I-6</a:t>
+            </a:r>
+            <a:endParaRPr lang="ko-KR" altLang="en-US" sz="1200" dirty="0"/>
           </a:p>
         </p:txBody>
       </p:sp>
     </p:spTree>
     <p:extLst>
       <p:ext uri="{BB962C8B-B14F-4D97-AF65-F5344CB8AC3E}">
-        <p14:creationId xmlns:p14="http://schemas.microsoft.com/office/powerpoint/2010/main" val="2793288991"/>
+        <p14:creationId xmlns:p14="http://schemas.microsoft.com/office/powerpoint/2010/main" val="1103707925"/>
       </p:ext>
     </p:extLst>
   </p:cSld>
@@ -3005,7 +3994,1067 @@
 </p:sld>
 </file>
 
-<file path=ppt/slides/slide10.xml><?xml version="1.0" encoding="utf-8"?>
+<file path=ppt/slides/slide12.xml><?xml version="1.0" encoding="utf-8"?>
+<p:sld xmlns:a="http://schemas.openxmlformats.org/drawingml/2006/main" xmlns:r="http://schemas.openxmlformats.org/officeDocument/2006/relationships" xmlns:p="http://schemas.openxmlformats.org/presentationml/2006/main">
+  <p:cSld>
+    <p:spTree>
+      <p:nvGrpSpPr>
+        <p:cNvPr id="1" name=""/>
+        <p:cNvGrpSpPr/>
+        <p:nvPr/>
+      </p:nvGrpSpPr>
+      <p:grpSpPr>
+        <a:xfrm>
+          <a:off x="0" y="0"/>
+          <a:ext cx="0" cy="0"/>
+          <a:chOff x="0" y="0"/>
+          <a:chExt cx="0" cy="0"/>
+        </a:xfrm>
+      </p:grpSpPr>
+      <p:pic>
+        <p:nvPicPr>
+          <p:cNvPr id="2" name="그림 1">
+            <a:extLst>
+              <a:ext uri="{FF2B5EF4-FFF2-40B4-BE49-F238E27FC236}">
+                <a16:creationId xmlns:a16="http://schemas.microsoft.com/office/drawing/2014/main" id="{BCA85596-BF7F-3B9C-644F-E0D962DBD2BE}"/>
+              </a:ext>
+            </a:extLst>
+          </p:cNvPr>
+          <p:cNvPicPr>
+            <a:picLocks noChangeAspect="1"/>
+          </p:cNvPicPr>
+          <p:nvPr/>
+        </p:nvPicPr>
+        <p:blipFill>
+          <a:blip r:embed="rId2"/>
+          <a:stretch>
+            <a:fillRect/>
+          </a:stretch>
+        </p:blipFill>
+        <p:spPr>
+          <a:xfrm>
+            <a:off x="1716356" y="1022213"/>
+            <a:ext cx="5227052" cy="3419612"/>
+          </a:xfrm>
+          <a:prstGeom prst="rect">
+            <a:avLst/>
+          </a:prstGeom>
+        </p:spPr>
+      </p:pic>
+      <p:sp>
+        <p:nvSpPr>
+          <p:cNvPr id="3" name="TextBox 2">
+            <a:extLst>
+              <a:ext uri="{FF2B5EF4-FFF2-40B4-BE49-F238E27FC236}">
+                <a16:creationId xmlns:a16="http://schemas.microsoft.com/office/drawing/2014/main" id="{BDDAB908-8E6F-C648-590B-3F17B3F684B4}"/>
+              </a:ext>
+            </a:extLst>
+          </p:cNvPr>
+          <p:cNvSpPr txBox="1"/>
+          <p:nvPr/>
+        </p:nvSpPr>
+        <p:spPr>
+          <a:xfrm>
+            <a:off x="1716356" y="964182"/>
+            <a:ext cx="368697" cy="169277"/>
+          </a:xfrm>
+          <a:prstGeom prst="rect">
+            <a:avLst/>
+          </a:prstGeom>
+          <a:solidFill>
+            <a:schemeClr val="bg1"/>
+          </a:solidFill>
+        </p:spPr>
+        <p:txBody>
+          <a:bodyPr wrap="square">
+            <a:spAutoFit/>
+          </a:bodyPr>
+          <a:lstStyle/>
+          <a:p>
+            <a:r>
+              <a:rPr lang="en-US" altLang="ko-KR" sz="500" b="1" dirty="0"/>
+              <a:t>KTOE</a:t>
+            </a:r>
+          </a:p>
+        </p:txBody>
+      </p:sp>
+      <p:sp>
+        <p:nvSpPr>
+          <p:cNvPr id="4" name="직사각형 3">
+            <a:extLst>
+              <a:ext uri="{FF2B5EF4-FFF2-40B4-BE49-F238E27FC236}">
+                <a16:creationId xmlns:a16="http://schemas.microsoft.com/office/drawing/2014/main" id="{88FBC44B-3D4D-D84D-EFC2-B0FDCFE64C9D}"/>
+              </a:ext>
+            </a:extLst>
+          </p:cNvPr>
+          <p:cNvSpPr/>
+          <p:nvPr/>
+        </p:nvSpPr>
+        <p:spPr>
+          <a:xfrm>
+            <a:off x="468343" y="4757391"/>
+            <a:ext cx="3462898" cy="281449"/>
+          </a:xfrm>
+          <a:prstGeom prst="rect">
+            <a:avLst/>
+          </a:prstGeom>
+          <a:solidFill>
+            <a:srgbClr val="7030A0"/>
+          </a:solidFill>
+        </p:spPr>
+        <p:style>
+          <a:lnRef idx="2">
+            <a:schemeClr val="accent1">
+              <a:shade val="50000"/>
+            </a:schemeClr>
+          </a:lnRef>
+          <a:fillRef idx="1">
+            <a:schemeClr val="accent1"/>
+          </a:fillRef>
+          <a:effectRef idx="0">
+            <a:schemeClr val="accent1"/>
+          </a:effectRef>
+          <a:fontRef idx="minor">
+            <a:schemeClr val="lt1"/>
+          </a:fontRef>
+        </p:style>
+        <p:txBody>
+          <a:bodyPr rtlCol="0" anchor="ctr"/>
+          <a:lstStyle/>
+          <a:p>
+            <a:pPr algn="ctr"/>
+            <a:r>
+              <a:rPr lang="en-US" altLang="ko-KR" sz="1200" dirty="0"/>
+              <a:t>[</a:t>
+            </a:r>
+            <a:r>
+              <a:rPr lang="ko-KR" altLang="en-US" sz="1200" dirty="0"/>
+              <a:t>자료</a:t>
+            </a:r>
+            <a:r>
+              <a:rPr lang="en-US" altLang="ko-KR" sz="1200" dirty="0"/>
+              <a:t>] </a:t>
+            </a:r>
+            <a:r>
+              <a:rPr lang="ko-KR" altLang="en-US" sz="1200" dirty="0"/>
+              <a:t>지역에너지통계연보 </a:t>
+            </a:r>
+            <a:r>
+              <a:rPr lang="en-US" altLang="ko-KR" sz="1200" dirty="0"/>
+              <a:t>I-5</a:t>
+            </a:r>
+            <a:endParaRPr lang="ko-KR" altLang="en-US" sz="1200" dirty="0"/>
+          </a:p>
+        </p:txBody>
+      </p:sp>
+      <p:sp>
+        <p:nvSpPr>
+          <p:cNvPr id="5" name="직사각형 4">
+            <a:extLst>
+              <a:ext uri="{FF2B5EF4-FFF2-40B4-BE49-F238E27FC236}">
+                <a16:creationId xmlns:a16="http://schemas.microsoft.com/office/drawing/2014/main" id="{5CEBD2DA-2D81-6EF5-82C3-16C5A4E44B0D}"/>
+              </a:ext>
+            </a:extLst>
+          </p:cNvPr>
+          <p:cNvSpPr/>
+          <p:nvPr/>
+        </p:nvSpPr>
+        <p:spPr>
+          <a:xfrm>
+            <a:off x="468343" y="6039745"/>
+            <a:ext cx="4108537" cy="805210"/>
+          </a:xfrm>
+          <a:prstGeom prst="rect">
+            <a:avLst/>
+          </a:prstGeom>
+          <a:solidFill>
+            <a:srgbClr val="7030A0"/>
+          </a:solidFill>
+        </p:spPr>
+        <p:style>
+          <a:lnRef idx="2">
+            <a:schemeClr val="accent1">
+              <a:shade val="50000"/>
+            </a:schemeClr>
+          </a:lnRef>
+          <a:fillRef idx="1">
+            <a:schemeClr val="accent1"/>
+          </a:fillRef>
+          <a:effectRef idx="0">
+            <a:schemeClr val="accent1"/>
+          </a:effectRef>
+          <a:fontRef idx="minor">
+            <a:schemeClr val="lt1"/>
+          </a:fontRef>
+        </p:style>
+        <p:txBody>
+          <a:bodyPr rtlCol="0" anchor="ctr"/>
+          <a:lstStyle/>
+          <a:p>
+            <a:pPr algn="ctr"/>
+            <a:r>
+              <a:rPr lang="en-US" altLang="ko-KR" sz="1200" dirty="0"/>
+              <a:t>[</a:t>
+            </a:r>
+            <a:r>
+              <a:rPr lang="ko-KR" altLang="en-US" sz="1200" dirty="0"/>
+              <a:t>자료</a:t>
+            </a:r>
+            <a:r>
+              <a:rPr lang="en-US" altLang="ko-KR" sz="1200" dirty="0"/>
+              <a:t>] </a:t>
+            </a:r>
+            <a:r>
+              <a:rPr lang="ko-KR" altLang="en-US" sz="1200" dirty="0"/>
+              <a:t>지역에너지통계연보 </a:t>
+            </a:r>
+            <a:r>
+              <a:rPr lang="en-US" altLang="ko-KR" sz="1200" dirty="0"/>
+              <a:t>I-1 </a:t>
+            </a:r>
+            <a:br>
+              <a:rPr lang="en-US" altLang="ko-KR" sz="1200" dirty="0"/>
+            </a:br>
+            <a:r>
+              <a:rPr lang="en-US" altLang="ko-KR" sz="1200" dirty="0"/>
+              <a:t>GRDP</a:t>
+            </a:r>
+            <a:r>
+              <a:rPr lang="ko-KR" altLang="en-US" sz="1200" dirty="0"/>
+              <a:t>당 최종에너지소비</a:t>
+            </a:r>
+            <a:r>
+              <a:rPr lang="en-US" altLang="ko-KR" sz="1200" dirty="0"/>
+              <a:t>(Q</a:t>
+            </a:r>
+            <a:r>
+              <a:rPr lang="ko-KR" altLang="en-US" sz="1200" dirty="0"/>
+              <a:t>열</a:t>
+            </a:r>
+            <a:r>
+              <a:rPr lang="en-US" altLang="ko-KR" sz="1200" dirty="0"/>
+              <a:t>)</a:t>
+            </a:r>
+            <a:endParaRPr lang="ko-KR" altLang="en-US" sz="1200" dirty="0"/>
+          </a:p>
+        </p:txBody>
+      </p:sp>
+      <p:sp>
+        <p:nvSpPr>
+          <p:cNvPr id="6" name="직사각형 5">
+            <a:extLst>
+              <a:ext uri="{FF2B5EF4-FFF2-40B4-BE49-F238E27FC236}">
+                <a16:creationId xmlns:a16="http://schemas.microsoft.com/office/drawing/2014/main" id="{275BEEC3-E259-AC25-4AB4-B5E223F66505}"/>
+              </a:ext>
+            </a:extLst>
+          </p:cNvPr>
+          <p:cNvSpPr/>
+          <p:nvPr/>
+        </p:nvSpPr>
+        <p:spPr>
+          <a:xfrm>
+            <a:off x="468343" y="5096871"/>
+            <a:ext cx="4108537" cy="805210"/>
+          </a:xfrm>
+          <a:prstGeom prst="rect">
+            <a:avLst/>
+          </a:prstGeom>
+          <a:solidFill>
+            <a:srgbClr val="7030A0"/>
+          </a:solidFill>
+        </p:spPr>
+        <p:style>
+          <a:lnRef idx="2">
+            <a:schemeClr val="accent1">
+              <a:shade val="50000"/>
+            </a:schemeClr>
+          </a:lnRef>
+          <a:fillRef idx="1">
+            <a:schemeClr val="accent1"/>
+          </a:fillRef>
+          <a:effectRef idx="0">
+            <a:schemeClr val="accent1"/>
+          </a:effectRef>
+          <a:fontRef idx="minor">
+            <a:schemeClr val="lt1"/>
+          </a:fontRef>
+        </p:style>
+        <p:txBody>
+          <a:bodyPr rtlCol="0" anchor="ctr"/>
+          <a:lstStyle/>
+          <a:p>
+            <a:pPr algn="ctr"/>
+            <a:r>
+              <a:rPr lang="en-US" altLang="ko-KR" sz="1200" dirty="0"/>
+              <a:t>[</a:t>
+            </a:r>
+            <a:r>
+              <a:rPr lang="ko-KR" altLang="en-US" sz="1200" dirty="0"/>
+              <a:t>자료</a:t>
+            </a:r>
+            <a:r>
+              <a:rPr lang="en-US" altLang="ko-KR" sz="1200" dirty="0"/>
+              <a:t>] </a:t>
+            </a:r>
+            <a:r>
+              <a:rPr lang="ko-KR" altLang="en-US" sz="1200" dirty="0"/>
+              <a:t>지역에너지통계연보 </a:t>
+            </a:r>
+            <a:r>
+              <a:rPr lang="en-US" altLang="ko-KR" sz="1200" dirty="0"/>
+              <a:t>I-1 </a:t>
+            </a:r>
+            <a:br>
+              <a:rPr lang="en-US" altLang="ko-KR" sz="1200" dirty="0"/>
+            </a:br>
+            <a:r>
+              <a:rPr lang="en-US" altLang="ko-KR" sz="1200" dirty="0"/>
+              <a:t>1</a:t>
+            </a:r>
+            <a:r>
+              <a:rPr lang="ko-KR" altLang="en-US" sz="1200" dirty="0"/>
+              <a:t>인당 최종에너지 소비</a:t>
+            </a:r>
+            <a:r>
+              <a:rPr lang="en-US" altLang="ko-KR" sz="1200" dirty="0"/>
+              <a:t>(L</a:t>
+            </a:r>
+            <a:r>
+              <a:rPr lang="ko-KR" altLang="en-US" sz="1200" dirty="0"/>
+              <a:t>열</a:t>
+            </a:r>
+            <a:r>
+              <a:rPr lang="en-US" altLang="ko-KR" sz="1200" dirty="0"/>
+              <a:t>)</a:t>
+            </a:r>
+            <a:endParaRPr lang="ko-KR" altLang="en-US" sz="1200" dirty="0"/>
+          </a:p>
+        </p:txBody>
+      </p:sp>
+      <p:sp>
+        <p:nvSpPr>
+          <p:cNvPr id="7" name="직사각형 6">
+            <a:extLst>
+              <a:ext uri="{FF2B5EF4-FFF2-40B4-BE49-F238E27FC236}">
+                <a16:creationId xmlns:a16="http://schemas.microsoft.com/office/drawing/2014/main" id="{4641F9FF-4223-5BD0-1E72-1315604D9049}"/>
+              </a:ext>
+            </a:extLst>
+          </p:cNvPr>
+          <p:cNvSpPr/>
+          <p:nvPr/>
+        </p:nvSpPr>
+        <p:spPr>
+          <a:xfrm>
+            <a:off x="5178948" y="5096871"/>
+            <a:ext cx="2494769" cy="1247576"/>
+          </a:xfrm>
+          <a:prstGeom prst="rect">
+            <a:avLst/>
+          </a:prstGeom>
+          <a:solidFill>
+            <a:schemeClr val="accent2"/>
+          </a:solidFill>
+        </p:spPr>
+        <p:style>
+          <a:lnRef idx="2">
+            <a:schemeClr val="accent1">
+              <a:shade val="50000"/>
+            </a:schemeClr>
+          </a:lnRef>
+          <a:fillRef idx="1">
+            <a:schemeClr val="accent1"/>
+          </a:fillRef>
+          <a:effectRef idx="0">
+            <a:schemeClr val="accent1"/>
+          </a:effectRef>
+          <a:fontRef idx="minor">
+            <a:schemeClr val="lt1"/>
+          </a:fontRef>
+        </p:style>
+        <p:txBody>
+          <a:bodyPr rtlCol="0" anchor="ctr"/>
+          <a:lstStyle/>
+          <a:p>
+            <a:pPr algn="ctr"/>
+            <a:r>
+              <a:rPr lang="en-US" altLang="ko-KR" sz="1200" dirty="0"/>
+              <a:t>[</a:t>
+            </a:r>
+            <a:r>
+              <a:rPr lang="ko-KR" altLang="en-US" sz="1200" dirty="0"/>
+              <a:t>차트</a:t>
+            </a:r>
+            <a:r>
+              <a:rPr lang="en-US" altLang="ko-KR" sz="1200" dirty="0"/>
+              <a:t>] https://echarts.apache.org/examples/en/editor.html?c=line-race</a:t>
+            </a:r>
+            <a:endParaRPr lang="ko-KR" altLang="en-US" sz="1200" dirty="0"/>
+          </a:p>
+        </p:txBody>
+      </p:sp>
+      <p:sp>
+        <p:nvSpPr>
+          <p:cNvPr id="8" name="말풍선: 사각형 7">
+            <a:extLst>
+              <a:ext uri="{FF2B5EF4-FFF2-40B4-BE49-F238E27FC236}">
+                <a16:creationId xmlns:a16="http://schemas.microsoft.com/office/drawing/2014/main" id="{8950CE47-F5F9-713A-13E4-DD7264B1157B}"/>
+              </a:ext>
+            </a:extLst>
+          </p:cNvPr>
+          <p:cNvSpPr/>
+          <p:nvPr/>
+        </p:nvSpPr>
+        <p:spPr>
+          <a:xfrm>
+            <a:off x="3802137" y="-540345"/>
+            <a:ext cx="5946969" cy="1106779"/>
+          </a:xfrm>
+          <a:prstGeom prst="wedgeRectCallout">
+            <a:avLst>
+              <a:gd name="adj1" fmla="val -24907"/>
+              <a:gd name="adj2" fmla="val 71714"/>
+            </a:avLst>
+          </a:prstGeom>
+          <a:solidFill>
+            <a:srgbClr val="FFFF00"/>
+          </a:solidFill>
+          <a:ln>
+            <a:prstDash val="sysDot"/>
+          </a:ln>
+        </p:spPr>
+        <p:style>
+          <a:lnRef idx="2">
+            <a:schemeClr val="accent1">
+              <a:shade val="15000"/>
+            </a:schemeClr>
+          </a:lnRef>
+          <a:fillRef idx="1">
+            <a:schemeClr val="accent1"/>
+          </a:fillRef>
+          <a:effectRef idx="0">
+            <a:schemeClr val="accent1"/>
+          </a:effectRef>
+          <a:fontRef idx="minor">
+            <a:schemeClr val="lt1"/>
+          </a:fontRef>
+        </p:style>
+        <p:txBody>
+          <a:bodyPr rtlCol="0" anchor="ctr"/>
+          <a:lstStyle/>
+          <a:p>
+            <a:pPr algn="just"/>
+            <a:r>
+              <a:rPr lang="ko-KR" altLang="en-US" sz="1100" b="1" dirty="0">
+                <a:solidFill>
+                  <a:schemeClr val="tx1"/>
+                </a:solidFill>
+              </a:rPr>
+              <a:t>참고사항</a:t>
+            </a:r>
+            <a:r>
+              <a:rPr lang="en-US" altLang="ko-KR" sz="1100" dirty="0">
+                <a:solidFill>
+                  <a:schemeClr val="tx1"/>
+                </a:solidFill>
+              </a:rPr>
+              <a:t>.</a:t>
+            </a:r>
+          </a:p>
+          <a:p>
+            <a:pPr marL="228600" indent="-228600" algn="just">
+              <a:buAutoNum type="arabicPeriod"/>
+            </a:pPr>
+            <a:r>
+              <a:rPr lang="en-US" altLang="ko-KR" sz="1100" dirty="0">
+                <a:solidFill>
+                  <a:schemeClr val="tx1"/>
+                </a:solidFill>
+              </a:rPr>
+              <a:t>2011</a:t>
+            </a:r>
+            <a:r>
+              <a:rPr lang="ko-KR" altLang="en-US" sz="1100" dirty="0">
+                <a:solidFill>
+                  <a:schemeClr val="tx1"/>
+                </a:solidFill>
+              </a:rPr>
+              <a:t>년부터 </a:t>
+            </a:r>
+            <a:r>
+              <a:rPr lang="en-US" altLang="ko-KR" sz="1100" dirty="0">
+                <a:solidFill>
+                  <a:schemeClr val="tx1"/>
+                </a:solidFill>
+              </a:rPr>
+              <a:t>2022</a:t>
+            </a:r>
+            <a:r>
+              <a:rPr lang="ko-KR" altLang="en-US" sz="1100" dirty="0">
+                <a:solidFill>
+                  <a:schemeClr val="tx1"/>
+                </a:solidFill>
+              </a:rPr>
+              <a:t>년까지 데이터가 있습니다</a:t>
+            </a:r>
+            <a:r>
+              <a:rPr lang="en-US" altLang="ko-KR" sz="1100" dirty="0">
+                <a:solidFill>
+                  <a:schemeClr val="tx1"/>
+                </a:solidFill>
+              </a:rPr>
+              <a:t>. </a:t>
+            </a:r>
+          </a:p>
+          <a:p>
+            <a:pPr algn="just"/>
+            <a:r>
+              <a:rPr lang="en-US" altLang="ko-KR" sz="1100" dirty="0">
+                <a:solidFill>
+                  <a:schemeClr val="tx1"/>
+                </a:solidFill>
+              </a:rPr>
+              <a:t>      2011-2013</a:t>
+            </a:r>
+            <a:r>
+              <a:rPr lang="ko-KR" altLang="en-US" sz="1100" dirty="0">
+                <a:solidFill>
+                  <a:schemeClr val="tx1"/>
+                </a:solidFill>
+              </a:rPr>
+              <a:t>년</a:t>
+            </a:r>
+            <a:r>
+              <a:rPr lang="en-US" altLang="ko-KR" sz="1100" dirty="0">
+                <a:solidFill>
+                  <a:schemeClr val="tx1"/>
+                </a:solidFill>
+              </a:rPr>
+              <a:t>: </a:t>
+            </a:r>
+            <a:r>
+              <a:rPr lang="ko-KR" altLang="en-US" sz="1100" dirty="0">
+                <a:solidFill>
+                  <a:schemeClr val="tx1"/>
+                </a:solidFill>
+              </a:rPr>
+              <a:t>세종이 없고 </a:t>
+            </a:r>
+            <a:r>
+              <a:rPr lang="en-US" altLang="ko-KR" sz="1100" dirty="0">
+                <a:solidFill>
+                  <a:schemeClr val="tx1"/>
+                </a:solidFill>
+              </a:rPr>
+              <a:t>16</a:t>
+            </a:r>
+            <a:r>
+              <a:rPr lang="ko-KR" altLang="en-US" sz="1100" dirty="0">
+                <a:solidFill>
+                  <a:schemeClr val="tx1"/>
+                </a:solidFill>
+              </a:rPr>
+              <a:t>개 시도</a:t>
+            </a:r>
+            <a:r>
+              <a:rPr lang="en-US" altLang="ko-KR" sz="1100" dirty="0">
+                <a:solidFill>
+                  <a:schemeClr val="tx1"/>
+                </a:solidFill>
+              </a:rPr>
+              <a:t>, 2014-2022</a:t>
+            </a:r>
+            <a:r>
+              <a:rPr lang="ko-KR" altLang="en-US" sz="1100" dirty="0">
+                <a:solidFill>
+                  <a:schemeClr val="tx1"/>
+                </a:solidFill>
+              </a:rPr>
+              <a:t>년</a:t>
+            </a:r>
+            <a:r>
+              <a:rPr lang="en-US" altLang="ko-KR" sz="1100" dirty="0">
+                <a:solidFill>
+                  <a:schemeClr val="tx1"/>
+                </a:solidFill>
+              </a:rPr>
+              <a:t>: </a:t>
+            </a:r>
+            <a:r>
+              <a:rPr lang="ko-KR" altLang="en-US" sz="1100" dirty="0">
+                <a:solidFill>
+                  <a:schemeClr val="tx1"/>
+                </a:solidFill>
+              </a:rPr>
+              <a:t>세종 포함 </a:t>
+            </a:r>
+            <a:r>
+              <a:rPr lang="en-US" altLang="ko-KR" sz="1100" dirty="0">
+                <a:solidFill>
+                  <a:schemeClr val="tx1"/>
+                </a:solidFill>
+              </a:rPr>
+              <a:t>17</a:t>
+            </a:r>
+            <a:r>
+              <a:rPr lang="ko-KR" altLang="en-US" sz="1100" dirty="0">
+                <a:solidFill>
+                  <a:schemeClr val="tx1"/>
+                </a:solidFill>
+              </a:rPr>
+              <a:t>개 시도</a:t>
+            </a:r>
+            <a:r>
+              <a:rPr lang="en-US" altLang="ko-KR" sz="1100" dirty="0">
+                <a:solidFill>
+                  <a:schemeClr val="tx1"/>
+                </a:solidFill>
+              </a:rPr>
+              <a:t>.</a:t>
+            </a:r>
+          </a:p>
+          <a:p>
+            <a:pPr marL="228600" indent="-228600" algn="just">
+              <a:buAutoNum type="arabicPeriod"/>
+            </a:pPr>
+            <a:r>
+              <a:rPr lang="en-US" altLang="ko-KR" sz="1100" dirty="0">
+                <a:solidFill>
+                  <a:schemeClr val="tx1"/>
+                </a:solidFill>
+              </a:rPr>
+              <a:t>17</a:t>
+            </a:r>
+            <a:r>
+              <a:rPr lang="ko-KR" altLang="en-US" sz="1100" dirty="0">
+                <a:solidFill>
+                  <a:schemeClr val="tx1"/>
+                </a:solidFill>
+              </a:rPr>
+              <a:t>개의 선이 </a:t>
+            </a:r>
+            <a:r>
+              <a:rPr lang="ko-KR" altLang="en-US" sz="1100" dirty="0" err="1">
+                <a:solidFill>
+                  <a:schemeClr val="tx1"/>
+                </a:solidFill>
+              </a:rPr>
+              <a:t>생길텐데</a:t>
+            </a:r>
+            <a:r>
+              <a:rPr lang="en-US" altLang="ko-KR" sz="1100" dirty="0">
+                <a:solidFill>
+                  <a:schemeClr val="tx1"/>
+                </a:solidFill>
+              </a:rPr>
+              <a:t>, </a:t>
+            </a:r>
+            <a:r>
+              <a:rPr lang="ko-KR" altLang="en-US" sz="1100" dirty="0">
+                <a:solidFill>
+                  <a:schemeClr val="tx1"/>
+                </a:solidFill>
+              </a:rPr>
+              <a:t>경기도는 눈에 띄었으면 좋겠음</a:t>
+            </a:r>
+            <a:endParaRPr lang="en-US" altLang="ko-KR" sz="1100" dirty="0">
+              <a:solidFill>
+                <a:schemeClr val="tx1"/>
+              </a:solidFill>
+            </a:endParaRPr>
+          </a:p>
+          <a:p>
+            <a:pPr marL="228600" indent="-228600" algn="just">
+              <a:buAutoNum type="arabicPeriod"/>
+            </a:pPr>
+            <a:r>
+              <a:rPr lang="ko-KR" altLang="en-US" sz="1100" dirty="0">
+                <a:solidFill>
+                  <a:schemeClr val="tx1"/>
+                </a:solidFill>
+              </a:rPr>
+              <a:t>그래프 옵션이 </a:t>
+            </a:r>
+            <a:r>
+              <a:rPr lang="en-US" altLang="ko-KR" sz="1100" dirty="0">
+                <a:solidFill>
+                  <a:schemeClr val="tx1"/>
+                </a:solidFill>
+              </a:rPr>
+              <a:t>3</a:t>
+            </a:r>
+            <a:r>
+              <a:rPr lang="ko-KR" altLang="en-US" sz="1100" dirty="0">
+                <a:solidFill>
+                  <a:schemeClr val="tx1"/>
+                </a:solidFill>
+              </a:rPr>
+              <a:t>가지 였으면 좋겠음 </a:t>
+            </a:r>
+            <a:r>
+              <a:rPr lang="en-US" altLang="ko-KR" sz="1100" dirty="0">
+                <a:solidFill>
+                  <a:schemeClr val="tx1"/>
+                </a:solidFill>
+              </a:rPr>
+              <a:t>(</a:t>
+            </a:r>
+            <a:r>
+              <a:rPr lang="ko-KR" altLang="en-US" sz="1100" dirty="0">
+                <a:solidFill>
+                  <a:schemeClr val="tx1"/>
+                </a:solidFill>
+              </a:rPr>
+              <a:t>최종에너지소비</a:t>
+            </a:r>
+            <a:r>
+              <a:rPr lang="en-US" altLang="ko-KR" sz="1100" dirty="0">
+                <a:solidFill>
+                  <a:schemeClr val="tx1"/>
+                </a:solidFill>
+              </a:rPr>
+              <a:t>, 1</a:t>
+            </a:r>
+            <a:r>
+              <a:rPr lang="ko-KR" altLang="en-US" sz="1100" dirty="0">
+                <a:solidFill>
+                  <a:schemeClr val="tx1"/>
+                </a:solidFill>
+              </a:rPr>
+              <a:t>인당 에너지 소비</a:t>
+            </a:r>
+            <a:r>
+              <a:rPr lang="en-US" altLang="ko-KR" sz="1100" dirty="0">
+                <a:solidFill>
+                  <a:schemeClr val="tx1"/>
+                </a:solidFill>
+              </a:rPr>
+              <a:t>, GRDP</a:t>
+            </a:r>
+            <a:r>
+              <a:rPr lang="ko-KR" altLang="en-US" sz="1100" dirty="0">
+                <a:solidFill>
+                  <a:schemeClr val="tx1"/>
+                </a:solidFill>
+              </a:rPr>
+              <a:t>당 에너지 소비</a:t>
+            </a:r>
+            <a:r>
+              <a:rPr lang="en-US" altLang="ko-KR" sz="1100" dirty="0">
+                <a:solidFill>
+                  <a:schemeClr val="tx1"/>
+                </a:solidFill>
+              </a:rPr>
+              <a:t>)</a:t>
+            </a:r>
+          </a:p>
+        </p:txBody>
+      </p:sp>
+      <p:sp>
+        <p:nvSpPr>
+          <p:cNvPr id="9" name="TextBox 8">
+            <a:extLst>
+              <a:ext uri="{FF2B5EF4-FFF2-40B4-BE49-F238E27FC236}">
+                <a16:creationId xmlns:a16="http://schemas.microsoft.com/office/drawing/2014/main" id="{3803F304-4CD6-41C4-456D-23AA3622048B}"/>
+              </a:ext>
+            </a:extLst>
+          </p:cNvPr>
+          <p:cNvSpPr txBox="1"/>
+          <p:nvPr/>
+        </p:nvSpPr>
+        <p:spPr>
+          <a:xfrm>
+            <a:off x="468343" y="197327"/>
+            <a:ext cx="2115503" cy="353943"/>
+          </a:xfrm>
+          <a:prstGeom prst="rect">
+            <a:avLst/>
+          </a:prstGeom>
+          <a:noFill/>
+        </p:spPr>
+        <p:txBody>
+          <a:bodyPr wrap="square">
+            <a:spAutoFit/>
+          </a:bodyPr>
+          <a:lstStyle/>
+          <a:p>
+            <a:r>
+              <a:rPr lang="ko-KR" altLang="en-US" sz="700" b="1" dirty="0"/>
+              <a:t>시도별 에너지 소비 현황 추이</a:t>
+            </a:r>
+            <a:endParaRPr lang="en-US" altLang="ko-KR" sz="700" b="1" dirty="0"/>
+          </a:p>
+          <a:p>
+            <a:r>
+              <a:rPr lang="ko-KR" altLang="en-US" sz="500" b="1" dirty="0"/>
+              <a:t>전국 </a:t>
+            </a:r>
+            <a:r>
+              <a:rPr lang="en-US" altLang="ko-KR" sz="500" b="1" dirty="0"/>
+              <a:t>17</a:t>
+            </a:r>
+            <a:r>
+              <a:rPr lang="ko-KR" altLang="en-US" sz="500" b="1" dirty="0"/>
+              <a:t>개 시도별 에너지 소비 현황 추이 </a:t>
+            </a:r>
+            <a:r>
+              <a:rPr lang="en-US" altLang="ko-KR" sz="500" b="1" dirty="0"/>
+              <a:t>(2011~2022)</a:t>
+            </a:r>
+            <a:r>
+              <a:rPr lang="ko-KR" altLang="en-US" sz="500" b="1" dirty="0"/>
+              <a:t>를 최종에너지</a:t>
+            </a:r>
+            <a:r>
+              <a:rPr lang="en-US" altLang="ko-KR" sz="500" b="1" dirty="0"/>
+              <a:t>, </a:t>
+            </a:r>
+            <a:r>
+              <a:rPr lang="ko-KR" altLang="en-US" sz="500" b="1" dirty="0"/>
+              <a:t>부문별</a:t>
+            </a:r>
+            <a:r>
+              <a:rPr lang="en-US" altLang="ko-KR" sz="500" b="1" dirty="0"/>
+              <a:t>, </a:t>
+            </a:r>
+            <a:r>
+              <a:rPr lang="ko-KR" altLang="en-US" sz="500" b="1" dirty="0"/>
+              <a:t>에너지원별 측면에서 살펴봅니다</a:t>
+            </a:r>
+            <a:r>
+              <a:rPr lang="en-US" altLang="ko-KR" sz="500" b="1" dirty="0"/>
+              <a:t>.</a:t>
+            </a:r>
+          </a:p>
+        </p:txBody>
+      </p:sp>
+      <p:sp>
+        <p:nvSpPr>
+          <p:cNvPr id="10" name="직사각형 9">
+            <a:extLst>
+              <a:ext uri="{FF2B5EF4-FFF2-40B4-BE49-F238E27FC236}">
+                <a16:creationId xmlns:a16="http://schemas.microsoft.com/office/drawing/2014/main" id="{633590B1-8C60-7B76-4EA0-10C1501CA87E}"/>
+              </a:ext>
+            </a:extLst>
+          </p:cNvPr>
+          <p:cNvSpPr/>
+          <p:nvPr/>
+        </p:nvSpPr>
+        <p:spPr>
+          <a:xfrm>
+            <a:off x="2522611" y="850321"/>
+            <a:ext cx="1408630" cy="195242"/>
+          </a:xfrm>
+          <a:prstGeom prst="rect">
+            <a:avLst/>
+          </a:prstGeom>
+          <a:solidFill>
+            <a:schemeClr val="bg2"/>
+          </a:solidFill>
+          <a:ln>
+            <a:solidFill>
+              <a:schemeClr val="bg2"/>
+            </a:solidFill>
+          </a:ln>
+        </p:spPr>
+        <p:style>
+          <a:lnRef idx="2">
+            <a:schemeClr val="accent1">
+              <a:shade val="15000"/>
+            </a:schemeClr>
+          </a:lnRef>
+          <a:fillRef idx="1">
+            <a:schemeClr val="accent1"/>
+          </a:fillRef>
+          <a:effectRef idx="0">
+            <a:schemeClr val="accent1"/>
+          </a:effectRef>
+          <a:fontRef idx="minor">
+            <a:schemeClr val="lt1"/>
+          </a:fontRef>
+        </p:style>
+        <p:txBody>
+          <a:bodyPr rtlCol="0" anchor="ctr"/>
+          <a:lstStyle/>
+          <a:p>
+            <a:pPr algn="ctr"/>
+            <a:r>
+              <a:rPr lang="ko-KR" altLang="en-US" sz="1200" dirty="0">
+                <a:solidFill>
+                  <a:schemeClr val="tx1"/>
+                </a:solidFill>
+              </a:rPr>
+              <a:t>최종에너지 소비</a:t>
+            </a:r>
+            <a:endParaRPr lang="en-US" altLang="ko-KR" sz="1200" dirty="0">
+              <a:solidFill>
+                <a:schemeClr val="tx1"/>
+              </a:solidFill>
+            </a:endParaRPr>
+          </a:p>
+        </p:txBody>
+      </p:sp>
+      <p:sp>
+        <p:nvSpPr>
+          <p:cNvPr id="11" name="직사각형 10">
+            <a:extLst>
+              <a:ext uri="{FF2B5EF4-FFF2-40B4-BE49-F238E27FC236}">
+                <a16:creationId xmlns:a16="http://schemas.microsoft.com/office/drawing/2014/main" id="{83291EDD-1B6D-1747-4F5E-1DEE50303A39}"/>
+              </a:ext>
+            </a:extLst>
+          </p:cNvPr>
+          <p:cNvSpPr/>
+          <p:nvPr/>
+        </p:nvSpPr>
+        <p:spPr>
+          <a:xfrm>
+            <a:off x="4028694" y="850321"/>
+            <a:ext cx="1408630" cy="195242"/>
+          </a:xfrm>
+          <a:prstGeom prst="rect">
+            <a:avLst/>
+          </a:prstGeom>
+          <a:solidFill>
+            <a:schemeClr val="bg2"/>
+          </a:solidFill>
+          <a:ln>
+            <a:solidFill>
+              <a:schemeClr val="bg2"/>
+            </a:solidFill>
+          </a:ln>
+        </p:spPr>
+        <p:style>
+          <a:lnRef idx="2">
+            <a:schemeClr val="accent1">
+              <a:shade val="15000"/>
+            </a:schemeClr>
+          </a:lnRef>
+          <a:fillRef idx="1">
+            <a:schemeClr val="accent1"/>
+          </a:fillRef>
+          <a:effectRef idx="0">
+            <a:schemeClr val="accent1"/>
+          </a:effectRef>
+          <a:fontRef idx="minor">
+            <a:schemeClr val="lt1"/>
+          </a:fontRef>
+        </p:style>
+        <p:txBody>
+          <a:bodyPr rtlCol="0" anchor="ctr"/>
+          <a:lstStyle/>
+          <a:p>
+            <a:pPr algn="ctr"/>
+            <a:r>
+              <a:rPr lang="en-US" altLang="ko-KR" sz="1200" dirty="0">
+                <a:solidFill>
+                  <a:schemeClr val="tx1"/>
+                </a:solidFill>
+              </a:rPr>
+              <a:t>1</a:t>
+            </a:r>
+            <a:r>
+              <a:rPr lang="ko-KR" altLang="en-US" sz="1200" dirty="0">
+                <a:solidFill>
+                  <a:schemeClr val="tx1"/>
+                </a:solidFill>
+              </a:rPr>
+              <a:t>인당 에너지 소비</a:t>
+            </a:r>
+            <a:endParaRPr lang="en-US" altLang="ko-KR" sz="1200" dirty="0">
+              <a:solidFill>
+                <a:schemeClr val="tx1"/>
+              </a:solidFill>
+            </a:endParaRPr>
+          </a:p>
+        </p:txBody>
+      </p:sp>
+      <p:sp>
+        <p:nvSpPr>
+          <p:cNvPr id="12" name="직사각형 11">
+            <a:extLst>
+              <a:ext uri="{FF2B5EF4-FFF2-40B4-BE49-F238E27FC236}">
+                <a16:creationId xmlns:a16="http://schemas.microsoft.com/office/drawing/2014/main" id="{BC8C3510-3F75-F6ED-300B-3ED1008C5122}"/>
+              </a:ext>
+            </a:extLst>
+          </p:cNvPr>
+          <p:cNvSpPr/>
+          <p:nvPr/>
+        </p:nvSpPr>
+        <p:spPr>
+          <a:xfrm>
+            <a:off x="5511531" y="850321"/>
+            <a:ext cx="1529330" cy="195242"/>
+          </a:xfrm>
+          <a:prstGeom prst="rect">
+            <a:avLst/>
+          </a:prstGeom>
+          <a:solidFill>
+            <a:schemeClr val="bg2"/>
+          </a:solidFill>
+          <a:ln>
+            <a:solidFill>
+              <a:schemeClr val="bg2"/>
+            </a:solidFill>
+          </a:ln>
+        </p:spPr>
+        <p:style>
+          <a:lnRef idx="2">
+            <a:schemeClr val="accent1">
+              <a:shade val="15000"/>
+            </a:schemeClr>
+          </a:lnRef>
+          <a:fillRef idx="1">
+            <a:schemeClr val="accent1"/>
+          </a:fillRef>
+          <a:effectRef idx="0">
+            <a:schemeClr val="accent1"/>
+          </a:effectRef>
+          <a:fontRef idx="minor">
+            <a:schemeClr val="lt1"/>
+          </a:fontRef>
+        </p:style>
+        <p:txBody>
+          <a:bodyPr rtlCol="0" anchor="ctr"/>
+          <a:lstStyle/>
+          <a:p>
+            <a:pPr algn="ctr"/>
+            <a:r>
+              <a:rPr lang="en-US" altLang="ko-KR" sz="1200" dirty="0">
+                <a:solidFill>
+                  <a:schemeClr val="tx1"/>
+                </a:solidFill>
+              </a:rPr>
+              <a:t>GRDP</a:t>
+            </a:r>
+            <a:r>
+              <a:rPr lang="ko-KR" altLang="en-US" sz="1200" dirty="0">
+                <a:solidFill>
+                  <a:schemeClr val="tx1"/>
+                </a:solidFill>
+              </a:rPr>
+              <a:t>당 에너지 소비</a:t>
+            </a:r>
+            <a:endParaRPr lang="en-US" altLang="ko-KR" sz="1200" dirty="0">
+              <a:solidFill>
+                <a:schemeClr val="tx1"/>
+              </a:solidFill>
+            </a:endParaRPr>
+          </a:p>
+        </p:txBody>
+      </p:sp>
+    </p:spTree>
+    <p:extLst>
+      <p:ext uri="{BB962C8B-B14F-4D97-AF65-F5344CB8AC3E}">
+        <p14:creationId xmlns:p14="http://schemas.microsoft.com/office/powerpoint/2010/main" val="2228389787"/>
+      </p:ext>
+    </p:extLst>
+  </p:cSld>
+  <p:clrMapOvr>
+    <a:masterClrMapping/>
+  </p:clrMapOvr>
+</p:sld>
+</file>
+
+<file path=ppt/slides/slide13.xml><?xml version="1.0" encoding="utf-8"?>
 <p:sld xmlns:a="http://schemas.openxmlformats.org/drawingml/2006/main" xmlns:r="http://schemas.openxmlformats.org/officeDocument/2006/relationships" xmlns:p="http://schemas.openxmlformats.org/presentationml/2006/main">
   <p:cSld>
     <p:spTree>
@@ -3088,7 +5137,7 @@
 </p:sld>
 </file>
 
-<file path=ppt/slides/slide11.xml><?xml version="1.0" encoding="utf-8"?>
+<file path=ppt/slides/slide14.xml><?xml version="1.0" encoding="utf-8"?>
 <p:sld xmlns:a="http://schemas.openxmlformats.org/drawingml/2006/main" xmlns:r="http://schemas.openxmlformats.org/officeDocument/2006/relationships" xmlns:p="http://schemas.openxmlformats.org/presentationml/2006/main">
   <p:cSld>
     <p:spTree>
@@ -6351,7 +8400,7 @@
 </p:sld>
 </file>
 
-<file path=ppt/slides/slide12.xml><?xml version="1.0" encoding="utf-8"?>
+<file path=ppt/slides/slide15.xml><?xml version="1.0" encoding="utf-8"?>
 <p:sld xmlns:a="http://schemas.openxmlformats.org/drawingml/2006/main" xmlns:r="http://schemas.openxmlformats.org/officeDocument/2006/relationships" xmlns:p="http://schemas.openxmlformats.org/presentationml/2006/main">
   <p:cSld>
     <p:spTree>
@@ -6442,7 +8491,7 @@
 </p:sld>
 </file>
 
-<file path=ppt/slides/slide13.xml><?xml version="1.0" encoding="utf-8"?>
+<file path=ppt/slides/slide16.xml><?xml version="1.0" encoding="utf-8"?>
 <p:sld xmlns:a="http://schemas.openxmlformats.org/drawingml/2006/main" xmlns:r="http://schemas.openxmlformats.org/officeDocument/2006/relationships" xmlns:p="http://schemas.openxmlformats.org/presentationml/2006/main">
   <p:cSld>
     <p:spTree>
@@ -8318,7 +10367,7 @@
 </p:sld>
 </file>
 
-<file path=ppt/slides/slide14.xml><?xml version="1.0" encoding="utf-8"?>
+<file path=ppt/slides/slide17.xml><?xml version="1.0" encoding="utf-8"?>
 <p:sld xmlns:a="http://schemas.openxmlformats.org/drawingml/2006/main" xmlns:r="http://schemas.openxmlformats.org/officeDocument/2006/relationships" xmlns:p="http://schemas.openxmlformats.org/presentationml/2006/main">
   <p:cSld>
     <p:spTree>
@@ -9148,7 +11197,7 @@
 </p:sld>
 </file>
 
-<file path=ppt/slides/slide15.xml><?xml version="1.0" encoding="utf-8"?>
+<file path=ppt/slides/slide18.xml><?xml version="1.0" encoding="utf-8"?>
 <p:sld xmlns:a="http://schemas.openxmlformats.org/drawingml/2006/main" xmlns:r="http://schemas.openxmlformats.org/officeDocument/2006/relationships" xmlns:p="http://schemas.openxmlformats.org/presentationml/2006/main">
   <p:cSld>
     <p:spTree>
@@ -9247,7 +11296,7 @@
 </p:sld>
 </file>
 
-<file path=ppt/slides/slide16.xml><?xml version="1.0" encoding="utf-8"?>
+<file path=ppt/slides/slide19.xml><?xml version="1.0" encoding="utf-8"?>
 <p:sld xmlns:a="http://schemas.openxmlformats.org/drawingml/2006/main" xmlns:r="http://schemas.openxmlformats.org/officeDocument/2006/relationships" xmlns:p="http://schemas.openxmlformats.org/presentationml/2006/main">
   <p:cSld>
     <p:spTree>
@@ -10148,7 +12197,7 @@
           <p:cNvPr id="4" name="슬라이드 번호 개체 틀 3">
             <a:extLst>
               <a:ext uri="{FF2B5EF4-FFF2-40B4-BE49-F238E27FC236}">
-                <a16:creationId xmlns:a16="http://schemas.microsoft.com/office/drawing/2014/main" id="{2FC968F4-C2BF-23D6-6FB7-CEF615A73595}"/>
+                <a16:creationId xmlns:a16="http://schemas.microsoft.com/office/drawing/2014/main" id="{7DFB3A02-E2DB-2528-D47C-2B77662E6694}"/>
               </a:ext>
             </a:extLst>
           </p:cNvPr>
@@ -10173,12 +12222,502 @@
           </a:p>
         </p:txBody>
       </p:sp>
-      <p:sp>
-        <p:nvSpPr>
-          <p:cNvPr id="5" name="TextBox 4">
-            <a:extLst>
-              <a:ext uri="{FF2B5EF4-FFF2-40B4-BE49-F238E27FC236}">
-                <a16:creationId xmlns:a16="http://schemas.microsoft.com/office/drawing/2014/main" id="{A598E9A6-E9D8-375F-DC3D-001634BF11AD}"/>
+      <p:pic>
+        <p:nvPicPr>
+          <p:cNvPr id="5" name="그림 4">
+            <a:extLst>
+              <a:ext uri="{FF2B5EF4-FFF2-40B4-BE49-F238E27FC236}">
+                <a16:creationId xmlns:a16="http://schemas.microsoft.com/office/drawing/2014/main" id="{6355373C-9ADD-9E62-9B81-8D21DA60EE48}"/>
+              </a:ext>
+            </a:extLst>
+          </p:cNvPr>
+          <p:cNvPicPr>
+            <a:picLocks noChangeAspect="1"/>
+          </p:cNvPicPr>
+          <p:nvPr/>
+        </p:nvPicPr>
+        <p:blipFill>
+          <a:blip r:embed="rId2"/>
+          <a:stretch>
+            <a:fillRect/>
+          </a:stretch>
+        </p:blipFill>
+        <p:spPr>
+          <a:xfrm>
+            <a:off x="472648" y="1554835"/>
+            <a:ext cx="3459272" cy="2173238"/>
+          </a:xfrm>
+          <a:prstGeom prst="rect">
+            <a:avLst/>
+          </a:prstGeom>
+        </p:spPr>
+      </p:pic>
+      <p:sp>
+        <p:nvSpPr>
+          <p:cNvPr id="6" name="직사각형 5">
+            <a:extLst>
+              <a:ext uri="{FF2B5EF4-FFF2-40B4-BE49-F238E27FC236}">
+                <a16:creationId xmlns:a16="http://schemas.microsoft.com/office/drawing/2014/main" id="{D2025A99-4D5A-644F-A765-CB523B302BC4}"/>
+              </a:ext>
+            </a:extLst>
+          </p:cNvPr>
+          <p:cNvSpPr/>
+          <p:nvPr/>
+        </p:nvSpPr>
+        <p:spPr>
+          <a:xfrm>
+            <a:off x="472649" y="3962507"/>
+            <a:ext cx="3459272" cy="685694"/>
+          </a:xfrm>
+          <a:prstGeom prst="rect">
+            <a:avLst/>
+          </a:prstGeom>
+          <a:solidFill>
+            <a:schemeClr val="accent2"/>
+          </a:solidFill>
+        </p:spPr>
+        <p:style>
+          <a:lnRef idx="2">
+            <a:schemeClr val="accent1">
+              <a:shade val="50000"/>
+            </a:schemeClr>
+          </a:lnRef>
+          <a:fillRef idx="1">
+            <a:schemeClr val="accent1"/>
+          </a:fillRef>
+          <a:effectRef idx="0">
+            <a:schemeClr val="accent1"/>
+          </a:effectRef>
+          <a:fontRef idx="minor">
+            <a:schemeClr val="lt1"/>
+          </a:fontRef>
+        </p:style>
+        <p:txBody>
+          <a:bodyPr rtlCol="0" anchor="ctr"/>
+          <a:lstStyle/>
+          <a:p>
+            <a:pPr algn="ctr"/>
+            <a:r>
+              <a:rPr lang="en-US" altLang="ko-KR" sz="1200" dirty="0"/>
+              <a:t>[</a:t>
+            </a:r>
+            <a:r>
+              <a:rPr lang="ko-KR" altLang="en-US" sz="1200" dirty="0"/>
+              <a:t>차트</a:t>
+            </a:r>
+            <a:r>
+              <a:rPr lang="en-US" altLang="ko-KR" sz="1200" dirty="0"/>
+              <a:t>] https://echarts.apache.org/examples/en/editor.html?c=treemap-sunburst-transition</a:t>
+            </a:r>
+            <a:endParaRPr lang="ko-KR" altLang="en-US" sz="1200" dirty="0"/>
+          </a:p>
+        </p:txBody>
+      </p:sp>
+      <p:sp>
+        <p:nvSpPr>
+          <p:cNvPr id="7" name="직사각형 6">
+            <a:extLst>
+              <a:ext uri="{FF2B5EF4-FFF2-40B4-BE49-F238E27FC236}">
+                <a16:creationId xmlns:a16="http://schemas.microsoft.com/office/drawing/2014/main" id="{B0F5A153-DEC0-EE52-FD59-970A035C31A2}"/>
+              </a:ext>
+            </a:extLst>
+          </p:cNvPr>
+          <p:cNvSpPr/>
+          <p:nvPr/>
+        </p:nvSpPr>
+        <p:spPr>
+          <a:xfrm>
+            <a:off x="468343" y="4757391"/>
+            <a:ext cx="3462898" cy="545774"/>
+          </a:xfrm>
+          <a:prstGeom prst="rect">
+            <a:avLst/>
+          </a:prstGeom>
+          <a:solidFill>
+            <a:srgbClr val="7030A0"/>
+          </a:solidFill>
+        </p:spPr>
+        <p:style>
+          <a:lnRef idx="2">
+            <a:schemeClr val="accent1">
+              <a:shade val="50000"/>
+            </a:schemeClr>
+          </a:lnRef>
+          <a:fillRef idx="1">
+            <a:schemeClr val="accent1"/>
+          </a:fillRef>
+          <a:effectRef idx="0">
+            <a:schemeClr val="accent1"/>
+          </a:effectRef>
+          <a:fontRef idx="minor">
+            <a:schemeClr val="lt1"/>
+          </a:fontRef>
+        </p:style>
+        <p:txBody>
+          <a:bodyPr rtlCol="0" anchor="ctr"/>
+          <a:lstStyle/>
+          <a:p>
+            <a:pPr algn="ctr"/>
+            <a:r>
+              <a:rPr lang="en-US" altLang="ko-KR" sz="1200" dirty="0"/>
+              <a:t>[</a:t>
+            </a:r>
+            <a:r>
+              <a:rPr lang="ko-KR" altLang="en-US" sz="1200" dirty="0"/>
+              <a:t>자료</a:t>
+            </a:r>
+            <a:r>
+              <a:rPr lang="en-US" altLang="ko-KR" sz="1200" dirty="0"/>
+              <a:t>] </a:t>
+            </a:r>
+            <a:r>
+              <a:rPr lang="ko-KR" altLang="en-US" sz="1200" dirty="0"/>
+              <a:t>한국전력통계 </a:t>
+            </a:r>
+            <a:endParaRPr lang="en-US" altLang="ko-KR" sz="1200" dirty="0"/>
+          </a:p>
+          <a:p>
+            <a:pPr algn="ctr"/>
+            <a:r>
+              <a:rPr lang="en-US" altLang="ko-KR" sz="1200" dirty="0"/>
+              <a:t>8-2. </a:t>
+            </a:r>
+            <a:r>
+              <a:rPr lang="ko-KR" altLang="en-US" sz="1200" dirty="0"/>
+              <a:t>행정구역별 발전설비 및 발전량 </a:t>
+            </a:r>
+            <a:r>
+              <a:rPr lang="en-US" altLang="ko-KR" sz="1200" dirty="0"/>
+              <a:t>(‘</a:t>
+            </a:r>
+            <a:r>
+              <a:rPr lang="ko-KR" altLang="en-US" sz="1200" dirty="0"/>
+              <a:t>계</a:t>
+            </a:r>
+            <a:r>
+              <a:rPr lang="en-US" altLang="ko-KR" sz="1200" dirty="0"/>
+              <a:t>’ </a:t>
+            </a:r>
+            <a:r>
+              <a:rPr lang="ko-KR" altLang="en-US" sz="1200" dirty="0"/>
+              <a:t>칼럼</a:t>
+            </a:r>
+            <a:r>
+              <a:rPr lang="en-US" altLang="ko-KR" sz="1200" dirty="0"/>
+              <a:t>)</a:t>
+            </a:r>
+            <a:endParaRPr lang="ko-KR" altLang="en-US" sz="1200" dirty="0"/>
+          </a:p>
+        </p:txBody>
+      </p:sp>
+      <p:pic>
+        <p:nvPicPr>
+          <p:cNvPr id="8" name="그림 7">
+            <a:extLst>
+              <a:ext uri="{FF2B5EF4-FFF2-40B4-BE49-F238E27FC236}">
+                <a16:creationId xmlns:a16="http://schemas.microsoft.com/office/drawing/2014/main" id="{D1DFD5C9-A8F2-D426-BD6E-F9239C440517}"/>
+              </a:ext>
+            </a:extLst>
+          </p:cNvPr>
+          <p:cNvPicPr>
+            <a:picLocks noChangeAspect="1"/>
+          </p:cNvPicPr>
+          <p:nvPr/>
+        </p:nvPicPr>
+        <p:blipFill>
+          <a:blip r:embed="rId3"/>
+          <a:srcRect t="5224"/>
+          <a:stretch/>
+        </p:blipFill>
+        <p:spPr>
+          <a:xfrm>
+            <a:off x="4861840" y="1657350"/>
+            <a:ext cx="4571511" cy="3311984"/>
+          </a:xfrm>
+          <a:prstGeom prst="rect">
+            <a:avLst/>
+          </a:prstGeom>
+        </p:spPr>
+      </p:pic>
+      <p:sp>
+        <p:nvSpPr>
+          <p:cNvPr id="9" name="직사각형 8">
+            <a:extLst>
+              <a:ext uri="{FF2B5EF4-FFF2-40B4-BE49-F238E27FC236}">
+                <a16:creationId xmlns:a16="http://schemas.microsoft.com/office/drawing/2014/main" id="{36EE3396-ED9F-F1DF-1A2B-7D5432E6822A}"/>
+              </a:ext>
+            </a:extLst>
+          </p:cNvPr>
+          <p:cNvSpPr/>
+          <p:nvPr/>
+        </p:nvSpPr>
+        <p:spPr>
+          <a:xfrm>
+            <a:off x="1050021" y="1191727"/>
+            <a:ext cx="1129247" cy="257347"/>
+          </a:xfrm>
+          <a:prstGeom prst="rect">
+            <a:avLst/>
+          </a:prstGeom>
+          <a:solidFill>
+            <a:schemeClr val="accent5">
+              <a:lumMod val="40000"/>
+              <a:lumOff val="60000"/>
+            </a:schemeClr>
+          </a:solidFill>
+          <a:ln>
+            <a:solidFill>
+              <a:schemeClr val="bg2"/>
+            </a:solidFill>
+          </a:ln>
+        </p:spPr>
+        <p:style>
+          <a:lnRef idx="2">
+            <a:schemeClr val="accent1">
+              <a:shade val="15000"/>
+            </a:schemeClr>
+          </a:lnRef>
+          <a:fillRef idx="1">
+            <a:schemeClr val="accent1"/>
+          </a:fillRef>
+          <a:effectRef idx="0">
+            <a:schemeClr val="accent1"/>
+          </a:effectRef>
+          <a:fontRef idx="minor">
+            <a:schemeClr val="lt1"/>
+          </a:fontRef>
+        </p:style>
+        <p:txBody>
+          <a:bodyPr rtlCol="0" anchor="ctr"/>
+          <a:lstStyle/>
+          <a:p>
+            <a:pPr algn="ctr"/>
+            <a:r>
+              <a:rPr lang="ko-KR" altLang="en-US" sz="1200" dirty="0">
+                <a:solidFill>
+                  <a:schemeClr val="tx1"/>
+                </a:solidFill>
+              </a:rPr>
+              <a:t>발전량</a:t>
+            </a:r>
+            <a:r>
+              <a:rPr lang="ko-KR" altLang="en-US" sz="1200" dirty="0"/>
+              <a:t> </a:t>
+            </a:r>
+            <a:endParaRPr lang="en-US" altLang="ko-KR" sz="1200" dirty="0"/>
+          </a:p>
+        </p:txBody>
+      </p:sp>
+      <p:sp>
+        <p:nvSpPr>
+          <p:cNvPr id="12" name="직사각형 11">
+            <a:extLst>
+              <a:ext uri="{FF2B5EF4-FFF2-40B4-BE49-F238E27FC236}">
+                <a16:creationId xmlns:a16="http://schemas.microsoft.com/office/drawing/2014/main" id="{3F894445-104C-F793-C1AC-7598BD30E92F}"/>
+              </a:ext>
+            </a:extLst>
+          </p:cNvPr>
+          <p:cNvSpPr/>
+          <p:nvPr/>
+        </p:nvSpPr>
+        <p:spPr>
+          <a:xfrm>
+            <a:off x="468343" y="1191727"/>
+            <a:ext cx="540180" cy="257347"/>
+          </a:xfrm>
+          <a:prstGeom prst="rect">
+            <a:avLst/>
+          </a:prstGeom>
+          <a:solidFill>
+            <a:schemeClr val="bg2"/>
+          </a:solidFill>
+          <a:ln>
+            <a:solidFill>
+              <a:schemeClr val="bg2"/>
+            </a:solidFill>
+          </a:ln>
+        </p:spPr>
+        <p:style>
+          <a:lnRef idx="2">
+            <a:schemeClr val="accent1">
+              <a:shade val="15000"/>
+            </a:schemeClr>
+          </a:lnRef>
+          <a:fillRef idx="1">
+            <a:schemeClr val="accent1"/>
+          </a:fillRef>
+          <a:effectRef idx="0">
+            <a:schemeClr val="accent1"/>
+          </a:effectRef>
+          <a:fontRef idx="minor">
+            <a:schemeClr val="lt1"/>
+          </a:fontRef>
+        </p:style>
+        <p:txBody>
+          <a:bodyPr rtlCol="0" anchor="ctr"/>
+          <a:lstStyle/>
+          <a:p>
+            <a:pPr algn="ctr"/>
+            <a:r>
+              <a:rPr lang="ko-KR" altLang="en-US" sz="1200" dirty="0"/>
+              <a:t>연도</a:t>
+            </a:r>
+            <a:endParaRPr lang="en-US" altLang="ko-KR" sz="1200" dirty="0"/>
+          </a:p>
+        </p:txBody>
+      </p:sp>
+      <p:sp>
+        <p:nvSpPr>
+          <p:cNvPr id="13" name="직사각형 12">
+            <a:extLst>
+              <a:ext uri="{FF2B5EF4-FFF2-40B4-BE49-F238E27FC236}">
+                <a16:creationId xmlns:a16="http://schemas.microsoft.com/office/drawing/2014/main" id="{B8DE1CF9-39DD-EA04-F22C-2C7F2557D58D}"/>
+              </a:ext>
+            </a:extLst>
+          </p:cNvPr>
+          <p:cNvSpPr/>
+          <p:nvPr/>
+        </p:nvSpPr>
+        <p:spPr>
+          <a:xfrm>
+            <a:off x="2220766" y="1191727"/>
+            <a:ext cx="1129247" cy="257347"/>
+          </a:xfrm>
+          <a:prstGeom prst="rect">
+            <a:avLst/>
+          </a:prstGeom>
+          <a:solidFill>
+            <a:schemeClr val="bg2"/>
+          </a:solidFill>
+          <a:ln>
+            <a:solidFill>
+              <a:schemeClr val="bg2"/>
+            </a:solidFill>
+          </a:ln>
+        </p:spPr>
+        <p:style>
+          <a:lnRef idx="2">
+            <a:schemeClr val="accent1">
+              <a:shade val="15000"/>
+            </a:schemeClr>
+          </a:lnRef>
+          <a:fillRef idx="1">
+            <a:schemeClr val="accent1"/>
+          </a:fillRef>
+          <a:effectRef idx="0">
+            <a:schemeClr val="accent1"/>
+          </a:effectRef>
+          <a:fontRef idx="minor">
+            <a:schemeClr val="lt1"/>
+          </a:fontRef>
+        </p:style>
+        <p:txBody>
+          <a:bodyPr rtlCol="0" anchor="ctr"/>
+          <a:lstStyle/>
+          <a:p>
+            <a:pPr algn="ctr"/>
+            <a:r>
+              <a:rPr lang="ko-KR" altLang="en-US" sz="1200" dirty="0"/>
+              <a:t>에너지원별 </a:t>
+            </a:r>
+            <a:endParaRPr lang="en-US" altLang="ko-KR" sz="1200" dirty="0"/>
+          </a:p>
+        </p:txBody>
+      </p:sp>
+      <p:sp>
+        <p:nvSpPr>
+          <p:cNvPr id="14" name="직사각형 13">
+            <a:extLst>
+              <a:ext uri="{FF2B5EF4-FFF2-40B4-BE49-F238E27FC236}">
+                <a16:creationId xmlns:a16="http://schemas.microsoft.com/office/drawing/2014/main" id="{BD25D742-03D7-5586-2506-5A841D1E2CFF}"/>
+              </a:ext>
+            </a:extLst>
+          </p:cNvPr>
+          <p:cNvSpPr/>
+          <p:nvPr/>
+        </p:nvSpPr>
+        <p:spPr>
+          <a:xfrm>
+            <a:off x="6545263" y="1191727"/>
+            <a:ext cx="540180" cy="257347"/>
+          </a:xfrm>
+          <a:prstGeom prst="rect">
+            <a:avLst/>
+          </a:prstGeom>
+          <a:solidFill>
+            <a:schemeClr val="bg2"/>
+          </a:solidFill>
+          <a:ln>
+            <a:solidFill>
+              <a:schemeClr val="bg2"/>
+            </a:solidFill>
+          </a:ln>
+        </p:spPr>
+        <p:style>
+          <a:lnRef idx="2">
+            <a:schemeClr val="accent1">
+              <a:shade val="15000"/>
+            </a:schemeClr>
+          </a:lnRef>
+          <a:fillRef idx="1">
+            <a:schemeClr val="accent1"/>
+          </a:fillRef>
+          <a:effectRef idx="0">
+            <a:schemeClr val="accent1"/>
+          </a:effectRef>
+          <a:fontRef idx="minor">
+            <a:schemeClr val="lt1"/>
+          </a:fontRef>
+        </p:style>
+        <p:txBody>
+          <a:bodyPr rtlCol="0" anchor="ctr"/>
+          <a:lstStyle/>
+          <a:p>
+            <a:pPr algn="ctr"/>
+            <a:r>
+              <a:rPr lang="ko-KR" altLang="en-US" sz="1200" dirty="0"/>
+              <a:t>연도</a:t>
+            </a:r>
+            <a:endParaRPr lang="en-US" altLang="ko-KR" sz="1200" dirty="0"/>
+          </a:p>
+        </p:txBody>
+      </p:sp>
+      <p:pic>
+        <p:nvPicPr>
+          <p:cNvPr id="22" name="그림 21">
+            <a:extLst>
+              <a:ext uri="{FF2B5EF4-FFF2-40B4-BE49-F238E27FC236}">
+                <a16:creationId xmlns:a16="http://schemas.microsoft.com/office/drawing/2014/main" id="{CEEC6EDB-53FE-C464-57DC-38FD5068A5DC}"/>
+              </a:ext>
+            </a:extLst>
+          </p:cNvPr>
+          <p:cNvPicPr>
+            <a:picLocks noChangeAspect="1"/>
+          </p:cNvPicPr>
+          <p:nvPr/>
+        </p:nvPicPr>
+        <p:blipFill>
+          <a:blip r:embed="rId4"/>
+          <a:stretch>
+            <a:fillRect/>
+          </a:stretch>
+        </p:blipFill>
+        <p:spPr>
+          <a:xfrm>
+            <a:off x="8110538" y="948934"/>
+            <a:ext cx="1040592" cy="708416"/>
+          </a:xfrm>
+          <a:prstGeom prst="rect">
+            <a:avLst/>
+          </a:prstGeom>
+        </p:spPr>
+      </p:pic>
+      <p:sp>
+        <p:nvSpPr>
+          <p:cNvPr id="23" name="TextBox 22">
+            <a:extLst>
+              <a:ext uri="{FF2B5EF4-FFF2-40B4-BE49-F238E27FC236}">
+                <a16:creationId xmlns:a16="http://schemas.microsoft.com/office/drawing/2014/main" id="{87728317-D7BE-7AA3-9F3F-A0A6EDB72AF4}"/>
               </a:ext>
             </a:extLst>
           </p:cNvPr>
@@ -10187,78 +12726,966 @@
         </p:nvSpPr>
         <p:spPr>
           <a:xfrm>
-            <a:off x="470235" y="501649"/>
-            <a:ext cx="8754728" cy="830997"/>
-          </a:xfrm>
-          <a:prstGeom prst="rect">
-            <a:avLst/>
-          </a:prstGeom>
-          <a:noFill/>
-        </p:spPr>
-        <p:txBody>
-          <a:bodyPr wrap="square" rtlCol="0">
+            <a:off x="4695848" y="1843971"/>
+            <a:ext cx="514304" cy="261610"/>
+          </a:xfrm>
+          <a:prstGeom prst="rect">
+            <a:avLst/>
+          </a:prstGeom>
+          <a:solidFill>
+            <a:schemeClr val="bg1"/>
+          </a:solidFill>
+        </p:spPr>
+        <p:txBody>
+          <a:bodyPr wrap="square">
             <a:spAutoFit/>
           </a:bodyPr>
           <a:lstStyle/>
           <a:p>
-            <a:pPr marL="342900" indent="-342900">
-              <a:buFontTx/>
-              <a:buChar char="-"/>
-            </a:pPr>
-            <a:r>
-              <a:rPr lang="ko-KR" altLang="en-US" sz="2400" dirty="0"/>
-              <a:t>전력자립도 </a:t>
-            </a:r>
-            <a:r>
-              <a:rPr lang="en-US" altLang="ko-KR" sz="2400" dirty="0"/>
-              <a:t>(</a:t>
-            </a:r>
-            <a:r>
-              <a:rPr lang="ko-KR" altLang="en-US" sz="2400" dirty="0"/>
-              <a:t>소비</a:t>
-            </a:r>
-            <a:r>
-              <a:rPr lang="en-US" altLang="ko-KR" sz="2400" dirty="0"/>
+            <a:r>
+              <a:rPr lang="ko-KR" altLang="en-US" sz="1050"/>
+              <a:t>서울</a:t>
+            </a:r>
+            <a:endParaRPr lang="ko-KR" altLang="en-US" sz="1050" dirty="0"/>
+          </a:p>
+        </p:txBody>
+      </p:sp>
+      <p:sp>
+        <p:nvSpPr>
+          <p:cNvPr id="24" name="TextBox 23">
+            <a:extLst>
+              <a:ext uri="{FF2B5EF4-FFF2-40B4-BE49-F238E27FC236}">
+                <a16:creationId xmlns:a16="http://schemas.microsoft.com/office/drawing/2014/main" id="{9BDB6812-9EC4-E038-121B-0EB609ACF578}"/>
+              </a:ext>
+            </a:extLst>
+          </p:cNvPr>
+          <p:cNvSpPr txBox="1"/>
+          <p:nvPr/>
+        </p:nvSpPr>
+        <p:spPr>
+          <a:xfrm>
+            <a:off x="4695848" y="2237671"/>
+            <a:ext cx="514304" cy="261610"/>
+          </a:xfrm>
+          <a:prstGeom prst="rect">
+            <a:avLst/>
+          </a:prstGeom>
+          <a:solidFill>
+            <a:schemeClr val="bg1"/>
+          </a:solidFill>
+        </p:spPr>
+        <p:txBody>
+          <a:bodyPr wrap="square">
+            <a:spAutoFit/>
+          </a:bodyPr>
+          <a:lstStyle/>
+          <a:p>
+            <a:r>
+              <a:rPr lang="ko-KR" altLang="en-US" sz="1050" dirty="0"/>
+              <a:t>부산</a:t>
+            </a:r>
+          </a:p>
+        </p:txBody>
+      </p:sp>
+      <p:sp>
+        <p:nvSpPr>
+          <p:cNvPr id="25" name="TextBox 24">
+            <a:extLst>
+              <a:ext uri="{FF2B5EF4-FFF2-40B4-BE49-F238E27FC236}">
+                <a16:creationId xmlns:a16="http://schemas.microsoft.com/office/drawing/2014/main" id="{BB548B65-E3AC-2FB1-D064-0C824F6C6BCD}"/>
+              </a:ext>
+            </a:extLst>
+          </p:cNvPr>
+          <p:cNvSpPr txBox="1"/>
+          <p:nvPr/>
+        </p:nvSpPr>
+        <p:spPr>
+          <a:xfrm rot="16200000">
+            <a:off x="4604687" y="3401635"/>
+            <a:ext cx="514304" cy="261610"/>
+          </a:xfrm>
+          <a:prstGeom prst="rect">
+            <a:avLst/>
+          </a:prstGeom>
+          <a:solidFill>
+            <a:schemeClr val="bg1"/>
+          </a:solidFill>
+        </p:spPr>
+        <p:txBody>
+          <a:bodyPr wrap="square">
+            <a:spAutoFit/>
+          </a:bodyPr>
+          <a:lstStyle/>
+          <a:p>
+            <a:r>
+              <a:rPr lang="en-US" altLang="ko-KR" sz="1050" dirty="0"/>
+              <a:t>….</a:t>
+            </a:r>
+            <a:endParaRPr lang="ko-KR" altLang="en-US" sz="1050" dirty="0"/>
+          </a:p>
+        </p:txBody>
+      </p:sp>
+      <p:sp>
+        <p:nvSpPr>
+          <p:cNvPr id="26" name="TextBox 25">
+            <a:extLst>
+              <a:ext uri="{FF2B5EF4-FFF2-40B4-BE49-F238E27FC236}">
+                <a16:creationId xmlns:a16="http://schemas.microsoft.com/office/drawing/2014/main" id="{978C6B10-B254-0188-9B16-7F54AF014138}"/>
+              </a:ext>
+            </a:extLst>
+          </p:cNvPr>
+          <p:cNvSpPr txBox="1"/>
+          <p:nvPr/>
+        </p:nvSpPr>
+        <p:spPr>
+          <a:xfrm>
+            <a:off x="4695848" y="4495781"/>
+            <a:ext cx="514304" cy="261610"/>
+          </a:xfrm>
+          <a:prstGeom prst="rect">
+            <a:avLst/>
+          </a:prstGeom>
+          <a:solidFill>
+            <a:schemeClr val="bg1"/>
+          </a:solidFill>
+        </p:spPr>
+        <p:txBody>
+          <a:bodyPr wrap="square">
+            <a:spAutoFit/>
+          </a:bodyPr>
+          <a:lstStyle/>
+          <a:p>
+            <a:r>
+              <a:rPr lang="ko-KR" altLang="en-US" sz="1050" dirty="0"/>
+              <a:t>제주</a:t>
+            </a:r>
+          </a:p>
+        </p:txBody>
+      </p:sp>
+      <p:sp>
+        <p:nvSpPr>
+          <p:cNvPr id="27" name="TextBox 26">
+            <a:extLst>
+              <a:ext uri="{FF2B5EF4-FFF2-40B4-BE49-F238E27FC236}">
+                <a16:creationId xmlns:a16="http://schemas.microsoft.com/office/drawing/2014/main" id="{DC01521C-45A3-9655-4C75-8B7F322DF3A5}"/>
+              </a:ext>
+            </a:extLst>
+          </p:cNvPr>
+          <p:cNvSpPr txBox="1"/>
+          <p:nvPr/>
+        </p:nvSpPr>
+        <p:spPr>
+          <a:xfrm>
+            <a:off x="4695848" y="3049265"/>
+            <a:ext cx="514304" cy="261610"/>
+          </a:xfrm>
+          <a:prstGeom prst="rect">
+            <a:avLst/>
+          </a:prstGeom>
+          <a:solidFill>
+            <a:schemeClr val="bg1"/>
+          </a:solidFill>
+        </p:spPr>
+        <p:txBody>
+          <a:bodyPr wrap="square">
+            <a:spAutoFit/>
+          </a:bodyPr>
+          <a:lstStyle/>
+          <a:p>
+            <a:r>
+              <a:rPr lang="ko-KR" altLang="en-US" sz="1050" dirty="0"/>
+              <a:t>경기</a:t>
+            </a:r>
+          </a:p>
+        </p:txBody>
+      </p:sp>
+      <p:sp>
+        <p:nvSpPr>
+          <p:cNvPr id="28" name="TextBox 27">
+            <a:extLst>
+              <a:ext uri="{FF2B5EF4-FFF2-40B4-BE49-F238E27FC236}">
+                <a16:creationId xmlns:a16="http://schemas.microsoft.com/office/drawing/2014/main" id="{9A1EA73B-B132-475F-1F79-0BB1CDC14BAF}"/>
+              </a:ext>
+            </a:extLst>
+          </p:cNvPr>
+          <p:cNvSpPr txBox="1"/>
+          <p:nvPr/>
+        </p:nvSpPr>
+        <p:spPr>
+          <a:xfrm rot="16200000">
+            <a:off x="4604687" y="2572903"/>
+            <a:ext cx="514304" cy="261610"/>
+          </a:xfrm>
+          <a:prstGeom prst="rect">
+            <a:avLst/>
+          </a:prstGeom>
+          <a:solidFill>
+            <a:schemeClr val="bg1"/>
+          </a:solidFill>
+        </p:spPr>
+        <p:txBody>
+          <a:bodyPr wrap="square">
+            <a:spAutoFit/>
+          </a:bodyPr>
+          <a:lstStyle/>
+          <a:p>
+            <a:r>
+              <a:rPr lang="en-US" altLang="ko-KR" sz="1050" dirty="0"/>
+              <a:t>….</a:t>
+            </a:r>
+            <a:endParaRPr lang="ko-KR" altLang="en-US" sz="1050" dirty="0"/>
+          </a:p>
+        </p:txBody>
+      </p:sp>
+      <p:sp>
+        <p:nvSpPr>
+          <p:cNvPr id="29" name="TextBox 28">
+            <a:extLst>
+              <a:ext uri="{FF2B5EF4-FFF2-40B4-BE49-F238E27FC236}">
+                <a16:creationId xmlns:a16="http://schemas.microsoft.com/office/drawing/2014/main" id="{EF452F3A-74F7-451B-CF0B-47EA88A66F90}"/>
+              </a:ext>
+            </a:extLst>
+          </p:cNvPr>
+          <p:cNvSpPr txBox="1"/>
+          <p:nvPr/>
+        </p:nvSpPr>
+        <p:spPr>
+          <a:xfrm>
+            <a:off x="234569" y="538266"/>
+            <a:ext cx="2864231" cy="276999"/>
+          </a:xfrm>
+          <a:prstGeom prst="rect">
+            <a:avLst/>
+          </a:prstGeom>
+          <a:noFill/>
+        </p:spPr>
+        <p:txBody>
+          <a:bodyPr wrap="square">
+            <a:spAutoFit/>
+          </a:bodyPr>
+          <a:lstStyle/>
+          <a:p>
+            <a:r>
+              <a:rPr lang="ko-KR" altLang="en-US" sz="700" b="1" dirty="0"/>
+              <a:t>전국대비 경기도 발전</a:t>
+            </a:r>
+            <a:r>
+              <a:rPr lang="en-US" altLang="ko-KR" sz="700" b="1" dirty="0"/>
+              <a:t> </a:t>
+            </a:r>
+            <a:r>
+              <a:rPr lang="ko-KR" altLang="en-US" sz="700" b="1" dirty="0"/>
+              <a:t>현황</a:t>
+            </a:r>
+            <a:endParaRPr lang="en-US" altLang="ko-KR" sz="700" b="1" dirty="0"/>
+          </a:p>
+          <a:p>
+            <a:r>
+              <a:rPr lang="ko-KR" altLang="en-US" sz="500" b="1" dirty="0"/>
+              <a:t>전국 </a:t>
+            </a:r>
+            <a:r>
+              <a:rPr lang="en-US" altLang="ko-KR" sz="500" b="1" dirty="0"/>
+              <a:t>17</a:t>
+            </a:r>
+            <a:r>
+              <a:rPr lang="ko-KR" altLang="en-US" sz="500" b="1" dirty="0"/>
+              <a:t>개 시도별 발전현황을 총 발전량</a:t>
+            </a:r>
+            <a:r>
+              <a:rPr lang="en-US" altLang="ko-KR" sz="500" b="1" dirty="0"/>
               <a:t>, </a:t>
             </a:r>
             <a:r>
-              <a:rPr lang="ko-KR" altLang="en-US" sz="2400" dirty="0"/>
-              <a:t>발전</a:t>
-            </a:r>
-            <a:r>
-              <a:rPr lang="en-US" altLang="ko-KR" sz="2400" dirty="0"/>
+              <a:rPr lang="ko-KR" altLang="en-US" sz="500" b="1" dirty="0"/>
+              <a:t>에너지원별 측면에서 살펴봅니다</a:t>
+            </a:r>
+            <a:r>
+              <a:rPr lang="en-US" altLang="ko-KR" sz="500" b="1" dirty="0"/>
+              <a:t>.</a:t>
+            </a:r>
+          </a:p>
+        </p:txBody>
+      </p:sp>
+      <p:sp>
+        <p:nvSpPr>
+          <p:cNvPr id="30" name="TextBox 29">
+            <a:extLst>
+              <a:ext uri="{FF2B5EF4-FFF2-40B4-BE49-F238E27FC236}">
+                <a16:creationId xmlns:a16="http://schemas.microsoft.com/office/drawing/2014/main" id="{953282B0-CDD3-4A6C-38E6-0B44AED001DB}"/>
+              </a:ext>
+            </a:extLst>
+          </p:cNvPr>
+          <p:cNvSpPr txBox="1"/>
+          <p:nvPr/>
+        </p:nvSpPr>
+        <p:spPr>
+          <a:xfrm>
+            <a:off x="234569" y="65971"/>
+            <a:ext cx="2586207" cy="307777"/>
+          </a:xfrm>
+          <a:prstGeom prst="rect">
+            <a:avLst/>
+          </a:prstGeom>
+          <a:noFill/>
+        </p:spPr>
+        <p:txBody>
+          <a:bodyPr wrap="square">
+            <a:spAutoFit/>
+          </a:bodyPr>
+          <a:lstStyle/>
+          <a:p>
+            <a:r>
+              <a:rPr lang="ko-KR" altLang="en-US" sz="1400" dirty="0"/>
+              <a:t>시도별 발전 현황</a:t>
+            </a:r>
+          </a:p>
+        </p:txBody>
+      </p:sp>
+      <p:sp>
+        <p:nvSpPr>
+          <p:cNvPr id="31" name="TextBox 30">
+            <a:extLst>
+              <a:ext uri="{FF2B5EF4-FFF2-40B4-BE49-F238E27FC236}">
+                <a16:creationId xmlns:a16="http://schemas.microsoft.com/office/drawing/2014/main" id="{F1467193-3972-EAB1-69C4-BDDCD2295A32}"/>
+              </a:ext>
+            </a:extLst>
+          </p:cNvPr>
+          <p:cNvSpPr txBox="1"/>
+          <p:nvPr/>
+        </p:nvSpPr>
+        <p:spPr>
+          <a:xfrm>
+            <a:off x="4731034" y="538266"/>
+            <a:ext cx="4089116" cy="276999"/>
+          </a:xfrm>
+          <a:prstGeom prst="rect">
+            <a:avLst/>
+          </a:prstGeom>
+          <a:noFill/>
+        </p:spPr>
+        <p:txBody>
+          <a:bodyPr wrap="square">
+            <a:spAutoFit/>
+          </a:bodyPr>
+          <a:lstStyle/>
+          <a:p>
+            <a:r>
+              <a:rPr lang="ko-KR" altLang="en-US" sz="700" b="1" dirty="0"/>
+              <a:t>전국대비 경기도 전력자급률</a:t>
+            </a:r>
+            <a:endParaRPr lang="en-US" altLang="ko-KR" sz="700" b="1" dirty="0"/>
+          </a:p>
+          <a:p>
+            <a:r>
+              <a:rPr lang="ko-KR" altLang="en-US" sz="500" b="1" dirty="0"/>
+              <a:t>전국 시도별 전력 발전량과</a:t>
+            </a:r>
+            <a:r>
+              <a:rPr lang="en-US" altLang="ko-KR" sz="500" b="1" dirty="0"/>
+              <a:t> </a:t>
+            </a:r>
+            <a:r>
+              <a:rPr lang="ko-KR" altLang="en-US" sz="500" b="1" dirty="0"/>
+              <a:t>소비량을 통해 전력자급률을 계산하여</a:t>
+            </a:r>
+            <a:r>
+              <a:rPr lang="en-US" altLang="ko-KR" sz="500" b="1" dirty="0"/>
+              <a:t> </a:t>
+            </a:r>
+            <a:r>
+              <a:rPr lang="ko-KR" altLang="en-US" sz="500" b="1" dirty="0"/>
+              <a:t>보여줍니다</a:t>
+            </a:r>
+            <a:r>
+              <a:rPr lang="en-US" altLang="ko-KR" sz="500" b="1" dirty="0"/>
+              <a:t>: </a:t>
+            </a:r>
+            <a:r>
+              <a:rPr lang="ko-KR" altLang="en-US" sz="500" b="1" dirty="0"/>
+              <a:t>전력자급률 </a:t>
+            </a:r>
+            <a:r>
+              <a:rPr lang="en-US" altLang="ko-KR" sz="500" b="1" dirty="0"/>
+              <a:t>(%) </a:t>
+            </a:r>
+            <a:r>
+              <a:rPr lang="ko-KR" altLang="en-US" sz="500" b="1" dirty="0"/>
+              <a:t> </a:t>
+            </a:r>
+            <a:r>
+              <a:rPr lang="en-US" altLang="ko-KR" sz="500" b="1" dirty="0"/>
+              <a:t>= 100 * </a:t>
+            </a:r>
+            <a:r>
+              <a:rPr lang="ko-KR" altLang="en-US" sz="500" b="1" dirty="0"/>
+              <a:t>전력 발전량 </a:t>
+            </a:r>
+            <a:r>
+              <a:rPr lang="en-US" altLang="ko-KR" sz="500" b="1" dirty="0"/>
+              <a:t>/ </a:t>
+            </a:r>
+            <a:r>
+              <a:rPr lang="ko-KR" altLang="en-US" sz="500" b="1" dirty="0"/>
+              <a:t>전력 소비량</a:t>
+            </a:r>
+            <a:r>
+              <a:rPr lang="en-US" altLang="ko-KR" sz="500" b="1" dirty="0"/>
+              <a:t>)</a:t>
+            </a:r>
+          </a:p>
+        </p:txBody>
+      </p:sp>
+      <p:sp>
+        <p:nvSpPr>
+          <p:cNvPr id="32" name="직사각형 31">
+            <a:extLst>
+              <a:ext uri="{FF2B5EF4-FFF2-40B4-BE49-F238E27FC236}">
+                <a16:creationId xmlns:a16="http://schemas.microsoft.com/office/drawing/2014/main" id="{C34CE612-F22D-A531-D3BC-53836A8802EF}"/>
+              </a:ext>
+            </a:extLst>
+          </p:cNvPr>
+          <p:cNvSpPr/>
+          <p:nvPr/>
+        </p:nvSpPr>
+        <p:spPr>
+          <a:xfrm>
+            <a:off x="5355807" y="5223372"/>
+            <a:ext cx="3459272" cy="685694"/>
+          </a:xfrm>
+          <a:prstGeom prst="rect">
+            <a:avLst/>
+          </a:prstGeom>
+          <a:solidFill>
+            <a:schemeClr val="accent2"/>
+          </a:solidFill>
+        </p:spPr>
+        <p:style>
+          <a:lnRef idx="2">
+            <a:schemeClr val="accent1">
+              <a:shade val="50000"/>
+            </a:schemeClr>
+          </a:lnRef>
+          <a:fillRef idx="1">
+            <a:schemeClr val="accent1"/>
+          </a:fillRef>
+          <a:effectRef idx="0">
+            <a:schemeClr val="accent1"/>
+          </a:effectRef>
+          <a:fontRef idx="minor">
+            <a:schemeClr val="lt1"/>
+          </a:fontRef>
+        </p:style>
+        <p:txBody>
+          <a:bodyPr rtlCol="0" anchor="ctr"/>
+          <a:lstStyle/>
+          <a:p>
+            <a:pPr algn="ctr"/>
+            <a:r>
+              <a:rPr lang="en-US" altLang="ko-KR" sz="1200" dirty="0"/>
+              <a:t>[</a:t>
+            </a:r>
+            <a:r>
+              <a:rPr lang="ko-KR" altLang="en-US" sz="1200" dirty="0"/>
+              <a:t>차트</a:t>
+            </a:r>
+            <a:r>
+              <a:rPr lang="en-US" altLang="ko-KR" sz="1200" dirty="0"/>
+              <a:t>] https://echarts.apache.org/examples/en/editor.html?c=bar-negative</a:t>
+            </a:r>
+            <a:endParaRPr lang="ko-KR" altLang="en-US" sz="1200" dirty="0"/>
+          </a:p>
+        </p:txBody>
+      </p:sp>
+      <p:sp>
+        <p:nvSpPr>
+          <p:cNvPr id="33" name="직사각형 32">
+            <a:extLst>
+              <a:ext uri="{FF2B5EF4-FFF2-40B4-BE49-F238E27FC236}">
+                <a16:creationId xmlns:a16="http://schemas.microsoft.com/office/drawing/2014/main" id="{8D094D61-C5B8-2112-7902-42B5E163CE14}"/>
+              </a:ext>
+            </a:extLst>
+          </p:cNvPr>
+          <p:cNvSpPr/>
+          <p:nvPr/>
+        </p:nvSpPr>
+        <p:spPr>
+          <a:xfrm>
+            <a:off x="5351501" y="6018256"/>
+            <a:ext cx="3462898" cy="685694"/>
+          </a:xfrm>
+          <a:prstGeom prst="rect">
+            <a:avLst/>
+          </a:prstGeom>
+          <a:solidFill>
+            <a:srgbClr val="7030A0"/>
+          </a:solidFill>
+        </p:spPr>
+        <p:style>
+          <a:lnRef idx="2">
+            <a:schemeClr val="accent1">
+              <a:shade val="50000"/>
+            </a:schemeClr>
+          </a:lnRef>
+          <a:fillRef idx="1">
+            <a:schemeClr val="accent1"/>
+          </a:fillRef>
+          <a:effectRef idx="0">
+            <a:schemeClr val="accent1"/>
+          </a:effectRef>
+          <a:fontRef idx="minor">
+            <a:schemeClr val="lt1"/>
+          </a:fontRef>
+        </p:style>
+        <p:txBody>
+          <a:bodyPr rtlCol="0" anchor="ctr"/>
+          <a:lstStyle/>
+          <a:p>
+            <a:pPr algn="ctr"/>
+            <a:r>
+              <a:rPr lang="en-US" altLang="ko-KR" sz="1200" dirty="0"/>
+              <a:t>[</a:t>
+            </a:r>
+            <a:r>
+              <a:rPr lang="ko-KR" altLang="en-US" sz="1200" dirty="0"/>
+              <a:t>자료</a:t>
+            </a:r>
+            <a:r>
+              <a:rPr lang="en-US" altLang="ko-KR" sz="1200" dirty="0"/>
+              <a:t>] </a:t>
+            </a:r>
+            <a:r>
+              <a:rPr lang="ko-KR" altLang="en-US" sz="1200" dirty="0"/>
+              <a:t>지역에너지통계연보 </a:t>
+            </a:r>
+            <a:endParaRPr lang="en-US" altLang="ko-KR" sz="1200" dirty="0"/>
+          </a:p>
+          <a:p>
+            <a:pPr algn="ctr"/>
+            <a:r>
+              <a:rPr lang="en-US" altLang="ko-KR" sz="1200" dirty="0"/>
+              <a:t>Ⅴ-1 </a:t>
+            </a:r>
+            <a:r>
+              <a:rPr lang="ko-KR" altLang="en-US" sz="1200" dirty="0"/>
+              <a:t>지역별 발전량</a:t>
+            </a:r>
+            <a:endParaRPr lang="en-US" altLang="ko-KR" sz="1200" dirty="0"/>
+          </a:p>
+          <a:p>
+            <a:pPr algn="ctr"/>
+            <a:r>
+              <a:rPr lang="en-US" altLang="ko-KR" sz="1200" dirty="0"/>
+              <a:t>Ⅴ-4 </a:t>
+            </a:r>
+            <a:r>
+              <a:rPr lang="ko-KR" altLang="en-US" sz="1200" dirty="0"/>
+              <a:t>지역별 전력 소비</a:t>
+            </a:r>
+          </a:p>
+        </p:txBody>
+      </p:sp>
+      <p:sp>
+        <p:nvSpPr>
+          <p:cNvPr id="34" name="TextBox 33">
+            <a:extLst>
+              <a:ext uri="{FF2B5EF4-FFF2-40B4-BE49-F238E27FC236}">
+                <a16:creationId xmlns:a16="http://schemas.microsoft.com/office/drawing/2014/main" id="{75300DE8-6165-C635-C6DB-3ACE25C7E51C}"/>
+              </a:ext>
+            </a:extLst>
+          </p:cNvPr>
+          <p:cNvSpPr txBox="1"/>
+          <p:nvPr/>
+        </p:nvSpPr>
+        <p:spPr>
+          <a:xfrm>
+            <a:off x="8297157" y="1429082"/>
+            <a:ext cx="834923" cy="230832"/>
+          </a:xfrm>
+          <a:prstGeom prst="rect">
+            <a:avLst/>
+          </a:prstGeom>
+          <a:solidFill>
+            <a:schemeClr val="bg1"/>
+          </a:solidFill>
+        </p:spPr>
+        <p:txBody>
+          <a:bodyPr wrap="square">
+            <a:spAutoFit/>
+          </a:bodyPr>
+          <a:lstStyle/>
+          <a:p>
+            <a:r>
+              <a:rPr lang="ko-KR" altLang="en-US" sz="850" b="1" dirty="0"/>
+              <a:t>전력 발전량</a:t>
+            </a:r>
+            <a:endParaRPr lang="en-US" altLang="ko-KR" sz="850" b="1" dirty="0"/>
+          </a:p>
+        </p:txBody>
+      </p:sp>
+      <p:sp>
+        <p:nvSpPr>
+          <p:cNvPr id="35" name="TextBox 34">
+            <a:extLst>
+              <a:ext uri="{FF2B5EF4-FFF2-40B4-BE49-F238E27FC236}">
+                <a16:creationId xmlns:a16="http://schemas.microsoft.com/office/drawing/2014/main" id="{C6C49BCC-9BDB-95BD-C745-1795EB3DB281}"/>
+              </a:ext>
+            </a:extLst>
+          </p:cNvPr>
+          <p:cNvSpPr txBox="1"/>
+          <p:nvPr/>
+        </p:nvSpPr>
+        <p:spPr>
+          <a:xfrm>
+            <a:off x="4992644" y="7357825"/>
+            <a:ext cx="3472653" cy="261610"/>
+          </a:xfrm>
+          <a:prstGeom prst="rect">
+            <a:avLst/>
+          </a:prstGeom>
+          <a:noFill/>
+        </p:spPr>
+        <p:txBody>
+          <a:bodyPr wrap="square">
+            <a:spAutoFit/>
+          </a:bodyPr>
+          <a:lstStyle/>
+          <a:p>
+            <a:r>
+              <a:rPr lang="ko-KR" altLang="en-US" sz="1100" dirty="0"/>
+              <a:t>부문별 말고</a:t>
+            </a:r>
+            <a:r>
+              <a:rPr lang="en-US" altLang="ko-KR" sz="1100" dirty="0"/>
               <a:t>, </a:t>
             </a:r>
             <a:r>
-              <a:rPr lang="ko-KR" altLang="en-US" sz="2400" dirty="0"/>
-              <a:t>자급률</a:t>
-            </a:r>
-            <a:r>
-              <a:rPr lang="en-US" altLang="ko-KR" sz="2400" dirty="0"/>
-              <a:t>): Bar chart with negative value</a:t>
-            </a:r>
-          </a:p>
-          <a:p>
-            <a:r>
-              <a:rPr lang="en-US" altLang="ko-KR" sz="2400" dirty="0">
-                <a:hlinkClick r:id="rId2"/>
-              </a:rPr>
-              <a:t>Examples - Apache </a:t>
-            </a:r>
-            <a:r>
-              <a:rPr lang="en-US" altLang="ko-KR" sz="2400" dirty="0" err="1">
-                <a:hlinkClick r:id="rId2"/>
-              </a:rPr>
-              <a:t>ECharts</a:t>
-            </a:r>
-            <a:endParaRPr lang="en-US" altLang="ko-KR" sz="2400" dirty="0"/>
+              <a:rPr lang="ko-KR" altLang="en-US" sz="1100" dirty="0"/>
+              <a:t>연도가 적혀 있는 </a:t>
+            </a:r>
+            <a:r>
+              <a:rPr lang="en-US" altLang="ko-KR" sz="1100" dirty="0"/>
+              <a:t>row</a:t>
+            </a:r>
+            <a:r>
+              <a:rPr lang="ko-KR" altLang="en-US" sz="1100" dirty="0"/>
+              <a:t>에 있는 수치 활용</a:t>
+            </a:r>
+            <a:endParaRPr lang="en-US" altLang="ko-KR" sz="1100" dirty="0"/>
+          </a:p>
+        </p:txBody>
+      </p:sp>
+      <p:cxnSp>
+        <p:nvCxnSpPr>
+          <p:cNvPr id="36" name="연결선: 꺾임 35">
+            <a:extLst>
+              <a:ext uri="{FF2B5EF4-FFF2-40B4-BE49-F238E27FC236}">
+                <a16:creationId xmlns:a16="http://schemas.microsoft.com/office/drawing/2014/main" id="{AD0032B1-53D6-BB88-DFE0-0084ADA3AB3E}"/>
+              </a:ext>
+            </a:extLst>
+          </p:cNvPr>
+          <p:cNvCxnSpPr>
+            <a:cxnSpLocks/>
+            <a:stCxn id="33" idx="2"/>
+            <a:endCxn id="35" idx="0"/>
+          </p:cNvCxnSpPr>
+          <p:nvPr/>
+        </p:nvCxnSpPr>
+        <p:spPr>
+          <a:xfrm rot="5400000">
+            <a:off x="6579024" y="6853898"/>
+            <a:ext cx="653875" cy="353979"/>
+          </a:xfrm>
+          <a:prstGeom prst="bentConnector3">
+            <a:avLst>
+              <a:gd name="adj1" fmla="val 50000"/>
+            </a:avLst>
+          </a:prstGeom>
+          <a:ln>
+            <a:tailEnd type="triangle"/>
+          </a:ln>
+        </p:spPr>
+        <p:style>
+          <a:lnRef idx="1">
+            <a:schemeClr val="accent1"/>
+          </a:lnRef>
+          <a:fillRef idx="0">
+            <a:schemeClr val="accent1"/>
+          </a:fillRef>
+          <a:effectRef idx="0">
+            <a:schemeClr val="accent1"/>
+          </a:effectRef>
+          <a:fontRef idx="minor">
+            <a:schemeClr val="tx1"/>
+          </a:fontRef>
+        </p:style>
+      </p:cxnSp>
+      <p:pic>
+        <p:nvPicPr>
+          <p:cNvPr id="39" name="그림 38">
+            <a:extLst>
+              <a:ext uri="{FF2B5EF4-FFF2-40B4-BE49-F238E27FC236}">
+                <a16:creationId xmlns:a16="http://schemas.microsoft.com/office/drawing/2014/main" id="{CCA19E41-0675-2F85-8B1D-C668C8FF0326}"/>
+              </a:ext>
+            </a:extLst>
+          </p:cNvPr>
+          <p:cNvPicPr>
+            <a:picLocks noChangeAspect="1"/>
+          </p:cNvPicPr>
+          <p:nvPr/>
+        </p:nvPicPr>
+        <p:blipFill>
+          <a:blip r:embed="rId5"/>
+          <a:stretch>
+            <a:fillRect/>
+          </a:stretch>
+        </p:blipFill>
+        <p:spPr>
+          <a:xfrm>
+            <a:off x="8275822" y="7130794"/>
+            <a:ext cx="856258" cy="989012"/>
+          </a:xfrm>
+          <a:prstGeom prst="rect">
+            <a:avLst/>
+          </a:prstGeom>
+        </p:spPr>
+      </p:pic>
+      <p:cxnSp>
+        <p:nvCxnSpPr>
+          <p:cNvPr id="40" name="연결선: 꺾임 39">
+            <a:extLst>
+              <a:ext uri="{FF2B5EF4-FFF2-40B4-BE49-F238E27FC236}">
+                <a16:creationId xmlns:a16="http://schemas.microsoft.com/office/drawing/2014/main" id="{CDB468B2-28A6-C1F2-3092-11E7D8A10651}"/>
+              </a:ext>
+            </a:extLst>
+          </p:cNvPr>
+          <p:cNvCxnSpPr>
+            <a:cxnSpLocks/>
+            <a:stCxn id="7" idx="2"/>
+            <a:endCxn id="45" idx="0"/>
+          </p:cNvCxnSpPr>
+          <p:nvPr/>
+        </p:nvCxnSpPr>
+        <p:spPr>
+          <a:xfrm rot="5400000">
+            <a:off x="1526243" y="5816242"/>
+            <a:ext cx="1186626" cy="160472"/>
+          </a:xfrm>
+          <a:prstGeom prst="bentConnector3">
+            <a:avLst>
+              <a:gd name="adj1" fmla="val 50000"/>
+            </a:avLst>
+          </a:prstGeom>
+          <a:ln>
+            <a:tailEnd type="triangle"/>
+          </a:ln>
+        </p:spPr>
+        <p:style>
+          <a:lnRef idx="1">
+            <a:schemeClr val="accent1"/>
+          </a:lnRef>
+          <a:fillRef idx="0">
+            <a:schemeClr val="accent1"/>
+          </a:fillRef>
+          <a:effectRef idx="0">
+            <a:schemeClr val="accent1"/>
+          </a:effectRef>
+          <a:fontRef idx="minor">
+            <a:schemeClr val="tx1"/>
+          </a:fontRef>
+        </p:style>
+      </p:cxnSp>
+      <p:sp>
+        <p:nvSpPr>
+          <p:cNvPr id="45" name="TextBox 44">
+            <a:extLst>
+              <a:ext uri="{FF2B5EF4-FFF2-40B4-BE49-F238E27FC236}">
+                <a16:creationId xmlns:a16="http://schemas.microsoft.com/office/drawing/2014/main" id="{33085107-96BD-DB83-934B-E92219A14B4F}"/>
+              </a:ext>
+            </a:extLst>
+          </p:cNvPr>
+          <p:cNvSpPr txBox="1"/>
+          <p:nvPr/>
+        </p:nvSpPr>
+        <p:spPr>
+          <a:xfrm>
+            <a:off x="302993" y="6489791"/>
+            <a:ext cx="3472653" cy="769441"/>
+          </a:xfrm>
+          <a:prstGeom prst="rect">
+            <a:avLst/>
+          </a:prstGeom>
+          <a:noFill/>
+        </p:spPr>
+        <p:txBody>
+          <a:bodyPr wrap="square">
+            <a:spAutoFit/>
+          </a:bodyPr>
+          <a:lstStyle/>
+          <a:p>
+            <a:r>
+              <a:rPr lang="en-US" altLang="ko-KR" sz="1100" dirty="0"/>
+              <a:t>2023</a:t>
+            </a:r>
+            <a:r>
+              <a:rPr lang="ko-KR" altLang="en-US" sz="1100" dirty="0"/>
+              <a:t>년</a:t>
+            </a:r>
+            <a:r>
+              <a:rPr lang="en-US" altLang="ko-KR" sz="1100" dirty="0"/>
+              <a:t>~ 2017</a:t>
+            </a:r>
+            <a:r>
+              <a:rPr lang="ko-KR" altLang="en-US" sz="1100" dirty="0"/>
+              <a:t>년 데이터 존재</a:t>
+            </a:r>
+            <a:r>
+              <a:rPr lang="en-US" altLang="ko-KR" sz="1100" dirty="0"/>
+              <a:t>.</a:t>
+            </a:r>
+          </a:p>
+          <a:p>
+            <a:r>
+              <a:rPr lang="en-US" altLang="ko-KR" sz="1100" dirty="0"/>
+              <a:t>2024</a:t>
+            </a:r>
+            <a:r>
+              <a:rPr lang="ko-KR" altLang="en-US" sz="1100" dirty="0" err="1"/>
+              <a:t>년도판</a:t>
+            </a:r>
+            <a:r>
+              <a:rPr lang="ko-KR" altLang="en-US" sz="1100" dirty="0"/>
+              <a:t> </a:t>
+            </a:r>
+            <a:r>
+              <a:rPr lang="en-US" altLang="ko-KR" sz="1100" dirty="0"/>
+              <a:t>(2023</a:t>
+            </a:r>
+            <a:r>
+              <a:rPr lang="ko-KR" altLang="en-US" sz="1100" dirty="0"/>
+              <a:t>실적치</a:t>
+            </a:r>
+            <a:r>
+              <a:rPr lang="en-US" altLang="ko-KR" sz="1100" dirty="0"/>
+              <a:t>) </a:t>
+            </a:r>
+            <a:r>
+              <a:rPr lang="ko-KR" altLang="en-US" sz="1100" dirty="0"/>
+              <a:t>통계 </a:t>
+            </a:r>
+            <a:r>
+              <a:rPr lang="en-US" altLang="ko-KR" sz="1100" dirty="0"/>
+              <a:t>~ 2018</a:t>
+            </a:r>
+            <a:r>
+              <a:rPr lang="ko-KR" altLang="en-US" sz="1100" dirty="0" err="1"/>
+              <a:t>년도판</a:t>
+            </a:r>
+            <a:r>
+              <a:rPr lang="ko-KR" altLang="en-US" sz="1100" dirty="0"/>
+              <a:t> </a:t>
+            </a:r>
+            <a:r>
+              <a:rPr lang="en-US" altLang="ko-KR" sz="1100" dirty="0"/>
+              <a:t>(2017 </a:t>
+            </a:r>
+            <a:r>
+              <a:rPr lang="ko-KR" altLang="en-US" sz="1100" dirty="0"/>
+              <a:t>실적치</a:t>
+            </a:r>
+            <a:r>
+              <a:rPr lang="en-US" altLang="ko-KR" sz="1100" dirty="0"/>
+              <a:t>)</a:t>
+            </a:r>
+            <a:r>
+              <a:rPr lang="ko-KR" altLang="en-US" sz="1100" dirty="0"/>
+              <a:t> 통계</a:t>
+            </a:r>
+            <a:endParaRPr lang="en-US" altLang="ko-KR" sz="1100" dirty="0"/>
+          </a:p>
+          <a:p>
+            <a:endParaRPr lang="en-US" altLang="ko-KR" sz="1100" dirty="0"/>
+          </a:p>
+        </p:txBody>
+      </p:sp>
+      <p:sp>
+        <p:nvSpPr>
+          <p:cNvPr id="47" name="직사각형 46">
+            <a:extLst>
+              <a:ext uri="{FF2B5EF4-FFF2-40B4-BE49-F238E27FC236}">
+                <a16:creationId xmlns:a16="http://schemas.microsoft.com/office/drawing/2014/main" id="{C55FFD42-7A7D-B1F4-CB93-09DCF6A07D44}"/>
+              </a:ext>
+            </a:extLst>
+          </p:cNvPr>
+          <p:cNvSpPr/>
+          <p:nvPr/>
+        </p:nvSpPr>
+        <p:spPr>
+          <a:xfrm>
+            <a:off x="-83968" y="1014010"/>
+            <a:ext cx="540180" cy="636757"/>
+          </a:xfrm>
+          <a:prstGeom prst="rect">
+            <a:avLst/>
+          </a:prstGeom>
+          <a:solidFill>
+            <a:schemeClr val="bg1">
+              <a:lumMod val="75000"/>
+              <a:alpha val="50196"/>
+            </a:schemeClr>
+          </a:solidFill>
+          <a:ln>
+            <a:solidFill>
+              <a:srgbClr val="0070C0"/>
+            </a:solidFill>
+          </a:ln>
+        </p:spPr>
+        <p:style>
+          <a:lnRef idx="2">
+            <a:schemeClr val="accent1">
+              <a:shade val="15000"/>
+            </a:schemeClr>
+          </a:lnRef>
+          <a:fillRef idx="1">
+            <a:schemeClr val="accent1"/>
+          </a:fillRef>
+          <a:effectRef idx="0">
+            <a:schemeClr val="accent1"/>
+          </a:effectRef>
+          <a:fontRef idx="minor">
+            <a:schemeClr val="lt1"/>
+          </a:fontRef>
+        </p:style>
+        <p:txBody>
+          <a:bodyPr rtlCol="0" anchor="ctr"/>
+          <a:lstStyle/>
+          <a:p>
+            <a:pPr algn="ctr"/>
+            <a:r>
+              <a:rPr lang="en-US" altLang="ko-KR" sz="1200" dirty="0"/>
+              <a:t>2023</a:t>
+            </a:r>
+          </a:p>
+          <a:p>
+            <a:pPr algn="ctr"/>
+            <a:r>
+              <a:rPr lang="en-US" altLang="ko-KR" sz="1200" dirty="0"/>
+              <a:t>~</a:t>
+            </a:r>
+          </a:p>
+          <a:p>
+            <a:pPr algn="ctr"/>
+            <a:r>
+              <a:rPr lang="en-US" altLang="ko-KR" sz="1200" dirty="0"/>
+              <a:t>2017</a:t>
+            </a:r>
           </a:p>
         </p:txBody>
       </p:sp>
     </p:spTree>
     <p:extLst>
       <p:ext uri="{BB962C8B-B14F-4D97-AF65-F5344CB8AC3E}">
-        <p14:creationId xmlns:p14="http://schemas.microsoft.com/office/powerpoint/2010/main" val="2476328984"/>
+        <p14:creationId xmlns:p14="http://schemas.microsoft.com/office/powerpoint/2010/main" val="3916389269"/>
       </p:ext>
     </p:extLst>
   </p:cSld>
@@ -10287,60 +13714,10 @@
       </p:grpSpPr>
       <p:sp>
         <p:nvSpPr>
-          <p:cNvPr id="2" name="제목 1">
-            <a:extLst>
-              <a:ext uri="{FF2B5EF4-FFF2-40B4-BE49-F238E27FC236}">
-                <a16:creationId xmlns:a16="http://schemas.microsoft.com/office/drawing/2014/main" id="{F05D6296-9C8D-24AE-5B05-C458A1F6266E}"/>
-              </a:ext>
-            </a:extLst>
-          </p:cNvPr>
-          <p:cNvSpPr>
-            <a:spLocks noGrp="1"/>
-          </p:cNvSpPr>
-          <p:nvPr>
-            <p:ph type="ctrTitle"/>
-          </p:nvPr>
-        </p:nvSpPr>
-        <p:spPr/>
-        <p:txBody>
-          <a:bodyPr/>
-          <a:lstStyle/>
-          <a:p>
-            <a:endParaRPr lang="ko-KR" altLang="en-US"/>
-          </a:p>
-        </p:txBody>
-      </p:sp>
-      <p:sp>
-        <p:nvSpPr>
-          <p:cNvPr id="3" name="부제목 2">
-            <a:extLst>
-              <a:ext uri="{FF2B5EF4-FFF2-40B4-BE49-F238E27FC236}">
-                <a16:creationId xmlns:a16="http://schemas.microsoft.com/office/drawing/2014/main" id="{C9569143-60D5-8F41-AD8A-B928CC44BF81}"/>
-              </a:ext>
-            </a:extLst>
-          </p:cNvPr>
-          <p:cNvSpPr>
-            <a:spLocks noGrp="1"/>
-          </p:cNvSpPr>
-          <p:nvPr>
-            <p:ph type="subTitle" idx="1"/>
-          </p:nvPr>
-        </p:nvSpPr>
-        <p:spPr/>
-        <p:txBody>
-          <a:bodyPr/>
-          <a:lstStyle/>
-          <a:p>
-            <a:endParaRPr lang="ko-KR" altLang="en-US"/>
-          </a:p>
-        </p:txBody>
-      </p:sp>
-      <p:sp>
-        <p:nvSpPr>
           <p:cNvPr id="4" name="슬라이드 번호 개체 틀 3">
             <a:extLst>
               <a:ext uri="{FF2B5EF4-FFF2-40B4-BE49-F238E27FC236}">
-                <a16:creationId xmlns:a16="http://schemas.microsoft.com/office/drawing/2014/main" id="{E9DECE34-1365-DE1F-164D-CEE5B78B1DB0}"/>
+                <a16:creationId xmlns:a16="http://schemas.microsoft.com/office/drawing/2014/main" id="{A79CF927-9237-2066-0AF0-0A2CF107470E}"/>
               </a:ext>
             </a:extLst>
           </p:cNvPr>
@@ -10367,10 +13744,10 @@
       </p:sp>
       <p:pic>
         <p:nvPicPr>
-          <p:cNvPr id="6" name="그림 5">
-            <a:extLst>
-              <a:ext uri="{FF2B5EF4-FFF2-40B4-BE49-F238E27FC236}">
-                <a16:creationId xmlns:a16="http://schemas.microsoft.com/office/drawing/2014/main" id="{1F2CF7BC-A79E-2A08-12B2-B3F818799B89}"/>
+          <p:cNvPr id="23" name="그림 22">
+            <a:extLst>
+              <a:ext uri="{FF2B5EF4-FFF2-40B4-BE49-F238E27FC236}">
+                <a16:creationId xmlns:a16="http://schemas.microsoft.com/office/drawing/2014/main" id="{41A3BF27-72F9-46AA-B6BB-4BA584D3B04F}"/>
               </a:ext>
             </a:extLst>
           </p:cNvPr>
@@ -10381,24 +13758,705 @@
         </p:nvPicPr>
         <p:blipFill>
           <a:blip r:embed="rId2"/>
-          <a:stretch>
-            <a:fillRect/>
-          </a:stretch>
+          <a:srcRect r="16143"/>
+          <a:stretch/>
         </p:blipFill>
         <p:spPr>
           <a:xfrm>
-            <a:off x="2712184" y="675055"/>
-            <a:ext cx="4755416" cy="4755416"/>
+            <a:off x="229918" y="720240"/>
+            <a:ext cx="3811897" cy="2610287"/>
           </a:xfrm>
           <a:prstGeom prst="rect">
             <a:avLst/>
           </a:prstGeom>
         </p:spPr>
       </p:pic>
+      <p:sp>
+        <p:nvSpPr>
+          <p:cNvPr id="24" name="직사각형 23">
+            <a:extLst>
+              <a:ext uri="{FF2B5EF4-FFF2-40B4-BE49-F238E27FC236}">
+                <a16:creationId xmlns:a16="http://schemas.microsoft.com/office/drawing/2014/main" id="{5E7B0136-36F7-D06D-410B-6DC21F1385D4}"/>
+              </a:ext>
+            </a:extLst>
+          </p:cNvPr>
+          <p:cNvSpPr/>
+          <p:nvPr/>
+        </p:nvSpPr>
+        <p:spPr>
+          <a:xfrm>
+            <a:off x="424941" y="3341284"/>
+            <a:ext cx="3616873" cy="763356"/>
+          </a:xfrm>
+          <a:prstGeom prst="rect">
+            <a:avLst/>
+          </a:prstGeom>
+          <a:solidFill>
+            <a:schemeClr val="accent2"/>
+          </a:solidFill>
+        </p:spPr>
+        <p:style>
+          <a:lnRef idx="2">
+            <a:schemeClr val="accent1">
+              <a:shade val="50000"/>
+            </a:schemeClr>
+          </a:lnRef>
+          <a:fillRef idx="1">
+            <a:schemeClr val="accent1"/>
+          </a:fillRef>
+          <a:effectRef idx="0">
+            <a:schemeClr val="accent1"/>
+          </a:effectRef>
+          <a:fontRef idx="minor">
+            <a:schemeClr val="lt1"/>
+          </a:fontRef>
+        </p:style>
+        <p:txBody>
+          <a:bodyPr rtlCol="0" anchor="ctr"/>
+          <a:lstStyle/>
+          <a:p>
+            <a:pPr algn="ctr"/>
+            <a:r>
+              <a:rPr lang="en-US" altLang="ko-KR" sz="1200" dirty="0"/>
+              <a:t>[</a:t>
+            </a:r>
+            <a:r>
+              <a:rPr lang="ko-KR" altLang="en-US" sz="1200" dirty="0"/>
+              <a:t>차트</a:t>
+            </a:r>
+            <a:r>
+              <a:rPr lang="en-US" altLang="ko-KR" sz="1200" dirty="0"/>
+              <a:t>] https://echarts.apache.org/examples/en/editor.html?c=treemap-disk</a:t>
+            </a:r>
+            <a:endParaRPr lang="ko-KR" altLang="en-US" sz="1200" dirty="0"/>
+          </a:p>
+        </p:txBody>
+      </p:sp>
+      <p:sp>
+        <p:nvSpPr>
+          <p:cNvPr id="25" name="직사각형 24">
+            <a:extLst>
+              <a:ext uri="{FF2B5EF4-FFF2-40B4-BE49-F238E27FC236}">
+                <a16:creationId xmlns:a16="http://schemas.microsoft.com/office/drawing/2014/main" id="{DDB65656-271E-52D7-B768-544C9A50EB3E}"/>
+              </a:ext>
+            </a:extLst>
+          </p:cNvPr>
+          <p:cNvSpPr/>
+          <p:nvPr/>
+        </p:nvSpPr>
+        <p:spPr>
+          <a:xfrm>
+            <a:off x="424942" y="4198780"/>
+            <a:ext cx="3616872" cy="490695"/>
+          </a:xfrm>
+          <a:prstGeom prst="rect">
+            <a:avLst/>
+          </a:prstGeom>
+          <a:solidFill>
+            <a:srgbClr val="7030A0"/>
+          </a:solidFill>
+        </p:spPr>
+        <p:style>
+          <a:lnRef idx="2">
+            <a:schemeClr val="accent1">
+              <a:shade val="50000"/>
+            </a:schemeClr>
+          </a:lnRef>
+          <a:fillRef idx="1">
+            <a:schemeClr val="accent1"/>
+          </a:fillRef>
+          <a:effectRef idx="0">
+            <a:schemeClr val="accent1"/>
+          </a:effectRef>
+          <a:fontRef idx="minor">
+            <a:schemeClr val="lt1"/>
+          </a:fontRef>
+        </p:style>
+        <p:txBody>
+          <a:bodyPr rtlCol="0" anchor="ctr"/>
+          <a:lstStyle/>
+          <a:p>
+            <a:pPr algn="ctr"/>
+            <a:r>
+              <a:rPr lang="en-US" altLang="ko-KR" sz="1200" dirty="0"/>
+              <a:t>[</a:t>
+            </a:r>
+            <a:r>
+              <a:rPr lang="ko-KR" altLang="en-US" sz="1200" dirty="0"/>
+              <a:t>자료</a:t>
+            </a:r>
+            <a:r>
+              <a:rPr lang="en-US" altLang="ko-KR" sz="1200" dirty="0"/>
+              <a:t>] </a:t>
+            </a:r>
+            <a:r>
+              <a:rPr lang="ko-KR" altLang="en-US" sz="1200" dirty="0"/>
+              <a:t>한국전력통계 </a:t>
+            </a:r>
+            <a:endParaRPr lang="en-US" altLang="ko-KR" sz="1200" dirty="0"/>
+          </a:p>
+          <a:p>
+            <a:pPr algn="ctr"/>
+            <a:r>
+              <a:rPr lang="en-US" altLang="ko-KR" sz="1200" dirty="0"/>
+              <a:t>8-2. </a:t>
+            </a:r>
+            <a:r>
+              <a:rPr lang="ko-KR" altLang="en-US" sz="1200" dirty="0"/>
+              <a:t>행정구역별 발전설비 및 발전량 </a:t>
+            </a:r>
+            <a:r>
+              <a:rPr lang="en-US" altLang="ko-KR" sz="1200" dirty="0"/>
+              <a:t>(</a:t>
+            </a:r>
+            <a:r>
+              <a:rPr lang="ko-KR" altLang="en-US" sz="1200" dirty="0"/>
+              <a:t>각 원별 칼럼</a:t>
+            </a:r>
+            <a:r>
+              <a:rPr lang="en-US" altLang="ko-KR" sz="1200" dirty="0"/>
+              <a:t>)</a:t>
+            </a:r>
+            <a:endParaRPr lang="ko-KR" altLang="en-US" sz="1200" dirty="0"/>
+          </a:p>
+        </p:txBody>
+      </p:sp>
+      <p:sp>
+        <p:nvSpPr>
+          <p:cNvPr id="26" name="직사각형 25">
+            <a:extLst>
+              <a:ext uri="{FF2B5EF4-FFF2-40B4-BE49-F238E27FC236}">
+                <a16:creationId xmlns:a16="http://schemas.microsoft.com/office/drawing/2014/main" id="{2E5CF9B9-1624-A1E5-3A4B-D93CF73F8D60}"/>
+              </a:ext>
+            </a:extLst>
+          </p:cNvPr>
+          <p:cNvSpPr/>
+          <p:nvPr/>
+        </p:nvSpPr>
+        <p:spPr>
+          <a:xfrm>
+            <a:off x="323849" y="873922"/>
+            <a:ext cx="3811897" cy="234153"/>
+          </a:xfrm>
+          <a:prstGeom prst="rect">
+            <a:avLst/>
+          </a:prstGeom>
+          <a:solidFill>
+            <a:schemeClr val="bg1"/>
+          </a:solidFill>
+          <a:ln>
+            <a:noFill/>
+          </a:ln>
+        </p:spPr>
+        <p:style>
+          <a:lnRef idx="2">
+            <a:schemeClr val="accent1">
+              <a:shade val="15000"/>
+            </a:schemeClr>
+          </a:lnRef>
+          <a:fillRef idx="1">
+            <a:schemeClr val="accent1"/>
+          </a:fillRef>
+          <a:effectRef idx="0">
+            <a:schemeClr val="accent1"/>
+          </a:effectRef>
+          <a:fontRef idx="minor">
+            <a:schemeClr val="lt1"/>
+          </a:fontRef>
+        </p:style>
+        <p:txBody>
+          <a:bodyPr rtlCol="0" anchor="ctr"/>
+          <a:lstStyle/>
+          <a:p>
+            <a:pPr algn="ctr"/>
+            <a:endParaRPr lang="ko-KR" altLang="en-US"/>
+          </a:p>
+        </p:txBody>
+      </p:sp>
+      <p:sp>
+        <p:nvSpPr>
+          <p:cNvPr id="28" name="TextBox 27">
+            <a:extLst>
+              <a:ext uri="{FF2B5EF4-FFF2-40B4-BE49-F238E27FC236}">
+                <a16:creationId xmlns:a16="http://schemas.microsoft.com/office/drawing/2014/main" id="{077CD8A0-45E1-31F8-489A-F0D0B495447E}"/>
+              </a:ext>
+            </a:extLst>
+          </p:cNvPr>
+          <p:cNvSpPr txBox="1"/>
+          <p:nvPr/>
+        </p:nvSpPr>
+        <p:spPr>
+          <a:xfrm>
+            <a:off x="323849" y="806332"/>
+            <a:ext cx="682771" cy="261610"/>
+          </a:xfrm>
+          <a:prstGeom prst="rect">
+            <a:avLst/>
+          </a:prstGeom>
+          <a:noFill/>
+        </p:spPr>
+        <p:txBody>
+          <a:bodyPr wrap="square">
+            <a:spAutoFit/>
+          </a:bodyPr>
+          <a:lstStyle/>
+          <a:p>
+            <a:r>
+              <a:rPr lang="ko-KR" altLang="en-US" sz="1100"/>
+              <a:t>원자력</a:t>
+            </a:r>
+            <a:endParaRPr lang="ko-KR" altLang="en-US" sz="1100" dirty="0"/>
+          </a:p>
+        </p:txBody>
+      </p:sp>
+      <p:sp>
+        <p:nvSpPr>
+          <p:cNvPr id="29" name="TextBox 28">
+            <a:extLst>
+              <a:ext uri="{FF2B5EF4-FFF2-40B4-BE49-F238E27FC236}">
+                <a16:creationId xmlns:a16="http://schemas.microsoft.com/office/drawing/2014/main" id="{2407E422-7595-2480-6946-53BB4AC00C3F}"/>
+              </a:ext>
+            </a:extLst>
+          </p:cNvPr>
+          <p:cNvSpPr txBox="1"/>
+          <p:nvPr/>
+        </p:nvSpPr>
+        <p:spPr>
+          <a:xfrm>
+            <a:off x="1371599" y="806332"/>
+            <a:ext cx="682771" cy="261610"/>
+          </a:xfrm>
+          <a:prstGeom prst="rect">
+            <a:avLst/>
+          </a:prstGeom>
+          <a:noFill/>
+        </p:spPr>
+        <p:txBody>
+          <a:bodyPr wrap="square">
+            <a:spAutoFit/>
+          </a:bodyPr>
+          <a:lstStyle/>
+          <a:p>
+            <a:r>
+              <a:rPr lang="ko-KR" altLang="en-US" sz="1100" dirty="0"/>
+              <a:t>석탄</a:t>
+            </a:r>
+          </a:p>
+        </p:txBody>
+      </p:sp>
+      <p:sp>
+        <p:nvSpPr>
+          <p:cNvPr id="30" name="TextBox 29">
+            <a:extLst>
+              <a:ext uri="{FF2B5EF4-FFF2-40B4-BE49-F238E27FC236}">
+                <a16:creationId xmlns:a16="http://schemas.microsoft.com/office/drawing/2014/main" id="{C9D2D5DB-CC76-EDB1-9F2E-E998C7CC03A1}"/>
+              </a:ext>
+            </a:extLst>
+          </p:cNvPr>
+          <p:cNvSpPr txBox="1"/>
+          <p:nvPr/>
+        </p:nvSpPr>
+        <p:spPr>
+          <a:xfrm>
+            <a:off x="2555354" y="806332"/>
+            <a:ext cx="682771" cy="261610"/>
+          </a:xfrm>
+          <a:prstGeom prst="rect">
+            <a:avLst/>
+          </a:prstGeom>
+          <a:noFill/>
+        </p:spPr>
+        <p:txBody>
+          <a:bodyPr wrap="square">
+            <a:spAutoFit/>
+          </a:bodyPr>
+          <a:lstStyle/>
+          <a:p>
+            <a:r>
+              <a:rPr lang="en-US" altLang="ko-KR" sz="1100" dirty="0"/>
+              <a:t>….</a:t>
+            </a:r>
+            <a:endParaRPr lang="ko-KR" altLang="en-US" sz="1100" dirty="0"/>
+          </a:p>
+        </p:txBody>
+      </p:sp>
+      <p:sp>
+        <p:nvSpPr>
+          <p:cNvPr id="31" name="TextBox 30">
+            <a:extLst>
+              <a:ext uri="{FF2B5EF4-FFF2-40B4-BE49-F238E27FC236}">
+                <a16:creationId xmlns:a16="http://schemas.microsoft.com/office/drawing/2014/main" id="{7B835E9E-1659-47E6-67E3-3070C0B8DACF}"/>
+              </a:ext>
+            </a:extLst>
+          </p:cNvPr>
+          <p:cNvSpPr txBox="1"/>
+          <p:nvPr/>
+        </p:nvSpPr>
+        <p:spPr>
+          <a:xfrm>
+            <a:off x="3513435" y="806332"/>
+            <a:ext cx="528380" cy="261610"/>
+          </a:xfrm>
+          <a:prstGeom prst="rect">
+            <a:avLst/>
+          </a:prstGeom>
+          <a:noFill/>
+        </p:spPr>
+        <p:txBody>
+          <a:bodyPr wrap="square">
+            <a:spAutoFit/>
+          </a:bodyPr>
+          <a:lstStyle/>
+          <a:p>
+            <a:r>
+              <a:rPr lang="ko-KR" altLang="en-US" sz="1100"/>
+              <a:t>기타</a:t>
+            </a:r>
+            <a:endParaRPr lang="ko-KR" altLang="en-US" sz="1100" dirty="0"/>
+          </a:p>
+        </p:txBody>
+      </p:sp>
+      <p:sp>
+        <p:nvSpPr>
+          <p:cNvPr id="32" name="TextBox 31">
+            <a:extLst>
+              <a:ext uri="{FF2B5EF4-FFF2-40B4-BE49-F238E27FC236}">
+                <a16:creationId xmlns:a16="http://schemas.microsoft.com/office/drawing/2014/main" id="{01F29716-D9DB-1DE6-9643-A41DCB817856}"/>
+              </a:ext>
+            </a:extLst>
+          </p:cNvPr>
+          <p:cNvSpPr txBox="1"/>
+          <p:nvPr/>
+        </p:nvSpPr>
+        <p:spPr>
+          <a:xfrm>
+            <a:off x="441039" y="5282554"/>
+            <a:ext cx="3472653" cy="430887"/>
+          </a:xfrm>
+          <a:prstGeom prst="rect">
+            <a:avLst/>
+          </a:prstGeom>
+          <a:noFill/>
+        </p:spPr>
+        <p:txBody>
+          <a:bodyPr wrap="square">
+            <a:spAutoFit/>
+          </a:bodyPr>
+          <a:lstStyle/>
+          <a:p>
+            <a:r>
+              <a:rPr lang="ko-KR" altLang="en-US" sz="1100" dirty="0"/>
+              <a:t>원자력</a:t>
+            </a:r>
+            <a:r>
+              <a:rPr lang="en-US" altLang="ko-KR" sz="1100" dirty="0"/>
+              <a:t>, </a:t>
+            </a:r>
+            <a:r>
+              <a:rPr lang="ko-KR" altLang="en-US" sz="1100" dirty="0"/>
+              <a:t>석탄</a:t>
+            </a:r>
+            <a:r>
+              <a:rPr lang="en-US" altLang="ko-KR" sz="1100" dirty="0"/>
+              <a:t>, LNG, </a:t>
+            </a:r>
+            <a:r>
+              <a:rPr lang="ko-KR" altLang="en-US" sz="1100" dirty="0"/>
+              <a:t>신재생</a:t>
+            </a:r>
+            <a:r>
+              <a:rPr lang="en-US" altLang="ko-KR" sz="1100" dirty="0"/>
+              <a:t>, </a:t>
+            </a:r>
+            <a:r>
+              <a:rPr lang="ko-KR" altLang="en-US" sz="1100" dirty="0"/>
+              <a:t>유류</a:t>
+            </a:r>
+            <a:r>
+              <a:rPr lang="en-US" altLang="ko-KR" sz="1100" dirty="0"/>
+              <a:t>, </a:t>
+            </a:r>
+            <a:r>
+              <a:rPr lang="ko-KR" altLang="en-US" sz="1100" dirty="0"/>
+              <a:t>양수</a:t>
+            </a:r>
+            <a:r>
+              <a:rPr lang="en-US" altLang="ko-KR" sz="1100" dirty="0"/>
+              <a:t>, </a:t>
+            </a:r>
+            <a:r>
+              <a:rPr lang="ko-KR" altLang="en-US" sz="1100" dirty="0"/>
+              <a:t>기타</a:t>
+            </a:r>
+            <a:endParaRPr lang="en-US" altLang="ko-KR" sz="1100" dirty="0"/>
+          </a:p>
+          <a:p>
+            <a:r>
+              <a:rPr lang="en-US" altLang="ko-KR" sz="1100" dirty="0"/>
+              <a:t>(</a:t>
+            </a:r>
+            <a:r>
+              <a:rPr lang="ko-KR" altLang="en-US" sz="1100" dirty="0"/>
+              <a:t>석탄 </a:t>
+            </a:r>
+            <a:r>
+              <a:rPr lang="en-US" altLang="ko-KR" sz="1100" dirty="0"/>
+              <a:t>= </a:t>
+            </a:r>
+            <a:r>
+              <a:rPr lang="ko-KR" altLang="en-US" sz="1100" dirty="0"/>
+              <a:t>무연탄 </a:t>
+            </a:r>
+            <a:r>
+              <a:rPr lang="en-US" altLang="ko-KR" sz="1100" dirty="0"/>
+              <a:t>+ </a:t>
+            </a:r>
+            <a:r>
+              <a:rPr lang="ko-KR" altLang="en-US" sz="1100" dirty="0"/>
+              <a:t>유연탄</a:t>
+            </a:r>
+            <a:r>
+              <a:rPr lang="en-US" altLang="ko-KR" sz="1100" dirty="0"/>
+              <a:t>)</a:t>
+            </a:r>
+            <a:endParaRPr lang="ko-KR" altLang="en-US" sz="1100" dirty="0"/>
+          </a:p>
+        </p:txBody>
+      </p:sp>
+      <p:cxnSp>
+        <p:nvCxnSpPr>
+          <p:cNvPr id="34" name="연결선: 꺾임 33">
+            <a:extLst>
+              <a:ext uri="{FF2B5EF4-FFF2-40B4-BE49-F238E27FC236}">
+                <a16:creationId xmlns:a16="http://schemas.microsoft.com/office/drawing/2014/main" id="{8A11BC7A-9D6A-6FE0-419C-2742B20EA09A}"/>
+              </a:ext>
+            </a:extLst>
+          </p:cNvPr>
+          <p:cNvCxnSpPr>
+            <a:cxnSpLocks/>
+            <a:stCxn id="25" idx="2"/>
+            <a:endCxn id="32" idx="0"/>
+          </p:cNvCxnSpPr>
+          <p:nvPr/>
+        </p:nvCxnSpPr>
+        <p:spPr>
+          <a:xfrm rot="5400000">
+            <a:off x="1908833" y="4958008"/>
+            <a:ext cx="593079" cy="56012"/>
+          </a:xfrm>
+          <a:prstGeom prst="bentConnector3">
+            <a:avLst>
+              <a:gd name="adj1" fmla="val 50000"/>
+            </a:avLst>
+          </a:prstGeom>
+          <a:ln>
+            <a:tailEnd type="triangle"/>
+          </a:ln>
+        </p:spPr>
+        <p:style>
+          <a:lnRef idx="1">
+            <a:schemeClr val="accent1"/>
+          </a:lnRef>
+          <a:fillRef idx="0">
+            <a:schemeClr val="accent1"/>
+          </a:fillRef>
+          <a:effectRef idx="0">
+            <a:schemeClr val="accent1"/>
+          </a:effectRef>
+          <a:fontRef idx="minor">
+            <a:schemeClr val="tx1"/>
+          </a:fontRef>
+        </p:style>
+      </p:cxnSp>
+      <p:sp>
+        <p:nvSpPr>
+          <p:cNvPr id="38" name="직사각형 37">
+            <a:extLst>
+              <a:ext uri="{FF2B5EF4-FFF2-40B4-BE49-F238E27FC236}">
+                <a16:creationId xmlns:a16="http://schemas.microsoft.com/office/drawing/2014/main" id="{F7144799-9210-1DBA-B4A6-13AA576EAD62}"/>
+              </a:ext>
+            </a:extLst>
+          </p:cNvPr>
+          <p:cNvSpPr/>
+          <p:nvPr/>
+        </p:nvSpPr>
+        <p:spPr>
+          <a:xfrm>
+            <a:off x="419945" y="497426"/>
+            <a:ext cx="540180" cy="257347"/>
+          </a:xfrm>
+          <a:prstGeom prst="rect">
+            <a:avLst/>
+          </a:prstGeom>
+          <a:solidFill>
+            <a:schemeClr val="bg2"/>
+          </a:solidFill>
+          <a:ln>
+            <a:solidFill>
+              <a:schemeClr val="bg2"/>
+            </a:solidFill>
+          </a:ln>
+        </p:spPr>
+        <p:style>
+          <a:lnRef idx="2">
+            <a:schemeClr val="accent1">
+              <a:shade val="15000"/>
+            </a:schemeClr>
+          </a:lnRef>
+          <a:fillRef idx="1">
+            <a:schemeClr val="accent1"/>
+          </a:fillRef>
+          <a:effectRef idx="0">
+            <a:schemeClr val="accent1"/>
+          </a:effectRef>
+          <a:fontRef idx="minor">
+            <a:schemeClr val="lt1"/>
+          </a:fontRef>
+        </p:style>
+        <p:txBody>
+          <a:bodyPr rtlCol="0" anchor="ctr"/>
+          <a:lstStyle/>
+          <a:p>
+            <a:pPr algn="ctr"/>
+            <a:r>
+              <a:rPr lang="ko-KR" altLang="en-US" sz="1200" dirty="0"/>
+              <a:t>연도</a:t>
+            </a:r>
+            <a:endParaRPr lang="en-US" altLang="ko-KR" sz="1200" dirty="0"/>
+          </a:p>
+        </p:txBody>
+      </p:sp>
+      <p:sp>
+        <p:nvSpPr>
+          <p:cNvPr id="40" name="직사각형 39">
+            <a:extLst>
+              <a:ext uri="{FF2B5EF4-FFF2-40B4-BE49-F238E27FC236}">
+                <a16:creationId xmlns:a16="http://schemas.microsoft.com/office/drawing/2014/main" id="{179C58E7-C003-78E8-F0AC-D7A46EF28969}"/>
+              </a:ext>
+            </a:extLst>
+          </p:cNvPr>
+          <p:cNvSpPr/>
+          <p:nvPr/>
+        </p:nvSpPr>
+        <p:spPr>
+          <a:xfrm>
+            <a:off x="2218572" y="497426"/>
+            <a:ext cx="1129247" cy="257347"/>
+          </a:xfrm>
+          <a:prstGeom prst="rect">
+            <a:avLst/>
+          </a:prstGeom>
+          <a:solidFill>
+            <a:schemeClr val="accent5">
+              <a:lumMod val="40000"/>
+              <a:lumOff val="60000"/>
+            </a:schemeClr>
+          </a:solidFill>
+          <a:ln>
+            <a:solidFill>
+              <a:schemeClr val="bg2"/>
+            </a:solidFill>
+          </a:ln>
+        </p:spPr>
+        <p:style>
+          <a:lnRef idx="2">
+            <a:schemeClr val="accent1">
+              <a:shade val="15000"/>
+            </a:schemeClr>
+          </a:lnRef>
+          <a:fillRef idx="1">
+            <a:schemeClr val="accent1"/>
+          </a:fillRef>
+          <a:effectRef idx="0">
+            <a:schemeClr val="accent1"/>
+          </a:effectRef>
+          <a:fontRef idx="minor">
+            <a:schemeClr val="lt1"/>
+          </a:fontRef>
+        </p:style>
+        <p:txBody>
+          <a:bodyPr rtlCol="0" anchor="ctr"/>
+          <a:lstStyle/>
+          <a:p>
+            <a:pPr algn="ctr"/>
+            <a:r>
+              <a:rPr lang="ko-KR" altLang="en-US" sz="1200" dirty="0">
+                <a:solidFill>
+                  <a:schemeClr val="tx1"/>
+                </a:solidFill>
+              </a:rPr>
+              <a:t>에너지원별</a:t>
+            </a:r>
+            <a:r>
+              <a:rPr lang="ko-KR" altLang="en-US" sz="1200" dirty="0"/>
+              <a:t> </a:t>
+            </a:r>
+            <a:endParaRPr lang="en-US" altLang="ko-KR" sz="1200" dirty="0"/>
+          </a:p>
+        </p:txBody>
+      </p:sp>
+      <p:sp>
+        <p:nvSpPr>
+          <p:cNvPr id="41" name="직사각형 40">
+            <a:extLst>
+              <a:ext uri="{FF2B5EF4-FFF2-40B4-BE49-F238E27FC236}">
+                <a16:creationId xmlns:a16="http://schemas.microsoft.com/office/drawing/2014/main" id="{162416AC-F429-37B7-5963-51322FA66CF7}"/>
+              </a:ext>
+            </a:extLst>
+          </p:cNvPr>
+          <p:cNvSpPr/>
+          <p:nvPr/>
+        </p:nvSpPr>
+        <p:spPr>
+          <a:xfrm>
+            <a:off x="1027719" y="497426"/>
+            <a:ext cx="1129247" cy="257347"/>
+          </a:xfrm>
+          <a:prstGeom prst="rect">
+            <a:avLst/>
+          </a:prstGeom>
+          <a:solidFill>
+            <a:schemeClr val="bg2"/>
+          </a:solidFill>
+          <a:ln>
+            <a:solidFill>
+              <a:schemeClr val="bg2"/>
+            </a:solidFill>
+          </a:ln>
+        </p:spPr>
+        <p:style>
+          <a:lnRef idx="2">
+            <a:schemeClr val="accent1">
+              <a:shade val="15000"/>
+            </a:schemeClr>
+          </a:lnRef>
+          <a:fillRef idx="1">
+            <a:schemeClr val="accent1"/>
+          </a:fillRef>
+          <a:effectRef idx="0">
+            <a:schemeClr val="accent1"/>
+          </a:effectRef>
+          <a:fontRef idx="minor">
+            <a:schemeClr val="lt1"/>
+          </a:fontRef>
+        </p:style>
+        <p:txBody>
+          <a:bodyPr rtlCol="0" anchor="ctr"/>
+          <a:lstStyle/>
+          <a:p>
+            <a:pPr algn="ctr"/>
+            <a:r>
+              <a:rPr lang="ko-KR" altLang="en-US" sz="1200" dirty="0"/>
+              <a:t>발전량 </a:t>
+            </a:r>
+            <a:endParaRPr lang="en-US" altLang="ko-KR" sz="1200" dirty="0"/>
+          </a:p>
+        </p:txBody>
+      </p:sp>
     </p:spTree>
     <p:extLst>
       <p:ext uri="{BB962C8B-B14F-4D97-AF65-F5344CB8AC3E}">
-        <p14:creationId xmlns:p14="http://schemas.microsoft.com/office/powerpoint/2010/main" val="1606519706"/>
+        <p14:creationId xmlns:p14="http://schemas.microsoft.com/office/powerpoint/2010/main" val="609309382"/>
       </p:ext>
     </p:extLst>
   </p:cSld>
@@ -10409,6 +14467,1872 @@
 </file>
 
 <file path=ppt/slides/slide4.xml><?xml version="1.0" encoding="utf-8"?>
+<p:sld xmlns:a="http://schemas.openxmlformats.org/drawingml/2006/main" xmlns:r="http://schemas.openxmlformats.org/officeDocument/2006/relationships" xmlns:p="http://schemas.openxmlformats.org/presentationml/2006/main">
+  <p:cSld>
+    <p:spTree>
+      <p:nvGrpSpPr>
+        <p:cNvPr id="1" name=""/>
+        <p:cNvGrpSpPr/>
+        <p:nvPr/>
+      </p:nvGrpSpPr>
+      <p:grpSpPr>
+        <a:xfrm>
+          <a:off x="0" y="0"/>
+          <a:ext cx="0" cy="0"/>
+          <a:chOff x="0" y="0"/>
+          <a:chExt cx="0" cy="0"/>
+        </a:xfrm>
+      </p:grpSpPr>
+      <p:sp>
+        <p:nvSpPr>
+          <p:cNvPr id="4" name="슬라이드 번호 개체 틀 3">
+            <a:extLst>
+              <a:ext uri="{FF2B5EF4-FFF2-40B4-BE49-F238E27FC236}">
+                <a16:creationId xmlns:a16="http://schemas.microsoft.com/office/drawing/2014/main" id="{CA9F026E-E35A-56BC-EFC8-9D5C5426454C}"/>
+              </a:ext>
+            </a:extLst>
+          </p:cNvPr>
+          <p:cNvSpPr>
+            <a:spLocks noGrp="1"/>
+          </p:cNvSpPr>
+          <p:nvPr>
+            <p:ph type="sldNum" idx="12"/>
+          </p:nvPr>
+        </p:nvSpPr>
+        <p:spPr/>
+        <p:txBody>
+          <a:bodyPr/>
+          <a:lstStyle/>
+          <a:p>
+            <a:fld id="{00000000-1234-1234-1234-123412341234}" type="slidenum">
+              <a:rPr lang="en-US" altLang="ko-KR" smtClean="0"/>
+              <a:pPr/>
+              <a:t>3</a:t>
+            </a:fld>
+            <a:endParaRPr lang="ko-KR" altLang="en-US"/>
+          </a:p>
+        </p:txBody>
+      </p:sp>
+      <p:pic>
+        <p:nvPicPr>
+          <p:cNvPr id="5" name="그림 4">
+            <a:extLst>
+              <a:ext uri="{FF2B5EF4-FFF2-40B4-BE49-F238E27FC236}">
+                <a16:creationId xmlns:a16="http://schemas.microsoft.com/office/drawing/2014/main" id="{6C4AE0C7-91CB-7C14-9642-702A5702F0AC}"/>
+              </a:ext>
+            </a:extLst>
+          </p:cNvPr>
+          <p:cNvPicPr>
+            <a:picLocks noChangeAspect="1"/>
+          </p:cNvPicPr>
+          <p:nvPr/>
+        </p:nvPicPr>
+        <p:blipFill>
+          <a:blip r:embed="rId2"/>
+          <a:stretch>
+            <a:fillRect/>
+          </a:stretch>
+        </p:blipFill>
+        <p:spPr>
+          <a:xfrm>
+            <a:off x="1716356" y="1022213"/>
+            <a:ext cx="5227052" cy="3419612"/>
+          </a:xfrm>
+          <a:prstGeom prst="rect">
+            <a:avLst/>
+          </a:prstGeom>
+        </p:spPr>
+      </p:pic>
+      <p:sp>
+        <p:nvSpPr>
+          <p:cNvPr id="6" name="TextBox 5">
+            <a:extLst>
+              <a:ext uri="{FF2B5EF4-FFF2-40B4-BE49-F238E27FC236}">
+                <a16:creationId xmlns:a16="http://schemas.microsoft.com/office/drawing/2014/main" id="{AF58B474-A90B-A6F8-9469-CF90E8C99B9B}"/>
+              </a:ext>
+            </a:extLst>
+          </p:cNvPr>
+          <p:cNvSpPr txBox="1"/>
+          <p:nvPr/>
+        </p:nvSpPr>
+        <p:spPr>
+          <a:xfrm>
+            <a:off x="1716356" y="964182"/>
+            <a:ext cx="368697" cy="169277"/>
+          </a:xfrm>
+          <a:prstGeom prst="rect">
+            <a:avLst/>
+          </a:prstGeom>
+          <a:solidFill>
+            <a:schemeClr val="bg1"/>
+          </a:solidFill>
+        </p:spPr>
+        <p:txBody>
+          <a:bodyPr wrap="square">
+            <a:spAutoFit/>
+          </a:bodyPr>
+          <a:lstStyle/>
+          <a:p>
+            <a:r>
+              <a:rPr lang="en-US" altLang="ko-KR" sz="500" b="1" dirty="0"/>
+              <a:t>KTOE</a:t>
+            </a:r>
+          </a:p>
+        </p:txBody>
+      </p:sp>
+      <p:sp>
+        <p:nvSpPr>
+          <p:cNvPr id="9" name="직사각형 8">
+            <a:extLst>
+              <a:ext uri="{FF2B5EF4-FFF2-40B4-BE49-F238E27FC236}">
+                <a16:creationId xmlns:a16="http://schemas.microsoft.com/office/drawing/2014/main" id="{416B454C-FE8C-DAD7-F29F-9D527E1D870F}"/>
+              </a:ext>
+            </a:extLst>
+          </p:cNvPr>
+          <p:cNvSpPr/>
+          <p:nvPr/>
+        </p:nvSpPr>
+        <p:spPr>
+          <a:xfrm>
+            <a:off x="468343" y="5096871"/>
+            <a:ext cx="4108537" cy="805210"/>
+          </a:xfrm>
+          <a:prstGeom prst="rect">
+            <a:avLst/>
+          </a:prstGeom>
+          <a:solidFill>
+            <a:srgbClr val="7030A0"/>
+          </a:solidFill>
+        </p:spPr>
+        <p:style>
+          <a:lnRef idx="2">
+            <a:schemeClr val="accent1">
+              <a:shade val="50000"/>
+            </a:schemeClr>
+          </a:lnRef>
+          <a:fillRef idx="1">
+            <a:schemeClr val="accent1"/>
+          </a:fillRef>
+          <a:effectRef idx="0">
+            <a:schemeClr val="accent1"/>
+          </a:effectRef>
+          <a:fontRef idx="minor">
+            <a:schemeClr val="lt1"/>
+          </a:fontRef>
+        </p:style>
+        <p:txBody>
+          <a:bodyPr rtlCol="0" anchor="ctr"/>
+          <a:lstStyle/>
+          <a:p>
+            <a:pPr algn="ctr"/>
+            <a:r>
+              <a:rPr lang="en-US" altLang="ko-KR" sz="1200" dirty="0"/>
+              <a:t>[</a:t>
+            </a:r>
+            <a:r>
+              <a:rPr lang="ko-KR" altLang="en-US" sz="1200" dirty="0"/>
+              <a:t>자료</a:t>
+            </a:r>
+            <a:r>
+              <a:rPr lang="en-US" altLang="ko-KR" sz="1200" dirty="0"/>
+              <a:t>] </a:t>
+            </a:r>
+            <a:r>
+              <a:rPr lang="ko-KR" altLang="en-US" sz="1200" dirty="0"/>
+              <a:t>지역에너지통계연보 </a:t>
+            </a:r>
+            <a:endParaRPr lang="en-US" altLang="ko-KR" sz="1200" dirty="0"/>
+          </a:p>
+          <a:p>
+            <a:pPr algn="ctr"/>
+            <a:r>
+              <a:rPr lang="en-US" altLang="ko-KR" sz="1200" dirty="0"/>
+              <a:t>Ⅴ-1 </a:t>
+            </a:r>
+            <a:r>
+              <a:rPr lang="ko-KR" altLang="en-US" sz="1200" dirty="0"/>
+              <a:t>지역별 발전량</a:t>
+            </a:r>
+            <a:endParaRPr lang="en-US" altLang="ko-KR" sz="1200" dirty="0"/>
+          </a:p>
+        </p:txBody>
+      </p:sp>
+      <p:sp>
+        <p:nvSpPr>
+          <p:cNvPr id="10" name="직사각형 9">
+            <a:extLst>
+              <a:ext uri="{FF2B5EF4-FFF2-40B4-BE49-F238E27FC236}">
+                <a16:creationId xmlns:a16="http://schemas.microsoft.com/office/drawing/2014/main" id="{465D6DDF-C3C4-3A0A-861A-4E6BC3D2AB0C}"/>
+              </a:ext>
+            </a:extLst>
+          </p:cNvPr>
+          <p:cNvSpPr/>
+          <p:nvPr/>
+        </p:nvSpPr>
+        <p:spPr>
+          <a:xfrm>
+            <a:off x="5178948" y="5096871"/>
+            <a:ext cx="2494769" cy="1247576"/>
+          </a:xfrm>
+          <a:prstGeom prst="rect">
+            <a:avLst/>
+          </a:prstGeom>
+          <a:solidFill>
+            <a:schemeClr val="accent2"/>
+          </a:solidFill>
+        </p:spPr>
+        <p:style>
+          <a:lnRef idx="2">
+            <a:schemeClr val="accent1">
+              <a:shade val="50000"/>
+            </a:schemeClr>
+          </a:lnRef>
+          <a:fillRef idx="1">
+            <a:schemeClr val="accent1"/>
+          </a:fillRef>
+          <a:effectRef idx="0">
+            <a:schemeClr val="accent1"/>
+          </a:effectRef>
+          <a:fontRef idx="minor">
+            <a:schemeClr val="lt1"/>
+          </a:fontRef>
+        </p:style>
+        <p:txBody>
+          <a:bodyPr rtlCol="0" anchor="ctr"/>
+          <a:lstStyle/>
+          <a:p>
+            <a:pPr algn="ctr"/>
+            <a:r>
+              <a:rPr lang="en-US" altLang="ko-KR" sz="1200" dirty="0"/>
+              <a:t>[</a:t>
+            </a:r>
+            <a:r>
+              <a:rPr lang="ko-KR" altLang="en-US" sz="1200" dirty="0"/>
+              <a:t>차트</a:t>
+            </a:r>
+            <a:r>
+              <a:rPr lang="en-US" altLang="ko-KR" sz="1200" dirty="0"/>
+              <a:t>] https://echarts.apache.org/examples/en/editor.html?c=line-race</a:t>
+            </a:r>
+            <a:endParaRPr lang="ko-KR" altLang="en-US" sz="1200" dirty="0"/>
+          </a:p>
+        </p:txBody>
+      </p:sp>
+      <p:sp>
+        <p:nvSpPr>
+          <p:cNvPr id="12" name="TextBox 11">
+            <a:extLst>
+              <a:ext uri="{FF2B5EF4-FFF2-40B4-BE49-F238E27FC236}">
+                <a16:creationId xmlns:a16="http://schemas.microsoft.com/office/drawing/2014/main" id="{A0E389C8-BE09-22F3-82E1-5C57F0D75148}"/>
+              </a:ext>
+            </a:extLst>
+          </p:cNvPr>
+          <p:cNvSpPr txBox="1"/>
+          <p:nvPr/>
+        </p:nvSpPr>
+        <p:spPr>
+          <a:xfrm>
+            <a:off x="468343" y="197327"/>
+            <a:ext cx="2115503" cy="276999"/>
+          </a:xfrm>
+          <a:prstGeom prst="rect">
+            <a:avLst/>
+          </a:prstGeom>
+          <a:noFill/>
+        </p:spPr>
+        <p:txBody>
+          <a:bodyPr wrap="square">
+            <a:spAutoFit/>
+          </a:bodyPr>
+          <a:lstStyle/>
+          <a:p>
+            <a:r>
+              <a:rPr lang="ko-KR" altLang="en-US" sz="700" b="1" dirty="0"/>
+              <a:t>시도별 전력 발전량</a:t>
+            </a:r>
+            <a:r>
+              <a:rPr lang="en-US" altLang="ko-KR" sz="700" b="1" dirty="0"/>
+              <a:t>, </a:t>
+            </a:r>
+            <a:r>
+              <a:rPr lang="ko-KR" altLang="en-US" sz="700" b="1" dirty="0"/>
+              <a:t>소비량</a:t>
+            </a:r>
+            <a:r>
+              <a:rPr lang="en-US" altLang="ko-KR" sz="700" b="1" dirty="0"/>
+              <a:t>, </a:t>
+            </a:r>
+            <a:r>
+              <a:rPr lang="ko-KR" altLang="en-US" sz="700" b="1" dirty="0"/>
+              <a:t>자급률 추이</a:t>
+            </a:r>
+            <a:endParaRPr lang="en-US" altLang="ko-KR" sz="700" b="1" dirty="0"/>
+          </a:p>
+          <a:p>
+            <a:r>
+              <a:rPr lang="ko-KR" altLang="en-US" sz="500" b="1" dirty="0"/>
+              <a:t>전국 시도별 전력 수급 추이</a:t>
+            </a:r>
+            <a:r>
+              <a:rPr lang="en-US" altLang="ko-KR" sz="500" b="1" dirty="0"/>
+              <a:t>(1991~2022)</a:t>
+            </a:r>
+            <a:r>
+              <a:rPr lang="ko-KR" altLang="en-US" sz="500" b="1" dirty="0"/>
+              <a:t>를 살펴봅니다</a:t>
+            </a:r>
+            <a:r>
+              <a:rPr lang="en-US" altLang="ko-KR" sz="500" b="1" dirty="0"/>
+              <a:t>.</a:t>
+            </a:r>
+          </a:p>
+        </p:txBody>
+      </p:sp>
+      <p:sp>
+        <p:nvSpPr>
+          <p:cNvPr id="13" name="직사각형 12">
+            <a:extLst>
+              <a:ext uri="{FF2B5EF4-FFF2-40B4-BE49-F238E27FC236}">
+                <a16:creationId xmlns:a16="http://schemas.microsoft.com/office/drawing/2014/main" id="{7478BA1E-8AB3-1175-FB58-D767510B9F18}"/>
+              </a:ext>
+            </a:extLst>
+          </p:cNvPr>
+          <p:cNvSpPr/>
+          <p:nvPr/>
+        </p:nvSpPr>
+        <p:spPr>
+          <a:xfrm>
+            <a:off x="2522611" y="850321"/>
+            <a:ext cx="1408630" cy="195242"/>
+          </a:xfrm>
+          <a:prstGeom prst="rect">
+            <a:avLst/>
+          </a:prstGeom>
+          <a:solidFill>
+            <a:schemeClr val="bg2"/>
+          </a:solidFill>
+          <a:ln>
+            <a:solidFill>
+              <a:schemeClr val="bg2"/>
+            </a:solidFill>
+          </a:ln>
+        </p:spPr>
+        <p:style>
+          <a:lnRef idx="2">
+            <a:schemeClr val="accent1">
+              <a:shade val="15000"/>
+            </a:schemeClr>
+          </a:lnRef>
+          <a:fillRef idx="1">
+            <a:schemeClr val="accent1"/>
+          </a:fillRef>
+          <a:effectRef idx="0">
+            <a:schemeClr val="accent1"/>
+          </a:effectRef>
+          <a:fontRef idx="minor">
+            <a:schemeClr val="lt1"/>
+          </a:fontRef>
+        </p:style>
+        <p:txBody>
+          <a:bodyPr rtlCol="0" anchor="ctr"/>
+          <a:lstStyle/>
+          <a:p>
+            <a:pPr algn="ctr"/>
+            <a:r>
+              <a:rPr lang="ko-KR" altLang="en-US" sz="1200" dirty="0">
+                <a:solidFill>
+                  <a:schemeClr val="tx1"/>
+                </a:solidFill>
+              </a:rPr>
+              <a:t>전력 발전량</a:t>
+            </a:r>
+            <a:endParaRPr lang="en-US" altLang="ko-KR" sz="1200" dirty="0">
+              <a:solidFill>
+                <a:schemeClr val="tx1"/>
+              </a:solidFill>
+            </a:endParaRPr>
+          </a:p>
+        </p:txBody>
+      </p:sp>
+      <p:sp>
+        <p:nvSpPr>
+          <p:cNvPr id="14" name="직사각형 13">
+            <a:extLst>
+              <a:ext uri="{FF2B5EF4-FFF2-40B4-BE49-F238E27FC236}">
+                <a16:creationId xmlns:a16="http://schemas.microsoft.com/office/drawing/2014/main" id="{F04D38B3-67B4-3202-EBCF-CAFE5552717C}"/>
+              </a:ext>
+            </a:extLst>
+          </p:cNvPr>
+          <p:cNvSpPr/>
+          <p:nvPr/>
+        </p:nvSpPr>
+        <p:spPr>
+          <a:xfrm>
+            <a:off x="4028694" y="850321"/>
+            <a:ext cx="1408630" cy="195242"/>
+          </a:xfrm>
+          <a:prstGeom prst="rect">
+            <a:avLst/>
+          </a:prstGeom>
+          <a:solidFill>
+            <a:schemeClr val="bg2"/>
+          </a:solidFill>
+          <a:ln>
+            <a:solidFill>
+              <a:schemeClr val="bg2"/>
+            </a:solidFill>
+          </a:ln>
+        </p:spPr>
+        <p:style>
+          <a:lnRef idx="2">
+            <a:schemeClr val="accent1">
+              <a:shade val="15000"/>
+            </a:schemeClr>
+          </a:lnRef>
+          <a:fillRef idx="1">
+            <a:schemeClr val="accent1"/>
+          </a:fillRef>
+          <a:effectRef idx="0">
+            <a:schemeClr val="accent1"/>
+          </a:effectRef>
+          <a:fontRef idx="minor">
+            <a:schemeClr val="lt1"/>
+          </a:fontRef>
+        </p:style>
+        <p:txBody>
+          <a:bodyPr rtlCol="0" anchor="ctr"/>
+          <a:lstStyle/>
+          <a:p>
+            <a:pPr algn="ctr"/>
+            <a:r>
+              <a:rPr lang="ko-KR" altLang="en-US" sz="1200" dirty="0">
+                <a:solidFill>
+                  <a:schemeClr val="tx1"/>
+                </a:solidFill>
+              </a:rPr>
+              <a:t>전력 소비량</a:t>
+            </a:r>
+            <a:endParaRPr lang="en-US" altLang="ko-KR" sz="1200" dirty="0">
+              <a:solidFill>
+                <a:schemeClr val="tx1"/>
+              </a:solidFill>
+            </a:endParaRPr>
+          </a:p>
+        </p:txBody>
+      </p:sp>
+      <p:sp>
+        <p:nvSpPr>
+          <p:cNvPr id="15" name="직사각형 14">
+            <a:extLst>
+              <a:ext uri="{FF2B5EF4-FFF2-40B4-BE49-F238E27FC236}">
+                <a16:creationId xmlns:a16="http://schemas.microsoft.com/office/drawing/2014/main" id="{6405DAE0-2ED6-BA16-D608-CA632DF962EC}"/>
+              </a:ext>
+            </a:extLst>
+          </p:cNvPr>
+          <p:cNvSpPr/>
+          <p:nvPr/>
+        </p:nvSpPr>
+        <p:spPr>
+          <a:xfrm>
+            <a:off x="5511531" y="850321"/>
+            <a:ext cx="1529330" cy="195242"/>
+          </a:xfrm>
+          <a:prstGeom prst="rect">
+            <a:avLst/>
+          </a:prstGeom>
+          <a:solidFill>
+            <a:schemeClr val="bg2"/>
+          </a:solidFill>
+          <a:ln>
+            <a:solidFill>
+              <a:schemeClr val="bg2"/>
+            </a:solidFill>
+          </a:ln>
+        </p:spPr>
+        <p:style>
+          <a:lnRef idx="2">
+            <a:schemeClr val="accent1">
+              <a:shade val="15000"/>
+            </a:schemeClr>
+          </a:lnRef>
+          <a:fillRef idx="1">
+            <a:schemeClr val="accent1"/>
+          </a:fillRef>
+          <a:effectRef idx="0">
+            <a:schemeClr val="accent1"/>
+          </a:effectRef>
+          <a:fontRef idx="minor">
+            <a:schemeClr val="lt1"/>
+          </a:fontRef>
+        </p:style>
+        <p:txBody>
+          <a:bodyPr rtlCol="0" anchor="ctr"/>
+          <a:lstStyle/>
+          <a:p>
+            <a:pPr algn="ctr"/>
+            <a:r>
+              <a:rPr lang="ko-KR" altLang="en-US" sz="1200" dirty="0">
+                <a:solidFill>
+                  <a:schemeClr val="tx1"/>
+                </a:solidFill>
+              </a:rPr>
+              <a:t>전력 자급률</a:t>
+            </a:r>
+            <a:endParaRPr lang="en-US" altLang="ko-KR" sz="1200" dirty="0">
+              <a:solidFill>
+                <a:schemeClr val="tx1"/>
+              </a:solidFill>
+            </a:endParaRPr>
+          </a:p>
+        </p:txBody>
+      </p:sp>
+      <p:sp>
+        <p:nvSpPr>
+          <p:cNvPr id="16" name="TextBox 15">
+            <a:extLst>
+              <a:ext uri="{FF2B5EF4-FFF2-40B4-BE49-F238E27FC236}">
+                <a16:creationId xmlns:a16="http://schemas.microsoft.com/office/drawing/2014/main" id="{24BFD301-943B-6AA2-6B24-530FF9A315E1}"/>
+              </a:ext>
+            </a:extLst>
+          </p:cNvPr>
+          <p:cNvSpPr txBox="1"/>
+          <p:nvPr/>
+        </p:nvSpPr>
+        <p:spPr>
+          <a:xfrm>
+            <a:off x="6311288" y="1286984"/>
+            <a:ext cx="514304" cy="261610"/>
+          </a:xfrm>
+          <a:prstGeom prst="rect">
+            <a:avLst/>
+          </a:prstGeom>
+          <a:solidFill>
+            <a:schemeClr val="bg1"/>
+          </a:solidFill>
+        </p:spPr>
+        <p:txBody>
+          <a:bodyPr wrap="square">
+            <a:spAutoFit/>
+          </a:bodyPr>
+          <a:lstStyle/>
+          <a:p>
+            <a:r>
+              <a:rPr lang="ko-KR" altLang="en-US" sz="1050"/>
+              <a:t>서울</a:t>
+            </a:r>
+            <a:endParaRPr lang="ko-KR" altLang="en-US" sz="1050" dirty="0"/>
+          </a:p>
+        </p:txBody>
+      </p:sp>
+      <p:sp>
+        <p:nvSpPr>
+          <p:cNvPr id="17" name="TextBox 16">
+            <a:extLst>
+              <a:ext uri="{FF2B5EF4-FFF2-40B4-BE49-F238E27FC236}">
+                <a16:creationId xmlns:a16="http://schemas.microsoft.com/office/drawing/2014/main" id="{35152023-E412-CC3A-D33F-F7868E035D95}"/>
+              </a:ext>
+            </a:extLst>
+          </p:cNvPr>
+          <p:cNvSpPr txBox="1"/>
+          <p:nvPr/>
+        </p:nvSpPr>
+        <p:spPr>
+          <a:xfrm>
+            <a:off x="6311288" y="1680684"/>
+            <a:ext cx="514304" cy="261610"/>
+          </a:xfrm>
+          <a:prstGeom prst="rect">
+            <a:avLst/>
+          </a:prstGeom>
+          <a:solidFill>
+            <a:schemeClr val="bg1"/>
+          </a:solidFill>
+        </p:spPr>
+        <p:txBody>
+          <a:bodyPr wrap="square">
+            <a:spAutoFit/>
+          </a:bodyPr>
+          <a:lstStyle/>
+          <a:p>
+            <a:r>
+              <a:rPr lang="ko-KR" altLang="en-US" sz="1050" dirty="0"/>
+              <a:t>부산</a:t>
+            </a:r>
+          </a:p>
+        </p:txBody>
+      </p:sp>
+      <p:sp>
+        <p:nvSpPr>
+          <p:cNvPr id="18" name="TextBox 17">
+            <a:extLst>
+              <a:ext uri="{FF2B5EF4-FFF2-40B4-BE49-F238E27FC236}">
+                <a16:creationId xmlns:a16="http://schemas.microsoft.com/office/drawing/2014/main" id="{7868FB0A-D4E5-F377-FD27-F8A5A294A728}"/>
+              </a:ext>
+            </a:extLst>
+          </p:cNvPr>
+          <p:cNvSpPr txBox="1"/>
+          <p:nvPr/>
+        </p:nvSpPr>
+        <p:spPr>
+          <a:xfrm rot="16200000">
+            <a:off x="6242442" y="2706169"/>
+            <a:ext cx="514304" cy="261610"/>
+          </a:xfrm>
+          <a:prstGeom prst="rect">
+            <a:avLst/>
+          </a:prstGeom>
+          <a:solidFill>
+            <a:schemeClr val="bg1"/>
+          </a:solidFill>
+        </p:spPr>
+        <p:txBody>
+          <a:bodyPr wrap="square">
+            <a:spAutoFit/>
+          </a:bodyPr>
+          <a:lstStyle/>
+          <a:p>
+            <a:r>
+              <a:rPr lang="en-US" altLang="ko-KR" sz="1050" dirty="0"/>
+              <a:t>….</a:t>
+            </a:r>
+            <a:endParaRPr lang="ko-KR" altLang="en-US" sz="1050" dirty="0"/>
+          </a:p>
+        </p:txBody>
+      </p:sp>
+      <p:sp>
+        <p:nvSpPr>
+          <p:cNvPr id="19" name="TextBox 18">
+            <a:extLst>
+              <a:ext uri="{FF2B5EF4-FFF2-40B4-BE49-F238E27FC236}">
+                <a16:creationId xmlns:a16="http://schemas.microsoft.com/office/drawing/2014/main" id="{5736DE40-DFD0-0054-5EA4-57ED128E83DB}"/>
+              </a:ext>
+            </a:extLst>
+          </p:cNvPr>
+          <p:cNvSpPr txBox="1"/>
+          <p:nvPr/>
+        </p:nvSpPr>
+        <p:spPr>
+          <a:xfrm>
+            <a:off x="6242442" y="3096888"/>
+            <a:ext cx="514304" cy="261610"/>
+          </a:xfrm>
+          <a:prstGeom prst="rect">
+            <a:avLst/>
+          </a:prstGeom>
+          <a:solidFill>
+            <a:schemeClr val="bg1"/>
+          </a:solidFill>
+        </p:spPr>
+        <p:txBody>
+          <a:bodyPr wrap="square">
+            <a:spAutoFit/>
+          </a:bodyPr>
+          <a:lstStyle/>
+          <a:p>
+            <a:r>
+              <a:rPr lang="ko-KR" altLang="en-US" sz="1050" dirty="0"/>
+              <a:t>제주</a:t>
+            </a:r>
+          </a:p>
+        </p:txBody>
+      </p:sp>
+      <p:sp>
+        <p:nvSpPr>
+          <p:cNvPr id="20" name="TextBox 19">
+            <a:extLst>
+              <a:ext uri="{FF2B5EF4-FFF2-40B4-BE49-F238E27FC236}">
+                <a16:creationId xmlns:a16="http://schemas.microsoft.com/office/drawing/2014/main" id="{CE91F1BF-8B3B-70ED-40B6-D03E2DE5C939}"/>
+              </a:ext>
+            </a:extLst>
+          </p:cNvPr>
+          <p:cNvSpPr txBox="1"/>
+          <p:nvPr/>
+        </p:nvSpPr>
+        <p:spPr>
+          <a:xfrm>
+            <a:off x="6311288" y="2492278"/>
+            <a:ext cx="514304" cy="261610"/>
+          </a:xfrm>
+          <a:prstGeom prst="rect">
+            <a:avLst/>
+          </a:prstGeom>
+          <a:solidFill>
+            <a:schemeClr val="bg1"/>
+          </a:solidFill>
+        </p:spPr>
+        <p:txBody>
+          <a:bodyPr wrap="square">
+            <a:spAutoFit/>
+          </a:bodyPr>
+          <a:lstStyle/>
+          <a:p>
+            <a:r>
+              <a:rPr lang="ko-KR" altLang="en-US" sz="1050" dirty="0"/>
+              <a:t>경기</a:t>
+            </a:r>
+          </a:p>
+        </p:txBody>
+      </p:sp>
+      <p:sp>
+        <p:nvSpPr>
+          <p:cNvPr id="21" name="TextBox 20">
+            <a:extLst>
+              <a:ext uri="{FF2B5EF4-FFF2-40B4-BE49-F238E27FC236}">
+                <a16:creationId xmlns:a16="http://schemas.microsoft.com/office/drawing/2014/main" id="{CC1408AE-5DDE-77B5-A89F-229D3A954A31}"/>
+              </a:ext>
+            </a:extLst>
+          </p:cNvPr>
+          <p:cNvSpPr txBox="1"/>
+          <p:nvPr/>
+        </p:nvSpPr>
+        <p:spPr>
+          <a:xfrm rot="16200000">
+            <a:off x="6220127" y="2015916"/>
+            <a:ext cx="514304" cy="261610"/>
+          </a:xfrm>
+          <a:prstGeom prst="rect">
+            <a:avLst/>
+          </a:prstGeom>
+          <a:solidFill>
+            <a:schemeClr val="bg1"/>
+          </a:solidFill>
+        </p:spPr>
+        <p:txBody>
+          <a:bodyPr wrap="square">
+            <a:spAutoFit/>
+          </a:bodyPr>
+          <a:lstStyle/>
+          <a:p>
+            <a:r>
+              <a:rPr lang="en-US" altLang="ko-KR" sz="1050" dirty="0"/>
+              <a:t>….</a:t>
+            </a:r>
+            <a:endParaRPr lang="ko-KR" altLang="en-US" sz="1050" dirty="0"/>
+          </a:p>
+        </p:txBody>
+      </p:sp>
+    </p:spTree>
+    <p:extLst>
+      <p:ext uri="{BB962C8B-B14F-4D97-AF65-F5344CB8AC3E}">
+        <p14:creationId xmlns:p14="http://schemas.microsoft.com/office/powerpoint/2010/main" val="3478924385"/>
+      </p:ext>
+    </p:extLst>
+  </p:cSld>
+  <p:clrMapOvr>
+    <a:masterClrMapping/>
+  </p:clrMapOvr>
+</p:sld>
+</file>
+
+<file path=ppt/slides/slide5.xml><?xml version="1.0" encoding="utf-8"?>
+<p:sld xmlns:a="http://schemas.openxmlformats.org/drawingml/2006/main" xmlns:r="http://schemas.openxmlformats.org/officeDocument/2006/relationships" xmlns:p="http://schemas.openxmlformats.org/presentationml/2006/main">
+  <p:cSld>
+    <p:spTree>
+      <p:nvGrpSpPr>
+        <p:cNvPr id="1" name="">
+          <a:extLst>
+            <a:ext uri="{FF2B5EF4-FFF2-40B4-BE49-F238E27FC236}">
+              <a16:creationId xmlns:a16="http://schemas.microsoft.com/office/drawing/2014/main" id="{593444B4-4003-B5F1-78A3-89A94159050D}"/>
+            </a:ext>
+          </a:extLst>
+        </p:cNvPr>
+        <p:cNvGrpSpPr/>
+        <p:nvPr/>
+      </p:nvGrpSpPr>
+      <p:grpSpPr>
+        <a:xfrm>
+          <a:off x="0" y="0"/>
+          <a:ext cx="0" cy="0"/>
+          <a:chOff x="0" y="0"/>
+          <a:chExt cx="0" cy="0"/>
+        </a:xfrm>
+      </p:grpSpPr>
+      <p:sp>
+        <p:nvSpPr>
+          <p:cNvPr id="4" name="슬라이드 번호 개체 틀 3">
+            <a:extLst>
+              <a:ext uri="{FF2B5EF4-FFF2-40B4-BE49-F238E27FC236}">
+                <a16:creationId xmlns:a16="http://schemas.microsoft.com/office/drawing/2014/main" id="{44E52A14-8E57-1DA2-6D7B-63D519961867}"/>
+              </a:ext>
+            </a:extLst>
+          </p:cNvPr>
+          <p:cNvSpPr>
+            <a:spLocks noGrp="1"/>
+          </p:cNvSpPr>
+          <p:nvPr>
+            <p:ph type="sldNum" idx="12"/>
+          </p:nvPr>
+        </p:nvSpPr>
+        <p:spPr/>
+        <p:txBody>
+          <a:bodyPr/>
+          <a:lstStyle/>
+          <a:p>
+            <a:fld id="{00000000-1234-1234-1234-123412341234}" type="slidenum">
+              <a:rPr lang="en-US" altLang="ko-KR" smtClean="0"/>
+              <a:pPr/>
+              <a:t>4</a:t>
+            </a:fld>
+            <a:endParaRPr lang="ko-KR" altLang="en-US"/>
+          </a:p>
+        </p:txBody>
+      </p:sp>
+      <p:sp>
+        <p:nvSpPr>
+          <p:cNvPr id="11" name="TextBox 10">
+            <a:extLst>
+              <a:ext uri="{FF2B5EF4-FFF2-40B4-BE49-F238E27FC236}">
+                <a16:creationId xmlns:a16="http://schemas.microsoft.com/office/drawing/2014/main" id="{4CCE6951-16B9-44A2-EF5D-6AD5C12531C2}"/>
+              </a:ext>
+            </a:extLst>
+          </p:cNvPr>
+          <p:cNvSpPr txBox="1"/>
+          <p:nvPr/>
+        </p:nvSpPr>
+        <p:spPr>
+          <a:xfrm>
+            <a:off x="1819945" y="2953677"/>
+            <a:ext cx="7247855" cy="1077218"/>
+          </a:xfrm>
+          <a:prstGeom prst="rect">
+            <a:avLst/>
+          </a:prstGeom>
+          <a:noFill/>
+        </p:spPr>
+        <p:txBody>
+          <a:bodyPr wrap="square" rtlCol="0">
+            <a:spAutoFit/>
+          </a:bodyPr>
+          <a:lstStyle/>
+          <a:p>
+            <a:r>
+              <a:rPr lang="ko-KR" altLang="en-US" sz="4000" dirty="0"/>
+              <a:t>경기도 전력 발전 현황</a:t>
+            </a:r>
+            <a:endParaRPr lang="en-US" altLang="ko-KR" sz="4000" dirty="0"/>
+          </a:p>
+          <a:p>
+            <a:r>
+              <a:rPr lang="en-US" altLang="ko-KR" sz="2400" dirty="0"/>
+              <a:t>- </a:t>
+            </a:r>
+            <a:r>
+              <a:rPr lang="ko-KR" altLang="en-US" sz="2400" dirty="0"/>
+              <a:t>전국 </a:t>
+            </a:r>
+            <a:r>
+              <a:rPr lang="en-US" altLang="ko-KR" sz="2400" dirty="0"/>
+              <a:t>17</a:t>
+            </a:r>
+            <a:r>
+              <a:rPr lang="ko-KR" altLang="en-US" sz="2400" dirty="0"/>
+              <a:t>개 시도 중 경기도를 평가</a:t>
+            </a:r>
+            <a:endParaRPr lang="en-US" altLang="ko-KR" sz="2400" dirty="0"/>
+          </a:p>
+        </p:txBody>
+      </p:sp>
+    </p:spTree>
+    <p:extLst>
+      <p:ext uri="{BB962C8B-B14F-4D97-AF65-F5344CB8AC3E}">
+        <p14:creationId xmlns:p14="http://schemas.microsoft.com/office/powerpoint/2010/main" val="4051915398"/>
+      </p:ext>
+    </p:extLst>
+  </p:cSld>
+  <p:clrMapOvr>
+    <a:masterClrMapping/>
+  </p:clrMapOvr>
+</p:sld>
+</file>
+
+<file path=ppt/slides/slide6.xml><?xml version="1.0" encoding="utf-8"?>
+<p:sld xmlns:a="http://schemas.openxmlformats.org/drawingml/2006/main" xmlns:r="http://schemas.openxmlformats.org/officeDocument/2006/relationships" xmlns:p="http://schemas.openxmlformats.org/presentationml/2006/main">
+  <p:cSld>
+    <p:spTree>
+      <p:nvGrpSpPr>
+        <p:cNvPr id="1" name=""/>
+        <p:cNvGrpSpPr/>
+        <p:nvPr/>
+      </p:nvGrpSpPr>
+      <p:grpSpPr>
+        <a:xfrm>
+          <a:off x="0" y="0"/>
+          <a:ext cx="0" cy="0"/>
+          <a:chOff x="0" y="0"/>
+          <a:chExt cx="0" cy="0"/>
+        </a:xfrm>
+      </p:grpSpPr>
+      <p:sp>
+        <p:nvSpPr>
+          <p:cNvPr id="4" name="슬라이드 번호 개체 틀 3">
+            <a:extLst>
+              <a:ext uri="{FF2B5EF4-FFF2-40B4-BE49-F238E27FC236}">
+                <a16:creationId xmlns:a16="http://schemas.microsoft.com/office/drawing/2014/main" id="{2FC968F4-C2BF-23D6-6FB7-CEF615A73595}"/>
+              </a:ext>
+            </a:extLst>
+          </p:cNvPr>
+          <p:cNvSpPr>
+            <a:spLocks noGrp="1"/>
+          </p:cNvSpPr>
+          <p:nvPr>
+            <p:ph type="sldNum" idx="12"/>
+          </p:nvPr>
+        </p:nvSpPr>
+        <p:spPr/>
+        <p:txBody>
+          <a:bodyPr/>
+          <a:lstStyle/>
+          <a:p>
+            <a:fld id="{00000000-1234-1234-1234-123412341234}" type="slidenum">
+              <a:rPr lang="en-US" altLang="ko-KR" smtClean="0"/>
+              <a:pPr/>
+              <a:t>5</a:t>
+            </a:fld>
+            <a:endParaRPr lang="ko-KR" altLang="en-US"/>
+          </a:p>
+        </p:txBody>
+      </p:sp>
+      <p:pic>
+        <p:nvPicPr>
+          <p:cNvPr id="3" name="그림 2">
+            <a:extLst>
+              <a:ext uri="{FF2B5EF4-FFF2-40B4-BE49-F238E27FC236}">
+                <a16:creationId xmlns:a16="http://schemas.microsoft.com/office/drawing/2014/main" id="{4C1C561C-2A7F-8C5E-0D91-D64275CC88C7}"/>
+              </a:ext>
+            </a:extLst>
+          </p:cNvPr>
+          <p:cNvPicPr>
+            <a:picLocks noChangeAspect="1"/>
+          </p:cNvPicPr>
+          <p:nvPr/>
+        </p:nvPicPr>
+        <p:blipFill>
+          <a:blip r:embed="rId2"/>
+          <a:stretch>
+            <a:fillRect/>
+          </a:stretch>
+        </p:blipFill>
+        <p:spPr>
+          <a:xfrm>
+            <a:off x="2414392" y="1175555"/>
+            <a:ext cx="3841628" cy="2123293"/>
+          </a:xfrm>
+          <a:prstGeom prst="rect">
+            <a:avLst/>
+          </a:prstGeom>
+        </p:spPr>
+      </p:pic>
+      <p:sp>
+        <p:nvSpPr>
+          <p:cNvPr id="6" name="직사각형 5">
+            <a:extLst>
+              <a:ext uri="{FF2B5EF4-FFF2-40B4-BE49-F238E27FC236}">
+                <a16:creationId xmlns:a16="http://schemas.microsoft.com/office/drawing/2014/main" id="{D691CCF1-26AF-DE1C-0BFC-8FBFF861D61B}"/>
+              </a:ext>
+            </a:extLst>
+          </p:cNvPr>
+          <p:cNvSpPr/>
+          <p:nvPr/>
+        </p:nvSpPr>
+        <p:spPr>
+          <a:xfrm>
+            <a:off x="2414392" y="3364567"/>
+            <a:ext cx="4108537" cy="668396"/>
+          </a:xfrm>
+          <a:prstGeom prst="rect">
+            <a:avLst/>
+          </a:prstGeom>
+          <a:solidFill>
+            <a:schemeClr val="accent2"/>
+          </a:solidFill>
+        </p:spPr>
+        <p:style>
+          <a:lnRef idx="2">
+            <a:schemeClr val="accent1">
+              <a:shade val="50000"/>
+            </a:schemeClr>
+          </a:lnRef>
+          <a:fillRef idx="1">
+            <a:schemeClr val="accent1"/>
+          </a:fillRef>
+          <a:effectRef idx="0">
+            <a:schemeClr val="accent1"/>
+          </a:effectRef>
+          <a:fontRef idx="minor">
+            <a:schemeClr val="lt1"/>
+          </a:fontRef>
+        </p:style>
+        <p:txBody>
+          <a:bodyPr rtlCol="0" anchor="ctr"/>
+          <a:lstStyle/>
+          <a:p>
+            <a:pPr algn="ctr"/>
+            <a:r>
+              <a:rPr lang="en-US" altLang="ko-KR" sz="1200" dirty="0"/>
+              <a:t>[</a:t>
+            </a:r>
+            <a:r>
+              <a:rPr lang="ko-KR" altLang="en-US" sz="1200" dirty="0"/>
+              <a:t>차트</a:t>
+            </a:r>
+            <a:r>
+              <a:rPr lang="en-US" altLang="ko-KR" sz="1200" dirty="0"/>
+              <a:t>] https://echarts.apache.org/examples/en/editor.html?c=treemap-sunburst-transition</a:t>
+            </a:r>
+            <a:endParaRPr lang="ko-KR" altLang="en-US" sz="1200" dirty="0"/>
+          </a:p>
+        </p:txBody>
+      </p:sp>
+      <p:sp>
+        <p:nvSpPr>
+          <p:cNvPr id="7" name="직사각형 6">
+            <a:extLst>
+              <a:ext uri="{FF2B5EF4-FFF2-40B4-BE49-F238E27FC236}">
+                <a16:creationId xmlns:a16="http://schemas.microsoft.com/office/drawing/2014/main" id="{CBD42B16-2BF5-1CA0-E576-F2B1D7D7AF64}"/>
+              </a:ext>
+            </a:extLst>
+          </p:cNvPr>
+          <p:cNvSpPr/>
+          <p:nvPr/>
+        </p:nvSpPr>
+        <p:spPr>
+          <a:xfrm>
+            <a:off x="2410086" y="4099531"/>
+            <a:ext cx="4112843" cy="668396"/>
+          </a:xfrm>
+          <a:prstGeom prst="rect">
+            <a:avLst/>
+          </a:prstGeom>
+          <a:solidFill>
+            <a:srgbClr val="7030A0"/>
+          </a:solidFill>
+        </p:spPr>
+        <p:style>
+          <a:lnRef idx="2">
+            <a:schemeClr val="accent1">
+              <a:shade val="50000"/>
+            </a:schemeClr>
+          </a:lnRef>
+          <a:fillRef idx="1">
+            <a:schemeClr val="accent1"/>
+          </a:fillRef>
+          <a:effectRef idx="0">
+            <a:schemeClr val="accent1"/>
+          </a:effectRef>
+          <a:fontRef idx="minor">
+            <a:schemeClr val="lt1"/>
+          </a:fontRef>
+        </p:style>
+        <p:txBody>
+          <a:bodyPr rtlCol="0" anchor="ctr"/>
+          <a:lstStyle/>
+          <a:p>
+            <a:pPr algn="ctr"/>
+            <a:r>
+              <a:rPr lang="en-US" altLang="ko-KR" sz="1200" dirty="0"/>
+              <a:t>[</a:t>
+            </a:r>
+            <a:r>
+              <a:rPr lang="ko-KR" altLang="en-US" sz="1200" dirty="0"/>
+              <a:t>자료</a:t>
+            </a:r>
+            <a:r>
+              <a:rPr lang="en-US" altLang="ko-KR" sz="1200" dirty="0"/>
+              <a:t>] </a:t>
+            </a:r>
+            <a:r>
+              <a:rPr lang="ko-KR" altLang="en-US" sz="1200" dirty="0"/>
+              <a:t>한국전력통계 </a:t>
+            </a:r>
+            <a:endParaRPr lang="en-US" altLang="ko-KR" sz="1200" dirty="0"/>
+          </a:p>
+          <a:p>
+            <a:pPr algn="ctr"/>
+            <a:r>
+              <a:rPr lang="en-US" altLang="ko-KR" sz="1200" dirty="0"/>
+              <a:t>8-2. </a:t>
+            </a:r>
+            <a:r>
+              <a:rPr lang="ko-KR" altLang="en-US" sz="1200" dirty="0"/>
+              <a:t>행정구역별 발전설비 및 발전량 </a:t>
+            </a:r>
+            <a:r>
+              <a:rPr lang="en-US" altLang="ko-KR" sz="1200" dirty="0"/>
+              <a:t>(</a:t>
+            </a:r>
+            <a:r>
+              <a:rPr lang="ko-KR" altLang="en-US" sz="1200" dirty="0"/>
+              <a:t>각 원별 칼럼</a:t>
+            </a:r>
+            <a:r>
+              <a:rPr lang="en-US" altLang="ko-KR" sz="1200" dirty="0"/>
+              <a:t>)</a:t>
+            </a:r>
+            <a:endParaRPr lang="ko-KR" altLang="en-US" sz="1200" dirty="0"/>
+          </a:p>
+        </p:txBody>
+      </p:sp>
+      <p:sp>
+        <p:nvSpPr>
+          <p:cNvPr id="9" name="직사각형 8">
+            <a:extLst>
+              <a:ext uri="{FF2B5EF4-FFF2-40B4-BE49-F238E27FC236}">
+                <a16:creationId xmlns:a16="http://schemas.microsoft.com/office/drawing/2014/main" id="{95A0400D-454C-0760-AE36-4FD3ACBD115E}"/>
+              </a:ext>
+            </a:extLst>
+          </p:cNvPr>
+          <p:cNvSpPr/>
+          <p:nvPr/>
+        </p:nvSpPr>
+        <p:spPr>
+          <a:xfrm>
+            <a:off x="2539420" y="891416"/>
+            <a:ext cx="540180" cy="250855"/>
+          </a:xfrm>
+          <a:prstGeom prst="rect">
+            <a:avLst/>
+          </a:prstGeom>
+          <a:solidFill>
+            <a:schemeClr val="bg2"/>
+          </a:solidFill>
+          <a:ln>
+            <a:solidFill>
+              <a:srgbClr val="0070C0"/>
+            </a:solidFill>
+          </a:ln>
+        </p:spPr>
+        <p:style>
+          <a:lnRef idx="2">
+            <a:schemeClr val="accent1">
+              <a:shade val="15000"/>
+            </a:schemeClr>
+          </a:lnRef>
+          <a:fillRef idx="1">
+            <a:schemeClr val="accent1"/>
+          </a:fillRef>
+          <a:effectRef idx="0">
+            <a:schemeClr val="accent1"/>
+          </a:effectRef>
+          <a:fontRef idx="minor">
+            <a:schemeClr val="lt1"/>
+          </a:fontRef>
+        </p:style>
+        <p:txBody>
+          <a:bodyPr rtlCol="0" anchor="ctr"/>
+          <a:lstStyle/>
+          <a:p>
+            <a:pPr algn="ctr"/>
+            <a:r>
+              <a:rPr lang="ko-KR" altLang="en-US" sz="1200" dirty="0"/>
+              <a:t>연도</a:t>
+            </a:r>
+            <a:endParaRPr lang="en-US" altLang="ko-KR" sz="1200" dirty="0"/>
+          </a:p>
+        </p:txBody>
+      </p:sp>
+      <p:sp>
+        <p:nvSpPr>
+          <p:cNvPr id="11" name="TextBox 10">
+            <a:extLst>
+              <a:ext uri="{FF2B5EF4-FFF2-40B4-BE49-F238E27FC236}">
+                <a16:creationId xmlns:a16="http://schemas.microsoft.com/office/drawing/2014/main" id="{7A100212-70A9-A055-ED8C-6FD3AE31CF7C}"/>
+              </a:ext>
+            </a:extLst>
+          </p:cNvPr>
+          <p:cNvSpPr txBox="1"/>
+          <p:nvPr/>
+        </p:nvSpPr>
+        <p:spPr>
+          <a:xfrm>
+            <a:off x="2659932" y="1344799"/>
+            <a:ext cx="960838" cy="338554"/>
+          </a:xfrm>
+          <a:prstGeom prst="rect">
+            <a:avLst/>
+          </a:prstGeom>
+          <a:noFill/>
+        </p:spPr>
+        <p:txBody>
+          <a:bodyPr wrap="square">
+            <a:spAutoFit/>
+          </a:bodyPr>
+          <a:lstStyle/>
+          <a:p>
+            <a:r>
+              <a:rPr lang="ko-KR" altLang="en-US" sz="1600" b="1" dirty="0">
+                <a:solidFill>
+                  <a:schemeClr val="bg1"/>
+                </a:solidFill>
+              </a:rPr>
+              <a:t>원자력</a:t>
+            </a:r>
+            <a:endParaRPr lang="ko-KR" altLang="en-US" sz="4400" b="1" dirty="0">
+              <a:solidFill>
+                <a:schemeClr val="bg1"/>
+              </a:solidFill>
+            </a:endParaRPr>
+          </a:p>
+        </p:txBody>
+      </p:sp>
+      <p:sp>
+        <p:nvSpPr>
+          <p:cNvPr id="12" name="TextBox 11">
+            <a:extLst>
+              <a:ext uri="{FF2B5EF4-FFF2-40B4-BE49-F238E27FC236}">
+                <a16:creationId xmlns:a16="http://schemas.microsoft.com/office/drawing/2014/main" id="{6B480659-4D71-AEDB-CB93-85316B736C18}"/>
+              </a:ext>
+            </a:extLst>
+          </p:cNvPr>
+          <p:cNvSpPr txBox="1"/>
+          <p:nvPr/>
+        </p:nvSpPr>
+        <p:spPr>
+          <a:xfrm>
+            <a:off x="4065822" y="1452411"/>
+            <a:ext cx="666198" cy="338554"/>
+          </a:xfrm>
+          <a:prstGeom prst="rect">
+            <a:avLst/>
+          </a:prstGeom>
+          <a:noFill/>
+        </p:spPr>
+        <p:txBody>
+          <a:bodyPr wrap="square">
+            <a:spAutoFit/>
+          </a:bodyPr>
+          <a:lstStyle/>
+          <a:p>
+            <a:r>
+              <a:rPr lang="ko-KR" altLang="en-US" sz="1600" b="1" dirty="0">
+                <a:solidFill>
+                  <a:schemeClr val="bg1"/>
+                </a:solidFill>
+              </a:rPr>
+              <a:t>석탄</a:t>
+            </a:r>
+            <a:endParaRPr lang="ko-KR" altLang="en-US" sz="4400" b="1" dirty="0">
+              <a:solidFill>
+                <a:schemeClr val="bg1"/>
+              </a:solidFill>
+            </a:endParaRPr>
+          </a:p>
+        </p:txBody>
+      </p:sp>
+      <p:sp>
+        <p:nvSpPr>
+          <p:cNvPr id="13" name="TextBox 12">
+            <a:extLst>
+              <a:ext uri="{FF2B5EF4-FFF2-40B4-BE49-F238E27FC236}">
+                <a16:creationId xmlns:a16="http://schemas.microsoft.com/office/drawing/2014/main" id="{CD167ABE-CBE2-1398-2F8E-366D486CEC6E}"/>
+              </a:ext>
+            </a:extLst>
+          </p:cNvPr>
+          <p:cNvSpPr txBox="1"/>
+          <p:nvPr/>
+        </p:nvSpPr>
+        <p:spPr>
+          <a:xfrm>
+            <a:off x="4937689" y="1420962"/>
+            <a:ext cx="666198" cy="338554"/>
+          </a:xfrm>
+          <a:prstGeom prst="rect">
+            <a:avLst/>
+          </a:prstGeom>
+          <a:noFill/>
+        </p:spPr>
+        <p:txBody>
+          <a:bodyPr wrap="square">
+            <a:spAutoFit/>
+          </a:bodyPr>
+          <a:lstStyle/>
+          <a:p>
+            <a:r>
+              <a:rPr lang="en-US" altLang="ko-KR" sz="1600" b="1" dirty="0">
+                <a:solidFill>
+                  <a:schemeClr val="bg1"/>
+                </a:solidFill>
+              </a:rPr>
+              <a:t>LNG</a:t>
+            </a:r>
+            <a:endParaRPr lang="ko-KR" altLang="en-US" sz="4400" b="1" dirty="0">
+              <a:solidFill>
+                <a:schemeClr val="bg1"/>
+              </a:solidFill>
+            </a:endParaRPr>
+          </a:p>
+        </p:txBody>
+      </p:sp>
+      <p:sp>
+        <p:nvSpPr>
+          <p:cNvPr id="16" name="TextBox 15">
+            <a:extLst>
+              <a:ext uri="{FF2B5EF4-FFF2-40B4-BE49-F238E27FC236}">
+                <a16:creationId xmlns:a16="http://schemas.microsoft.com/office/drawing/2014/main" id="{FC8E6256-103D-BA67-CE48-CA1B8DF2F574}"/>
+              </a:ext>
+            </a:extLst>
+          </p:cNvPr>
+          <p:cNvSpPr txBox="1"/>
+          <p:nvPr/>
+        </p:nvSpPr>
+        <p:spPr>
+          <a:xfrm>
+            <a:off x="5603887" y="1420962"/>
+            <a:ext cx="857802" cy="338554"/>
+          </a:xfrm>
+          <a:prstGeom prst="rect">
+            <a:avLst/>
+          </a:prstGeom>
+          <a:noFill/>
+        </p:spPr>
+        <p:txBody>
+          <a:bodyPr wrap="square">
+            <a:spAutoFit/>
+          </a:bodyPr>
+          <a:lstStyle/>
+          <a:p>
+            <a:r>
+              <a:rPr lang="ko-KR" altLang="en-US" sz="1600" b="1">
+                <a:solidFill>
+                  <a:schemeClr val="bg1"/>
+                </a:solidFill>
+              </a:rPr>
+              <a:t>신재생</a:t>
+            </a:r>
+            <a:endParaRPr lang="ko-KR" altLang="en-US" sz="4400" b="1" dirty="0">
+              <a:solidFill>
+                <a:schemeClr val="bg1"/>
+              </a:solidFill>
+            </a:endParaRPr>
+          </a:p>
+        </p:txBody>
+      </p:sp>
+      <p:sp>
+        <p:nvSpPr>
+          <p:cNvPr id="17" name="TextBox 16">
+            <a:extLst>
+              <a:ext uri="{FF2B5EF4-FFF2-40B4-BE49-F238E27FC236}">
+                <a16:creationId xmlns:a16="http://schemas.microsoft.com/office/drawing/2014/main" id="{D46842E3-2BA5-08D8-972A-0434640FA78F}"/>
+              </a:ext>
+            </a:extLst>
+          </p:cNvPr>
+          <p:cNvSpPr txBox="1"/>
+          <p:nvPr/>
+        </p:nvSpPr>
+        <p:spPr>
+          <a:xfrm>
+            <a:off x="2659932" y="2201888"/>
+            <a:ext cx="1111250" cy="338554"/>
+          </a:xfrm>
+          <a:prstGeom prst="rect">
+            <a:avLst/>
+          </a:prstGeom>
+          <a:noFill/>
+        </p:spPr>
+        <p:txBody>
+          <a:bodyPr wrap="square">
+            <a:spAutoFit/>
+          </a:bodyPr>
+          <a:lstStyle/>
+          <a:p>
+            <a:r>
+              <a:rPr lang="ko-KR" altLang="en-US" sz="1600" b="1" dirty="0">
+                <a:solidFill>
+                  <a:schemeClr val="bg1"/>
+                </a:solidFill>
+              </a:rPr>
+              <a:t>유류</a:t>
+            </a:r>
+            <a:endParaRPr lang="ko-KR" altLang="en-US" sz="4400" b="1" dirty="0">
+              <a:solidFill>
+                <a:schemeClr val="bg1"/>
+              </a:solidFill>
+            </a:endParaRPr>
+          </a:p>
+        </p:txBody>
+      </p:sp>
+      <p:sp>
+        <p:nvSpPr>
+          <p:cNvPr id="18" name="TextBox 17">
+            <a:extLst>
+              <a:ext uri="{FF2B5EF4-FFF2-40B4-BE49-F238E27FC236}">
+                <a16:creationId xmlns:a16="http://schemas.microsoft.com/office/drawing/2014/main" id="{ED62F464-92E8-207F-B5C9-87DA0EB7FE7B}"/>
+              </a:ext>
+            </a:extLst>
+          </p:cNvPr>
+          <p:cNvSpPr txBox="1"/>
+          <p:nvPr/>
+        </p:nvSpPr>
+        <p:spPr>
+          <a:xfrm>
+            <a:off x="3902351" y="2017289"/>
+            <a:ext cx="1111250" cy="338554"/>
+          </a:xfrm>
+          <a:prstGeom prst="rect">
+            <a:avLst/>
+          </a:prstGeom>
+          <a:noFill/>
+        </p:spPr>
+        <p:txBody>
+          <a:bodyPr wrap="square">
+            <a:spAutoFit/>
+          </a:bodyPr>
+          <a:lstStyle/>
+          <a:p>
+            <a:r>
+              <a:rPr lang="ko-KR" altLang="en-US" sz="1600" b="1" dirty="0">
+                <a:solidFill>
+                  <a:schemeClr val="bg1"/>
+                </a:solidFill>
+              </a:rPr>
+              <a:t>양수</a:t>
+            </a:r>
+            <a:endParaRPr lang="ko-KR" altLang="en-US" sz="4400" b="1" dirty="0">
+              <a:solidFill>
+                <a:schemeClr val="bg1"/>
+              </a:solidFill>
+            </a:endParaRPr>
+          </a:p>
+        </p:txBody>
+      </p:sp>
+      <p:sp>
+        <p:nvSpPr>
+          <p:cNvPr id="19" name="직사각형 18">
+            <a:extLst>
+              <a:ext uri="{FF2B5EF4-FFF2-40B4-BE49-F238E27FC236}">
+                <a16:creationId xmlns:a16="http://schemas.microsoft.com/office/drawing/2014/main" id="{F68B3CC4-4617-E643-53F5-90DE2B10B4FA}"/>
+              </a:ext>
+            </a:extLst>
+          </p:cNvPr>
+          <p:cNvSpPr/>
+          <p:nvPr/>
+        </p:nvSpPr>
+        <p:spPr>
+          <a:xfrm>
+            <a:off x="1812615" y="671630"/>
+            <a:ext cx="540180" cy="636757"/>
+          </a:xfrm>
+          <a:prstGeom prst="rect">
+            <a:avLst/>
+          </a:prstGeom>
+          <a:solidFill>
+            <a:schemeClr val="bg1">
+              <a:lumMod val="75000"/>
+              <a:alpha val="50196"/>
+            </a:schemeClr>
+          </a:solidFill>
+          <a:ln>
+            <a:solidFill>
+              <a:srgbClr val="0070C0"/>
+            </a:solidFill>
+          </a:ln>
+        </p:spPr>
+        <p:style>
+          <a:lnRef idx="2">
+            <a:schemeClr val="accent1">
+              <a:shade val="15000"/>
+            </a:schemeClr>
+          </a:lnRef>
+          <a:fillRef idx="1">
+            <a:schemeClr val="accent1"/>
+          </a:fillRef>
+          <a:effectRef idx="0">
+            <a:schemeClr val="accent1"/>
+          </a:effectRef>
+          <a:fontRef idx="minor">
+            <a:schemeClr val="lt1"/>
+          </a:fontRef>
+        </p:style>
+        <p:txBody>
+          <a:bodyPr rtlCol="0" anchor="ctr"/>
+          <a:lstStyle/>
+          <a:p>
+            <a:pPr algn="ctr"/>
+            <a:r>
+              <a:rPr lang="en-US" altLang="ko-KR" sz="1200" dirty="0"/>
+              <a:t>2023</a:t>
+            </a:r>
+          </a:p>
+          <a:p>
+            <a:pPr algn="ctr"/>
+            <a:r>
+              <a:rPr lang="en-US" altLang="ko-KR" sz="1200" dirty="0"/>
+              <a:t>~</a:t>
+            </a:r>
+          </a:p>
+          <a:p>
+            <a:pPr algn="ctr"/>
+            <a:r>
+              <a:rPr lang="en-US" altLang="ko-KR" sz="1200" dirty="0"/>
+              <a:t>2017</a:t>
+            </a:r>
+          </a:p>
+        </p:txBody>
+      </p:sp>
+      <p:sp>
+        <p:nvSpPr>
+          <p:cNvPr id="20" name="TextBox 19">
+            <a:extLst>
+              <a:ext uri="{FF2B5EF4-FFF2-40B4-BE49-F238E27FC236}">
+                <a16:creationId xmlns:a16="http://schemas.microsoft.com/office/drawing/2014/main" id="{6182A3D9-37D3-99A6-EE30-14E3FDD9B02D}"/>
+              </a:ext>
+            </a:extLst>
+          </p:cNvPr>
+          <p:cNvSpPr txBox="1"/>
+          <p:nvPr/>
+        </p:nvSpPr>
+        <p:spPr>
+          <a:xfrm>
+            <a:off x="4921538" y="2017289"/>
+            <a:ext cx="1111250" cy="338554"/>
+          </a:xfrm>
+          <a:prstGeom prst="rect">
+            <a:avLst/>
+          </a:prstGeom>
+          <a:noFill/>
+        </p:spPr>
+        <p:txBody>
+          <a:bodyPr wrap="square">
+            <a:spAutoFit/>
+          </a:bodyPr>
+          <a:lstStyle/>
+          <a:p>
+            <a:r>
+              <a:rPr lang="ko-KR" altLang="en-US" sz="1600" b="1" dirty="0">
+                <a:solidFill>
+                  <a:schemeClr val="bg1"/>
+                </a:solidFill>
+              </a:rPr>
+              <a:t>기타</a:t>
+            </a:r>
+            <a:endParaRPr lang="ko-KR" altLang="en-US" sz="4400" b="1" dirty="0">
+              <a:solidFill>
+                <a:schemeClr val="bg1"/>
+              </a:solidFill>
+            </a:endParaRPr>
+          </a:p>
+        </p:txBody>
+      </p:sp>
+      <p:sp>
+        <p:nvSpPr>
+          <p:cNvPr id="21" name="TextBox 20">
+            <a:extLst>
+              <a:ext uri="{FF2B5EF4-FFF2-40B4-BE49-F238E27FC236}">
+                <a16:creationId xmlns:a16="http://schemas.microsoft.com/office/drawing/2014/main" id="{DFFFFFC1-44A7-8AF2-6B2F-B9F76B3F05D7}"/>
+              </a:ext>
+            </a:extLst>
+          </p:cNvPr>
+          <p:cNvSpPr txBox="1"/>
+          <p:nvPr/>
+        </p:nvSpPr>
+        <p:spPr>
+          <a:xfrm>
+            <a:off x="234569" y="296966"/>
+            <a:ext cx="2864231" cy="200055"/>
+          </a:xfrm>
+          <a:prstGeom prst="rect">
+            <a:avLst/>
+          </a:prstGeom>
+          <a:noFill/>
+        </p:spPr>
+        <p:txBody>
+          <a:bodyPr wrap="square">
+            <a:spAutoFit/>
+          </a:bodyPr>
+          <a:lstStyle/>
+          <a:p>
+            <a:r>
+              <a:rPr lang="ko-KR" altLang="en-US" sz="700" b="1" dirty="0"/>
+              <a:t>경기도의 에너지원별 전력발전 현황을 보여줍니다</a:t>
+            </a:r>
+            <a:r>
+              <a:rPr lang="en-US" altLang="ko-KR" sz="700" b="1" dirty="0"/>
+              <a:t>.</a:t>
+            </a:r>
+          </a:p>
+        </p:txBody>
+      </p:sp>
+      <p:sp>
+        <p:nvSpPr>
+          <p:cNvPr id="22" name="TextBox 21">
+            <a:extLst>
+              <a:ext uri="{FF2B5EF4-FFF2-40B4-BE49-F238E27FC236}">
+                <a16:creationId xmlns:a16="http://schemas.microsoft.com/office/drawing/2014/main" id="{7CF9CEBD-B34B-59A0-F342-06EA135DE7F0}"/>
+              </a:ext>
+            </a:extLst>
+          </p:cNvPr>
+          <p:cNvSpPr txBox="1"/>
+          <p:nvPr/>
+        </p:nvSpPr>
+        <p:spPr>
+          <a:xfrm>
+            <a:off x="234569" y="65971"/>
+            <a:ext cx="2586207" cy="307777"/>
+          </a:xfrm>
+          <a:prstGeom prst="rect">
+            <a:avLst/>
+          </a:prstGeom>
+          <a:noFill/>
+        </p:spPr>
+        <p:txBody>
+          <a:bodyPr wrap="square">
+            <a:spAutoFit/>
+          </a:bodyPr>
+          <a:lstStyle/>
+          <a:p>
+            <a:r>
+              <a:rPr lang="ko-KR" altLang="en-US" sz="1400" dirty="0"/>
+              <a:t>경기도 발전 현황</a:t>
+            </a:r>
+          </a:p>
+        </p:txBody>
+      </p:sp>
+      <p:pic>
+        <p:nvPicPr>
+          <p:cNvPr id="24" name="그림 23">
+            <a:extLst>
+              <a:ext uri="{FF2B5EF4-FFF2-40B4-BE49-F238E27FC236}">
+                <a16:creationId xmlns:a16="http://schemas.microsoft.com/office/drawing/2014/main" id="{E9E7A7A3-AC12-B991-42CE-10FDE05AD658}"/>
+              </a:ext>
+            </a:extLst>
+          </p:cNvPr>
+          <p:cNvPicPr>
+            <a:picLocks noChangeAspect="1"/>
+          </p:cNvPicPr>
+          <p:nvPr/>
+        </p:nvPicPr>
+        <p:blipFill>
+          <a:blip r:embed="rId3"/>
+          <a:stretch>
+            <a:fillRect/>
+          </a:stretch>
+        </p:blipFill>
+        <p:spPr>
+          <a:xfrm>
+            <a:off x="0" y="-4107632"/>
+            <a:ext cx="9906000" cy="3726064"/>
+          </a:xfrm>
+          <a:prstGeom prst="rect">
+            <a:avLst/>
+          </a:prstGeom>
+        </p:spPr>
+      </p:pic>
+      <p:sp>
+        <p:nvSpPr>
+          <p:cNvPr id="25" name="TextBox 24">
+            <a:extLst>
+              <a:ext uri="{FF2B5EF4-FFF2-40B4-BE49-F238E27FC236}">
+                <a16:creationId xmlns:a16="http://schemas.microsoft.com/office/drawing/2014/main" id="{834EB789-1589-3F3C-A736-EAE6953C2BF7}"/>
+              </a:ext>
+            </a:extLst>
+          </p:cNvPr>
+          <p:cNvSpPr txBox="1"/>
+          <p:nvPr/>
+        </p:nvSpPr>
+        <p:spPr>
+          <a:xfrm>
+            <a:off x="8422103" y="-1224229"/>
+            <a:ext cx="960838" cy="338554"/>
+          </a:xfrm>
+          <a:prstGeom prst="rect">
+            <a:avLst/>
+          </a:prstGeom>
+          <a:noFill/>
+        </p:spPr>
+        <p:txBody>
+          <a:bodyPr wrap="square">
+            <a:spAutoFit/>
+          </a:bodyPr>
+          <a:lstStyle/>
+          <a:p>
+            <a:r>
+              <a:rPr lang="ko-KR" altLang="en-US" sz="1600" b="1" dirty="0">
+                <a:solidFill>
+                  <a:schemeClr val="bg1"/>
+                </a:solidFill>
+              </a:rPr>
+              <a:t>원자력</a:t>
+            </a:r>
+            <a:endParaRPr lang="ko-KR" altLang="en-US" sz="4400" b="1" dirty="0">
+              <a:solidFill>
+                <a:schemeClr val="bg1"/>
+              </a:solidFill>
+            </a:endParaRPr>
+          </a:p>
+        </p:txBody>
+      </p:sp>
+      <p:sp>
+        <p:nvSpPr>
+          <p:cNvPr id="26" name="TextBox 25">
+            <a:extLst>
+              <a:ext uri="{FF2B5EF4-FFF2-40B4-BE49-F238E27FC236}">
+                <a16:creationId xmlns:a16="http://schemas.microsoft.com/office/drawing/2014/main" id="{0775EE41-A6AA-A78F-36B7-C8CD9546A355}"/>
+              </a:ext>
+            </a:extLst>
+          </p:cNvPr>
+          <p:cNvSpPr txBox="1"/>
+          <p:nvPr/>
+        </p:nvSpPr>
+        <p:spPr>
+          <a:xfrm>
+            <a:off x="8569423" y="-2248358"/>
+            <a:ext cx="666198" cy="338554"/>
+          </a:xfrm>
+          <a:prstGeom prst="rect">
+            <a:avLst/>
+          </a:prstGeom>
+          <a:noFill/>
+        </p:spPr>
+        <p:txBody>
+          <a:bodyPr wrap="square">
+            <a:spAutoFit/>
+          </a:bodyPr>
+          <a:lstStyle/>
+          <a:p>
+            <a:r>
+              <a:rPr lang="ko-KR" altLang="en-US" sz="1600" b="1" dirty="0">
+                <a:solidFill>
+                  <a:schemeClr val="bg1"/>
+                </a:solidFill>
+              </a:rPr>
+              <a:t>석탄</a:t>
+            </a:r>
+            <a:endParaRPr lang="ko-KR" altLang="en-US" sz="4400" b="1" dirty="0">
+              <a:solidFill>
+                <a:schemeClr val="bg1"/>
+              </a:solidFill>
+            </a:endParaRPr>
+          </a:p>
+        </p:txBody>
+      </p:sp>
+    </p:spTree>
+    <p:extLst>
+      <p:ext uri="{BB962C8B-B14F-4D97-AF65-F5344CB8AC3E}">
+        <p14:creationId xmlns:p14="http://schemas.microsoft.com/office/powerpoint/2010/main" val="2476328984"/>
+      </p:ext>
+    </p:extLst>
+  </p:cSld>
+  <p:clrMapOvr>
+    <a:masterClrMapping/>
+  </p:clrMapOvr>
+</p:sld>
+</file>
+
+<file path=ppt/slides/slide7.xml><?xml version="1.0" encoding="utf-8"?>
+<p:sld xmlns:a="http://schemas.openxmlformats.org/drawingml/2006/main" xmlns:r="http://schemas.openxmlformats.org/officeDocument/2006/relationships" xmlns:p="http://schemas.openxmlformats.org/presentationml/2006/main">
+  <p:cSld>
+    <p:spTree>
+      <p:nvGrpSpPr>
+        <p:cNvPr id="1" name=""/>
+        <p:cNvGrpSpPr/>
+        <p:nvPr/>
+      </p:nvGrpSpPr>
+      <p:grpSpPr>
+        <a:xfrm>
+          <a:off x="0" y="0"/>
+          <a:ext cx="0" cy="0"/>
+          <a:chOff x="0" y="0"/>
+          <a:chExt cx="0" cy="0"/>
+        </a:xfrm>
+      </p:grpSpPr>
+      <p:sp>
+        <p:nvSpPr>
+          <p:cNvPr id="4" name="슬라이드 번호 개체 틀 3">
+            <a:extLst>
+              <a:ext uri="{FF2B5EF4-FFF2-40B4-BE49-F238E27FC236}">
+                <a16:creationId xmlns:a16="http://schemas.microsoft.com/office/drawing/2014/main" id="{CC411BA2-7E88-AEDD-CCAF-3DCD7053C3EB}"/>
+              </a:ext>
+            </a:extLst>
+          </p:cNvPr>
+          <p:cNvSpPr>
+            <a:spLocks noGrp="1"/>
+          </p:cNvSpPr>
+          <p:nvPr>
+            <p:ph type="sldNum" idx="12"/>
+          </p:nvPr>
+        </p:nvSpPr>
+        <p:spPr/>
+        <p:txBody>
+          <a:bodyPr/>
+          <a:lstStyle/>
+          <a:p>
+            <a:fld id="{00000000-1234-1234-1234-123412341234}" type="slidenum">
+              <a:rPr lang="en-US" altLang="ko-KR" smtClean="0"/>
+              <a:pPr/>
+              <a:t>6</a:t>
+            </a:fld>
+            <a:endParaRPr lang="ko-KR" altLang="en-US"/>
+          </a:p>
+        </p:txBody>
+      </p:sp>
+      <p:sp>
+        <p:nvSpPr>
+          <p:cNvPr id="5" name="TextBox 4">
+            <a:extLst>
+              <a:ext uri="{FF2B5EF4-FFF2-40B4-BE49-F238E27FC236}">
+                <a16:creationId xmlns:a16="http://schemas.microsoft.com/office/drawing/2014/main" id="{B1F839E8-ED4A-9043-2529-681E6DE42F95}"/>
+              </a:ext>
+            </a:extLst>
+          </p:cNvPr>
+          <p:cNvSpPr txBox="1"/>
+          <p:nvPr/>
+        </p:nvSpPr>
+        <p:spPr>
+          <a:xfrm>
+            <a:off x="1819945" y="2953677"/>
+            <a:ext cx="7247855" cy="1077218"/>
+          </a:xfrm>
+          <a:prstGeom prst="rect">
+            <a:avLst/>
+          </a:prstGeom>
+          <a:noFill/>
+        </p:spPr>
+        <p:txBody>
+          <a:bodyPr wrap="square" rtlCol="0">
+            <a:spAutoFit/>
+          </a:bodyPr>
+          <a:lstStyle/>
+          <a:p>
+            <a:r>
+              <a:rPr lang="ko-KR" altLang="en-US" sz="4000" dirty="0"/>
+              <a:t>경기도 시군 전력 발전현황</a:t>
+            </a:r>
+            <a:endParaRPr lang="en-US" altLang="ko-KR" sz="4000" dirty="0"/>
+          </a:p>
+          <a:p>
+            <a:r>
+              <a:rPr lang="en-US" altLang="ko-KR" sz="2400" dirty="0"/>
+              <a:t>- </a:t>
+            </a:r>
+            <a:r>
+              <a:rPr lang="ko-KR" altLang="en-US" sz="2400" dirty="0"/>
+              <a:t>경기도 </a:t>
+            </a:r>
+            <a:r>
+              <a:rPr lang="en-US" altLang="ko-KR" sz="2400" dirty="0"/>
+              <a:t>31</a:t>
+            </a:r>
+            <a:r>
+              <a:rPr lang="ko-KR" altLang="en-US" sz="2400" dirty="0"/>
+              <a:t>개 시군 전체를 평가</a:t>
+            </a:r>
+            <a:endParaRPr lang="en-US" altLang="ko-KR" sz="2400" dirty="0"/>
+          </a:p>
+        </p:txBody>
+      </p:sp>
+    </p:spTree>
+    <p:extLst>
+      <p:ext uri="{BB962C8B-B14F-4D97-AF65-F5344CB8AC3E}">
+        <p14:creationId xmlns:p14="http://schemas.microsoft.com/office/powerpoint/2010/main" val="1584430685"/>
+      </p:ext>
+    </p:extLst>
+  </p:cSld>
+  <p:clrMapOvr>
+    <a:masterClrMapping/>
+  </p:clrMapOvr>
+</p:sld>
+</file>
+
+<file path=ppt/slides/slide8.xml><?xml version="1.0" encoding="utf-8"?>
 <p:sld xmlns:a="http://schemas.openxmlformats.org/drawingml/2006/main" xmlns:r="http://schemas.openxmlformats.org/officeDocument/2006/relationships" xmlns:p="http://schemas.openxmlformats.org/presentationml/2006/main">
   <p:cSld>
     <p:spTree>
@@ -10527,7 +16451,7 @@
 </p:sld>
 </file>
 
-<file path=ppt/slides/slide5.xml><?xml version="1.0" encoding="utf-8"?>
+<file path=ppt/slides/slide9.xml><?xml version="1.0" encoding="utf-8"?>
 <p:sld xmlns:a="http://schemas.openxmlformats.org/drawingml/2006/main" xmlns:r="http://schemas.openxmlformats.org/officeDocument/2006/relationships" xmlns:p="http://schemas.openxmlformats.org/presentationml/2006/main">
   <p:cSld>
     <p:spTree>
@@ -11320,7 +17244,7 @@
             <a:fld id="{00000000-1234-1234-1234-123412341234}" type="slidenum">
               <a:rPr lang="en-US" altLang="ko-KR" smtClean="0"/>
               <a:pPr/>
-              <a:t>4</a:t>
+              <a:t>8</a:t>
             </a:fld>
             <a:endParaRPr lang="ko-KR" altLang="en-US"/>
           </a:p>
@@ -13509,2824 +19433,6 @@
     <p:extLst>
       <p:ext uri="{BB962C8B-B14F-4D97-AF65-F5344CB8AC3E}">
         <p14:creationId xmlns:p14="http://schemas.microsoft.com/office/powerpoint/2010/main" val="1710762164"/>
-      </p:ext>
-    </p:extLst>
-  </p:cSld>
-  <p:clrMapOvr>
-    <a:masterClrMapping/>
-  </p:clrMapOvr>
-</p:sld>
-</file>
-
-<file path=ppt/slides/slide6.xml><?xml version="1.0" encoding="utf-8"?>
-<p:sld xmlns:a="http://schemas.openxmlformats.org/drawingml/2006/main" xmlns:r="http://schemas.openxmlformats.org/officeDocument/2006/relationships" xmlns:p="http://schemas.openxmlformats.org/presentationml/2006/main">
-  <p:cSld>
-    <p:spTree>
-      <p:nvGrpSpPr>
-        <p:cNvPr id="1" name="Shape 83">
-          <a:extLst>
-            <a:ext uri="{FF2B5EF4-FFF2-40B4-BE49-F238E27FC236}">
-              <a16:creationId xmlns:a16="http://schemas.microsoft.com/office/drawing/2014/main" id="{F10FE0B6-2092-A288-8A9D-3BB303A2F1E3}"/>
-            </a:ext>
-          </a:extLst>
-        </p:cNvPr>
-        <p:cNvGrpSpPr/>
-        <p:nvPr/>
-      </p:nvGrpSpPr>
-      <p:grpSpPr>
-        <a:xfrm>
-          <a:off x="0" y="0"/>
-          <a:ext cx="0" cy="0"/>
-          <a:chOff x="0" y="0"/>
-          <a:chExt cx="0" cy="0"/>
-        </a:xfrm>
-      </p:grpSpPr>
-      <p:sp>
-        <p:nvSpPr>
-          <p:cNvPr id="5" name="TextBox 4">
-            <a:extLst>
-              <a:ext uri="{FF2B5EF4-FFF2-40B4-BE49-F238E27FC236}">
-                <a16:creationId xmlns:a16="http://schemas.microsoft.com/office/drawing/2014/main" id="{F1012CC6-F536-C914-A9D1-0440E965701F}"/>
-              </a:ext>
-            </a:extLst>
-          </p:cNvPr>
-          <p:cNvSpPr txBox="1"/>
-          <p:nvPr/>
-        </p:nvSpPr>
-        <p:spPr>
-          <a:xfrm>
-            <a:off x="1819945" y="2953677"/>
-            <a:ext cx="7247855" cy="1077218"/>
-          </a:xfrm>
-          <a:prstGeom prst="rect">
-            <a:avLst/>
-          </a:prstGeom>
-          <a:noFill/>
-        </p:spPr>
-        <p:txBody>
-          <a:bodyPr wrap="square" rtlCol="0">
-            <a:spAutoFit/>
-          </a:bodyPr>
-          <a:lstStyle/>
-          <a:p>
-            <a:r>
-              <a:rPr lang="ko-KR" altLang="en-US" sz="4000" dirty="0"/>
-              <a:t>시도별 에너지 소비 현황</a:t>
-            </a:r>
-            <a:endParaRPr lang="en-US" altLang="ko-KR" sz="4000" dirty="0"/>
-          </a:p>
-          <a:p>
-            <a:r>
-              <a:rPr lang="en-US" altLang="ko-KR" sz="2400" dirty="0"/>
-              <a:t>- </a:t>
-            </a:r>
-            <a:r>
-              <a:rPr lang="ko-KR" altLang="en-US" sz="2400" dirty="0"/>
-              <a:t>전국 </a:t>
-            </a:r>
-            <a:r>
-              <a:rPr lang="en-US" altLang="ko-KR" sz="2400" dirty="0"/>
-              <a:t>17</a:t>
-            </a:r>
-            <a:r>
-              <a:rPr lang="ko-KR" altLang="en-US" sz="2400" dirty="0"/>
-              <a:t>개 시도 중 경기도를 평가</a:t>
-            </a:r>
-            <a:endParaRPr lang="en-US" altLang="ko-KR" sz="2400" dirty="0"/>
-          </a:p>
-        </p:txBody>
-      </p:sp>
-    </p:spTree>
-    <p:extLst>
-      <p:ext uri="{BB962C8B-B14F-4D97-AF65-F5344CB8AC3E}">
-        <p14:creationId xmlns:p14="http://schemas.microsoft.com/office/powerpoint/2010/main" val="1052007217"/>
-      </p:ext>
-    </p:extLst>
-  </p:cSld>
-  <p:clrMapOvr>
-    <a:masterClrMapping/>
-  </p:clrMapOvr>
-</p:sld>
-</file>
-
-<file path=ppt/slides/slide7.xml><?xml version="1.0" encoding="utf-8"?>
-<p:sld xmlns:a="http://schemas.openxmlformats.org/drawingml/2006/main" xmlns:r="http://schemas.openxmlformats.org/officeDocument/2006/relationships" xmlns:p="http://schemas.openxmlformats.org/presentationml/2006/main">
-  <p:cSld>
-    <p:spTree>
-      <p:nvGrpSpPr>
-        <p:cNvPr id="1" name="">
-          <a:extLst>
-            <a:ext uri="{FF2B5EF4-FFF2-40B4-BE49-F238E27FC236}">
-              <a16:creationId xmlns:a16="http://schemas.microsoft.com/office/drawing/2014/main" id="{593444B4-4003-B5F1-78A3-89A94159050D}"/>
-            </a:ext>
-          </a:extLst>
-        </p:cNvPr>
-        <p:cNvGrpSpPr/>
-        <p:nvPr/>
-      </p:nvGrpSpPr>
-      <p:grpSpPr>
-        <a:xfrm>
-          <a:off x="0" y="0"/>
-          <a:ext cx="0" cy="0"/>
-          <a:chOff x="0" y="0"/>
-          <a:chExt cx="0" cy="0"/>
-        </a:xfrm>
-      </p:grpSpPr>
-      <p:sp>
-        <p:nvSpPr>
-          <p:cNvPr id="4" name="슬라이드 번호 개체 틀 3">
-            <a:extLst>
-              <a:ext uri="{FF2B5EF4-FFF2-40B4-BE49-F238E27FC236}">
-                <a16:creationId xmlns:a16="http://schemas.microsoft.com/office/drawing/2014/main" id="{44E52A14-8E57-1DA2-6D7B-63D519961867}"/>
-              </a:ext>
-            </a:extLst>
-          </p:cNvPr>
-          <p:cNvSpPr>
-            <a:spLocks noGrp="1"/>
-          </p:cNvSpPr>
-          <p:nvPr>
-            <p:ph type="sldNum" idx="12"/>
-          </p:nvPr>
-        </p:nvSpPr>
-        <p:spPr/>
-        <p:txBody>
-          <a:bodyPr/>
-          <a:lstStyle/>
-          <a:p>
-            <a:fld id="{00000000-1234-1234-1234-123412341234}" type="slidenum">
-              <a:rPr lang="en-US" altLang="ko-KR" smtClean="0"/>
-              <a:pPr/>
-              <a:t>6</a:t>
-            </a:fld>
-            <a:endParaRPr lang="ko-KR" altLang="en-US"/>
-          </a:p>
-        </p:txBody>
-      </p:sp>
-      <p:pic>
-        <p:nvPicPr>
-          <p:cNvPr id="18" name="그림 17">
-            <a:extLst>
-              <a:ext uri="{FF2B5EF4-FFF2-40B4-BE49-F238E27FC236}">
-                <a16:creationId xmlns:a16="http://schemas.microsoft.com/office/drawing/2014/main" id="{023DD8AB-38C4-5735-6318-A2C24C29DF55}"/>
-              </a:ext>
-            </a:extLst>
-          </p:cNvPr>
-          <p:cNvPicPr>
-            <a:picLocks noChangeAspect="1"/>
-          </p:cNvPicPr>
-          <p:nvPr/>
-        </p:nvPicPr>
-        <p:blipFill>
-          <a:blip r:embed="rId2"/>
-          <a:stretch>
-            <a:fillRect/>
-          </a:stretch>
-        </p:blipFill>
-        <p:spPr>
-          <a:xfrm>
-            <a:off x="472648" y="1554835"/>
-            <a:ext cx="3459272" cy="2173238"/>
-          </a:xfrm>
-          <a:prstGeom prst="rect">
-            <a:avLst/>
-          </a:prstGeom>
-        </p:spPr>
-      </p:pic>
-      <p:sp>
-        <p:nvSpPr>
-          <p:cNvPr id="19" name="직사각형 18">
-            <a:extLst>
-              <a:ext uri="{FF2B5EF4-FFF2-40B4-BE49-F238E27FC236}">
-                <a16:creationId xmlns:a16="http://schemas.microsoft.com/office/drawing/2014/main" id="{FA6A7090-C93F-1C62-65F8-3E914A47A694}"/>
-              </a:ext>
-            </a:extLst>
-          </p:cNvPr>
-          <p:cNvSpPr/>
-          <p:nvPr/>
-        </p:nvSpPr>
-        <p:spPr>
-          <a:xfrm>
-            <a:off x="472649" y="3962507"/>
-            <a:ext cx="3459272" cy="685694"/>
-          </a:xfrm>
-          <a:prstGeom prst="rect">
-            <a:avLst/>
-          </a:prstGeom>
-          <a:solidFill>
-            <a:schemeClr val="accent2"/>
-          </a:solidFill>
-        </p:spPr>
-        <p:style>
-          <a:lnRef idx="2">
-            <a:schemeClr val="accent1">
-              <a:shade val="50000"/>
-            </a:schemeClr>
-          </a:lnRef>
-          <a:fillRef idx="1">
-            <a:schemeClr val="accent1"/>
-          </a:fillRef>
-          <a:effectRef idx="0">
-            <a:schemeClr val="accent1"/>
-          </a:effectRef>
-          <a:fontRef idx="minor">
-            <a:schemeClr val="lt1"/>
-          </a:fontRef>
-        </p:style>
-        <p:txBody>
-          <a:bodyPr rtlCol="0" anchor="ctr"/>
-          <a:lstStyle/>
-          <a:p>
-            <a:pPr algn="ctr"/>
-            <a:r>
-              <a:rPr lang="en-US" altLang="ko-KR" sz="1200" dirty="0"/>
-              <a:t>[</a:t>
-            </a:r>
-            <a:r>
-              <a:rPr lang="ko-KR" altLang="en-US" sz="1200" dirty="0"/>
-              <a:t>차트</a:t>
-            </a:r>
-            <a:r>
-              <a:rPr lang="en-US" altLang="ko-KR" sz="1200" dirty="0"/>
-              <a:t>] https://echarts.apache.org/examples/en/editor.html?c=treemap-sunburst-transition</a:t>
-            </a:r>
-            <a:endParaRPr lang="ko-KR" altLang="en-US" sz="1200" dirty="0"/>
-          </a:p>
-        </p:txBody>
-      </p:sp>
-      <p:sp>
-        <p:nvSpPr>
-          <p:cNvPr id="20" name="직사각형 19">
-            <a:extLst>
-              <a:ext uri="{FF2B5EF4-FFF2-40B4-BE49-F238E27FC236}">
-                <a16:creationId xmlns:a16="http://schemas.microsoft.com/office/drawing/2014/main" id="{30222570-7D45-A77C-FEF9-E97CDF07F009}"/>
-              </a:ext>
-            </a:extLst>
-          </p:cNvPr>
-          <p:cNvSpPr/>
-          <p:nvPr/>
-        </p:nvSpPr>
-        <p:spPr>
-          <a:xfrm>
-            <a:off x="468343" y="4757391"/>
-            <a:ext cx="3462898" cy="281449"/>
-          </a:xfrm>
-          <a:prstGeom prst="rect">
-            <a:avLst/>
-          </a:prstGeom>
-          <a:solidFill>
-            <a:srgbClr val="7030A0"/>
-          </a:solidFill>
-        </p:spPr>
-        <p:style>
-          <a:lnRef idx="2">
-            <a:schemeClr val="accent1">
-              <a:shade val="50000"/>
-            </a:schemeClr>
-          </a:lnRef>
-          <a:fillRef idx="1">
-            <a:schemeClr val="accent1"/>
-          </a:fillRef>
-          <a:effectRef idx="0">
-            <a:schemeClr val="accent1"/>
-          </a:effectRef>
-          <a:fontRef idx="minor">
-            <a:schemeClr val="lt1"/>
-          </a:fontRef>
-        </p:style>
-        <p:txBody>
-          <a:bodyPr rtlCol="0" anchor="ctr"/>
-          <a:lstStyle/>
-          <a:p>
-            <a:pPr algn="ctr"/>
-            <a:r>
-              <a:rPr lang="en-US" altLang="ko-KR" sz="1200" dirty="0"/>
-              <a:t>[</a:t>
-            </a:r>
-            <a:r>
-              <a:rPr lang="ko-KR" altLang="en-US" sz="1200" dirty="0"/>
-              <a:t>자료</a:t>
-            </a:r>
-            <a:r>
-              <a:rPr lang="en-US" altLang="ko-KR" sz="1200" dirty="0"/>
-              <a:t>] </a:t>
-            </a:r>
-            <a:r>
-              <a:rPr lang="ko-KR" altLang="en-US" sz="1200" dirty="0"/>
-              <a:t>지역에너지통계연보 </a:t>
-            </a:r>
-            <a:r>
-              <a:rPr lang="en-US" altLang="ko-KR" sz="1200" dirty="0"/>
-              <a:t>I-5</a:t>
-            </a:r>
-            <a:endParaRPr lang="ko-KR" altLang="en-US" sz="1200" dirty="0"/>
-          </a:p>
-        </p:txBody>
-      </p:sp>
-      <p:pic>
-        <p:nvPicPr>
-          <p:cNvPr id="21" name="그림 20">
-            <a:extLst>
-              <a:ext uri="{FF2B5EF4-FFF2-40B4-BE49-F238E27FC236}">
-                <a16:creationId xmlns:a16="http://schemas.microsoft.com/office/drawing/2014/main" id="{28FCB797-7F1E-5AC3-6C57-57D7B5E88C36}"/>
-              </a:ext>
-            </a:extLst>
-          </p:cNvPr>
-          <p:cNvPicPr>
-            <a:picLocks noChangeAspect="1"/>
-          </p:cNvPicPr>
-          <p:nvPr/>
-        </p:nvPicPr>
-        <p:blipFill>
-          <a:blip r:embed="rId3"/>
-          <a:srcRect t="17708" r="57035" b="57084"/>
-          <a:stretch/>
-        </p:blipFill>
-        <p:spPr>
-          <a:xfrm>
-            <a:off x="4517043" y="1588307"/>
-            <a:ext cx="2914075" cy="3309808"/>
-          </a:xfrm>
-          <a:prstGeom prst="rect">
-            <a:avLst/>
-          </a:prstGeom>
-        </p:spPr>
-      </p:pic>
-      <p:sp>
-        <p:nvSpPr>
-          <p:cNvPr id="23" name="직사각형 22">
-            <a:extLst>
-              <a:ext uri="{FF2B5EF4-FFF2-40B4-BE49-F238E27FC236}">
-                <a16:creationId xmlns:a16="http://schemas.microsoft.com/office/drawing/2014/main" id="{4CE0283F-1024-093C-F78E-6B66BA7C9575}"/>
-              </a:ext>
-            </a:extLst>
-          </p:cNvPr>
-          <p:cNvSpPr/>
-          <p:nvPr/>
-        </p:nvSpPr>
-        <p:spPr>
-          <a:xfrm>
-            <a:off x="7608420" y="4291661"/>
-            <a:ext cx="4108537" cy="805210"/>
-          </a:xfrm>
-          <a:prstGeom prst="rect">
-            <a:avLst/>
-          </a:prstGeom>
-          <a:solidFill>
-            <a:srgbClr val="7030A0"/>
-          </a:solidFill>
-        </p:spPr>
-        <p:style>
-          <a:lnRef idx="2">
-            <a:schemeClr val="accent1">
-              <a:shade val="50000"/>
-            </a:schemeClr>
-          </a:lnRef>
-          <a:fillRef idx="1">
-            <a:schemeClr val="accent1"/>
-          </a:fillRef>
-          <a:effectRef idx="0">
-            <a:schemeClr val="accent1"/>
-          </a:effectRef>
-          <a:fontRef idx="minor">
-            <a:schemeClr val="lt1"/>
-          </a:fontRef>
-        </p:style>
-        <p:txBody>
-          <a:bodyPr rtlCol="0" anchor="ctr"/>
-          <a:lstStyle/>
-          <a:p>
-            <a:pPr algn="ctr"/>
-            <a:r>
-              <a:rPr lang="en-US" altLang="ko-KR" sz="1200" dirty="0"/>
-              <a:t>[</a:t>
-            </a:r>
-            <a:r>
-              <a:rPr lang="ko-KR" altLang="en-US" sz="1200" dirty="0"/>
-              <a:t>자료</a:t>
-            </a:r>
-            <a:r>
-              <a:rPr lang="en-US" altLang="ko-KR" sz="1200" dirty="0"/>
-              <a:t>] </a:t>
-            </a:r>
-            <a:r>
-              <a:rPr lang="ko-KR" altLang="en-US" sz="1200" dirty="0"/>
-              <a:t>지역에너지통계연보 </a:t>
-            </a:r>
-            <a:r>
-              <a:rPr lang="en-US" altLang="ko-KR" sz="1200" dirty="0"/>
-              <a:t>I-1 </a:t>
-            </a:r>
-            <a:br>
-              <a:rPr lang="en-US" altLang="ko-KR" sz="1200" dirty="0"/>
-            </a:br>
-            <a:r>
-              <a:rPr lang="en-US" altLang="ko-KR" sz="1200" dirty="0"/>
-              <a:t>GRDP</a:t>
-            </a:r>
-            <a:r>
-              <a:rPr lang="ko-KR" altLang="en-US" sz="1200" dirty="0"/>
-              <a:t>당 최종에너지소비</a:t>
-            </a:r>
-            <a:r>
-              <a:rPr lang="en-US" altLang="ko-KR" sz="1200" dirty="0"/>
-              <a:t>(Q</a:t>
-            </a:r>
-            <a:r>
-              <a:rPr lang="ko-KR" altLang="en-US" sz="1200" dirty="0"/>
-              <a:t>열</a:t>
-            </a:r>
-            <a:r>
-              <a:rPr lang="en-US" altLang="ko-KR" sz="1200" dirty="0"/>
-              <a:t>)</a:t>
-            </a:r>
-            <a:endParaRPr lang="ko-KR" altLang="en-US" sz="1200" dirty="0"/>
-          </a:p>
-        </p:txBody>
-      </p:sp>
-      <p:sp>
-        <p:nvSpPr>
-          <p:cNvPr id="24" name="직사각형 23">
-            <a:extLst>
-              <a:ext uri="{FF2B5EF4-FFF2-40B4-BE49-F238E27FC236}">
-                <a16:creationId xmlns:a16="http://schemas.microsoft.com/office/drawing/2014/main" id="{AE1D2728-53AB-D7D8-C859-B2183B5DC487}"/>
-              </a:ext>
-            </a:extLst>
-          </p:cNvPr>
-          <p:cNvSpPr/>
-          <p:nvPr/>
-        </p:nvSpPr>
-        <p:spPr>
-          <a:xfrm>
-            <a:off x="7608419" y="2345994"/>
-            <a:ext cx="4108537" cy="805210"/>
-          </a:xfrm>
-          <a:prstGeom prst="rect">
-            <a:avLst/>
-          </a:prstGeom>
-          <a:solidFill>
-            <a:srgbClr val="7030A0"/>
-          </a:solidFill>
-        </p:spPr>
-        <p:style>
-          <a:lnRef idx="2">
-            <a:schemeClr val="accent1">
-              <a:shade val="50000"/>
-            </a:schemeClr>
-          </a:lnRef>
-          <a:fillRef idx="1">
-            <a:schemeClr val="accent1"/>
-          </a:fillRef>
-          <a:effectRef idx="0">
-            <a:schemeClr val="accent1"/>
-          </a:effectRef>
-          <a:fontRef idx="minor">
-            <a:schemeClr val="lt1"/>
-          </a:fontRef>
-        </p:style>
-        <p:txBody>
-          <a:bodyPr rtlCol="0" anchor="ctr"/>
-          <a:lstStyle/>
-          <a:p>
-            <a:pPr algn="ctr"/>
-            <a:r>
-              <a:rPr lang="en-US" altLang="ko-KR" sz="1200" dirty="0"/>
-              <a:t>[</a:t>
-            </a:r>
-            <a:r>
-              <a:rPr lang="ko-KR" altLang="en-US" sz="1200" dirty="0"/>
-              <a:t>자료</a:t>
-            </a:r>
-            <a:r>
-              <a:rPr lang="en-US" altLang="ko-KR" sz="1200" dirty="0"/>
-              <a:t>] </a:t>
-            </a:r>
-            <a:r>
-              <a:rPr lang="ko-KR" altLang="en-US" sz="1200" dirty="0"/>
-              <a:t>지역에너지통계연보 </a:t>
-            </a:r>
-            <a:r>
-              <a:rPr lang="en-US" altLang="ko-KR" sz="1200" dirty="0"/>
-              <a:t>I-1 </a:t>
-            </a:r>
-            <a:br>
-              <a:rPr lang="en-US" altLang="ko-KR" sz="1200" dirty="0"/>
-            </a:br>
-            <a:r>
-              <a:rPr lang="en-US" altLang="ko-KR" sz="1200" dirty="0"/>
-              <a:t>1</a:t>
-            </a:r>
-            <a:r>
-              <a:rPr lang="ko-KR" altLang="en-US" sz="1200" dirty="0"/>
-              <a:t>인당 최종에너지 소비</a:t>
-            </a:r>
-            <a:r>
-              <a:rPr lang="en-US" altLang="ko-KR" sz="1200" dirty="0"/>
-              <a:t>(L</a:t>
-            </a:r>
-            <a:r>
-              <a:rPr lang="ko-KR" altLang="en-US" sz="1200" dirty="0"/>
-              <a:t>열</a:t>
-            </a:r>
-            <a:r>
-              <a:rPr lang="en-US" altLang="ko-KR" sz="1200" dirty="0"/>
-              <a:t>)</a:t>
-            </a:r>
-            <a:endParaRPr lang="ko-KR" altLang="en-US" sz="1200" dirty="0"/>
-          </a:p>
-        </p:txBody>
-      </p:sp>
-      <p:sp>
-        <p:nvSpPr>
-          <p:cNvPr id="26" name="아래쪽 화살표 3">
-            <a:extLst>
-              <a:ext uri="{FF2B5EF4-FFF2-40B4-BE49-F238E27FC236}">
-                <a16:creationId xmlns:a16="http://schemas.microsoft.com/office/drawing/2014/main" id="{D5BECC1C-7B11-B789-5CB4-43215DFF4D9D}"/>
-              </a:ext>
-            </a:extLst>
-          </p:cNvPr>
-          <p:cNvSpPr/>
-          <p:nvPr/>
-        </p:nvSpPr>
-        <p:spPr>
-          <a:xfrm>
-            <a:off x="5327565" y="5182681"/>
-            <a:ext cx="464820" cy="397062"/>
-          </a:xfrm>
-          <a:prstGeom prst="downArrow">
-            <a:avLst/>
-          </a:prstGeom>
-          <a:solidFill>
-            <a:srgbClr val="92D050"/>
-          </a:solidFill>
-        </p:spPr>
-        <p:style>
-          <a:lnRef idx="2">
-            <a:schemeClr val="accent1">
-              <a:shade val="50000"/>
-            </a:schemeClr>
-          </a:lnRef>
-          <a:fillRef idx="1">
-            <a:schemeClr val="accent1"/>
-          </a:fillRef>
-          <a:effectRef idx="0">
-            <a:schemeClr val="accent1"/>
-          </a:effectRef>
-          <a:fontRef idx="minor">
-            <a:schemeClr val="lt1"/>
-          </a:fontRef>
-        </p:style>
-        <p:txBody>
-          <a:bodyPr rtlCol="0" anchor="ctr"/>
-          <a:lstStyle/>
-          <a:p>
-            <a:pPr algn="ctr"/>
-            <a:endParaRPr lang="ko-KR" altLang="en-US"/>
-          </a:p>
-        </p:txBody>
-      </p:sp>
-      <p:sp>
-        <p:nvSpPr>
-          <p:cNvPr id="27" name="직사각형 26">
-            <a:extLst>
-              <a:ext uri="{FF2B5EF4-FFF2-40B4-BE49-F238E27FC236}">
-                <a16:creationId xmlns:a16="http://schemas.microsoft.com/office/drawing/2014/main" id="{C7B8C395-6FB9-C5B5-E9C2-38E911762704}"/>
-              </a:ext>
-            </a:extLst>
-          </p:cNvPr>
-          <p:cNvSpPr/>
-          <p:nvPr/>
-        </p:nvSpPr>
-        <p:spPr>
-          <a:xfrm>
-            <a:off x="3990595" y="5665553"/>
-            <a:ext cx="4108537" cy="805210"/>
-          </a:xfrm>
-          <a:prstGeom prst="rect">
-            <a:avLst/>
-          </a:prstGeom>
-          <a:solidFill>
-            <a:srgbClr val="92D050"/>
-          </a:solidFill>
-        </p:spPr>
-        <p:style>
-          <a:lnRef idx="2">
-            <a:schemeClr val="accent1">
-              <a:shade val="50000"/>
-            </a:schemeClr>
-          </a:lnRef>
-          <a:fillRef idx="1">
-            <a:schemeClr val="accent1"/>
-          </a:fillRef>
-          <a:effectRef idx="0">
-            <a:schemeClr val="accent1"/>
-          </a:effectRef>
-          <a:fontRef idx="minor">
-            <a:schemeClr val="lt1"/>
-          </a:fontRef>
-        </p:style>
-        <p:txBody>
-          <a:bodyPr rtlCol="0" anchor="ctr"/>
-          <a:lstStyle/>
-          <a:p>
-            <a:pPr algn="ctr"/>
-            <a:r>
-              <a:rPr lang="en-US" altLang="ko-KR" sz="1200" dirty="0"/>
-              <a:t>[</a:t>
-            </a:r>
-            <a:r>
-              <a:rPr lang="ko-KR" altLang="en-US" sz="1200" dirty="0"/>
-              <a:t>링크</a:t>
-            </a:r>
-            <a:r>
-              <a:rPr lang="en-US" altLang="ko-KR" sz="1200" dirty="0"/>
-              <a:t>] </a:t>
-            </a:r>
-            <a:r>
-              <a:rPr lang="ko-KR" altLang="en-US" sz="1200" dirty="0" err="1"/>
-              <a:t>지역에너지</a:t>
-            </a:r>
-            <a:r>
-              <a:rPr lang="ko-KR" altLang="en-US" sz="1200" dirty="0"/>
-              <a:t> 통계연보</a:t>
-            </a:r>
-            <a:br>
-              <a:rPr lang="en-US" altLang="ko-KR" sz="1200" dirty="0"/>
-            </a:br>
-            <a:r>
-              <a:rPr lang="en-US" altLang="ko-KR" sz="1200" dirty="0"/>
-              <a:t>https://www.kesis.net/sub/sub_0003.jsp?M_MENU_ID=M_M_002&amp;S_MENU_ID=S_M_013</a:t>
-            </a:r>
-            <a:endParaRPr lang="ko-KR" altLang="en-US" sz="1200" dirty="0"/>
-          </a:p>
-        </p:txBody>
-      </p:sp>
-      <p:pic>
-        <p:nvPicPr>
-          <p:cNvPr id="2" name="그림 1">
-            <a:extLst>
-              <a:ext uri="{FF2B5EF4-FFF2-40B4-BE49-F238E27FC236}">
-                <a16:creationId xmlns:a16="http://schemas.microsoft.com/office/drawing/2014/main" id="{B83D6650-AA0B-0E5F-BE79-DC3B548EE00C}"/>
-              </a:ext>
-            </a:extLst>
-          </p:cNvPr>
-          <p:cNvPicPr>
-            <a:picLocks noChangeAspect="1"/>
-          </p:cNvPicPr>
-          <p:nvPr/>
-        </p:nvPicPr>
-        <p:blipFill>
-          <a:blip r:embed="rId4"/>
-          <a:stretch>
-            <a:fillRect/>
-          </a:stretch>
-        </p:blipFill>
-        <p:spPr>
-          <a:xfrm>
-            <a:off x="234569" y="1060938"/>
-            <a:ext cx="4499305" cy="418179"/>
-          </a:xfrm>
-          <a:prstGeom prst="rect">
-            <a:avLst/>
-          </a:prstGeom>
-        </p:spPr>
-      </p:pic>
-      <p:sp>
-        <p:nvSpPr>
-          <p:cNvPr id="6" name="직사각형 5">
-            <a:extLst>
-              <a:ext uri="{FF2B5EF4-FFF2-40B4-BE49-F238E27FC236}">
-                <a16:creationId xmlns:a16="http://schemas.microsoft.com/office/drawing/2014/main" id="{E01A1798-4FEE-94D1-33EA-486F8A76B848}"/>
-              </a:ext>
-            </a:extLst>
-          </p:cNvPr>
-          <p:cNvSpPr/>
-          <p:nvPr/>
-        </p:nvSpPr>
-        <p:spPr>
-          <a:xfrm>
-            <a:off x="7608419" y="1554835"/>
-            <a:ext cx="4108537" cy="685694"/>
-          </a:xfrm>
-          <a:prstGeom prst="rect">
-            <a:avLst/>
-          </a:prstGeom>
-          <a:solidFill>
-            <a:schemeClr val="accent2"/>
-          </a:solidFill>
-        </p:spPr>
-        <p:style>
-          <a:lnRef idx="2">
-            <a:schemeClr val="accent1">
-              <a:shade val="50000"/>
-            </a:schemeClr>
-          </a:lnRef>
-          <a:fillRef idx="1">
-            <a:schemeClr val="accent1"/>
-          </a:fillRef>
-          <a:effectRef idx="0">
-            <a:schemeClr val="accent1"/>
-          </a:effectRef>
-          <a:fontRef idx="minor">
-            <a:schemeClr val="lt1"/>
-          </a:fontRef>
-        </p:style>
-        <p:txBody>
-          <a:bodyPr rtlCol="0" anchor="ctr"/>
-          <a:lstStyle/>
-          <a:p>
-            <a:pPr algn="ctr"/>
-            <a:r>
-              <a:rPr lang="en-US" altLang="ko-KR" sz="1200" dirty="0"/>
-              <a:t>[</a:t>
-            </a:r>
-            <a:r>
-              <a:rPr lang="ko-KR" altLang="en-US" sz="1200" dirty="0"/>
-              <a:t>차트</a:t>
-            </a:r>
-            <a:r>
-              <a:rPr lang="en-US" altLang="ko-KR" sz="1200" dirty="0"/>
-              <a:t>] https://echarts.apache.org/examples/en/editor.html?c=bar-race-country</a:t>
-            </a:r>
-            <a:endParaRPr lang="ko-KR" altLang="en-US" sz="1200" dirty="0"/>
-          </a:p>
-        </p:txBody>
-      </p:sp>
-      <p:sp>
-        <p:nvSpPr>
-          <p:cNvPr id="7" name="직사각형 6">
-            <a:extLst>
-              <a:ext uri="{FF2B5EF4-FFF2-40B4-BE49-F238E27FC236}">
-                <a16:creationId xmlns:a16="http://schemas.microsoft.com/office/drawing/2014/main" id="{C07FF1BE-A4D1-3448-945C-D9847F924088}"/>
-              </a:ext>
-            </a:extLst>
-          </p:cNvPr>
-          <p:cNvSpPr/>
-          <p:nvPr/>
-        </p:nvSpPr>
-        <p:spPr>
-          <a:xfrm>
-            <a:off x="7608419" y="3500009"/>
-            <a:ext cx="4108537" cy="685694"/>
-          </a:xfrm>
-          <a:prstGeom prst="rect">
-            <a:avLst/>
-          </a:prstGeom>
-          <a:solidFill>
-            <a:schemeClr val="accent2"/>
-          </a:solidFill>
-        </p:spPr>
-        <p:style>
-          <a:lnRef idx="2">
-            <a:schemeClr val="accent1">
-              <a:shade val="50000"/>
-            </a:schemeClr>
-          </a:lnRef>
-          <a:fillRef idx="1">
-            <a:schemeClr val="accent1"/>
-          </a:fillRef>
-          <a:effectRef idx="0">
-            <a:schemeClr val="accent1"/>
-          </a:effectRef>
-          <a:fontRef idx="minor">
-            <a:schemeClr val="lt1"/>
-          </a:fontRef>
-        </p:style>
-        <p:txBody>
-          <a:bodyPr rtlCol="0" anchor="ctr"/>
-          <a:lstStyle/>
-          <a:p>
-            <a:pPr algn="ctr"/>
-            <a:r>
-              <a:rPr lang="en-US" altLang="ko-KR" sz="1200" dirty="0"/>
-              <a:t>[</a:t>
-            </a:r>
-            <a:r>
-              <a:rPr lang="ko-KR" altLang="en-US" sz="1200" dirty="0"/>
-              <a:t>차트</a:t>
-            </a:r>
-            <a:r>
-              <a:rPr lang="en-US" altLang="ko-KR" sz="1200" dirty="0"/>
-              <a:t>] https://echarts.apache.org/examples/en/editor.html?c=bar-race-country</a:t>
-            </a:r>
-            <a:endParaRPr lang="ko-KR" altLang="en-US" sz="1200" dirty="0"/>
-          </a:p>
-        </p:txBody>
-      </p:sp>
-      <p:sp>
-        <p:nvSpPr>
-          <p:cNvPr id="8" name="TextBox 7">
-            <a:extLst>
-              <a:ext uri="{FF2B5EF4-FFF2-40B4-BE49-F238E27FC236}">
-                <a16:creationId xmlns:a16="http://schemas.microsoft.com/office/drawing/2014/main" id="{370C5BC7-C8D1-2C7C-B87E-2E0AAAB49B35}"/>
-              </a:ext>
-            </a:extLst>
-          </p:cNvPr>
-          <p:cNvSpPr txBox="1"/>
-          <p:nvPr/>
-        </p:nvSpPr>
-        <p:spPr>
-          <a:xfrm>
-            <a:off x="234569" y="538266"/>
-            <a:ext cx="2115503" cy="430887"/>
-          </a:xfrm>
-          <a:prstGeom prst="rect">
-            <a:avLst/>
-          </a:prstGeom>
-          <a:noFill/>
-        </p:spPr>
-        <p:txBody>
-          <a:bodyPr wrap="square">
-            <a:spAutoFit/>
-          </a:bodyPr>
-          <a:lstStyle/>
-          <a:p>
-            <a:r>
-              <a:rPr lang="ko-KR" altLang="en-US" sz="700" b="1" dirty="0"/>
-              <a:t>전국대비 경기도 에너지 소비 현황</a:t>
-            </a:r>
-            <a:endParaRPr lang="en-US" altLang="ko-KR" sz="700" b="1" dirty="0"/>
-          </a:p>
-          <a:p>
-            <a:r>
-              <a:rPr lang="ko-KR" altLang="en-US" sz="500" b="1" dirty="0"/>
-              <a:t>전국 </a:t>
-            </a:r>
-            <a:r>
-              <a:rPr lang="en-US" altLang="ko-KR" sz="500" b="1" dirty="0"/>
-              <a:t>17</a:t>
-            </a:r>
-            <a:r>
-              <a:rPr lang="ko-KR" altLang="en-US" sz="500" b="1" dirty="0"/>
-              <a:t>개 시도별 에너지 소비현황을 최종에너지</a:t>
-            </a:r>
-            <a:r>
-              <a:rPr lang="en-US" altLang="ko-KR" sz="500" b="1" dirty="0"/>
-              <a:t>, </a:t>
-            </a:r>
-            <a:r>
-              <a:rPr lang="ko-KR" altLang="en-US" sz="500" b="1" dirty="0"/>
-              <a:t>부문별</a:t>
-            </a:r>
-            <a:r>
-              <a:rPr lang="en-US" altLang="ko-KR" sz="500" b="1" dirty="0"/>
-              <a:t>, </a:t>
-            </a:r>
-            <a:r>
-              <a:rPr lang="ko-KR" altLang="en-US" sz="500" b="1" dirty="0"/>
-              <a:t>에너지원별 측면에서 살펴봅니다</a:t>
-            </a:r>
-            <a:r>
-              <a:rPr lang="en-US" altLang="ko-KR" sz="500" b="1" dirty="0"/>
-              <a:t>.</a:t>
-            </a:r>
-          </a:p>
-          <a:p>
-            <a:endParaRPr lang="en-US" altLang="ko-KR" sz="500" b="1" dirty="0"/>
-          </a:p>
-        </p:txBody>
-      </p:sp>
-      <p:sp>
-        <p:nvSpPr>
-          <p:cNvPr id="9" name="TextBox 8">
-            <a:extLst>
-              <a:ext uri="{FF2B5EF4-FFF2-40B4-BE49-F238E27FC236}">
-                <a16:creationId xmlns:a16="http://schemas.microsoft.com/office/drawing/2014/main" id="{60E25EAD-4632-4CA3-0552-27148F390E24}"/>
-              </a:ext>
-            </a:extLst>
-          </p:cNvPr>
-          <p:cNvSpPr txBox="1"/>
-          <p:nvPr/>
-        </p:nvSpPr>
-        <p:spPr>
-          <a:xfrm>
-            <a:off x="234569" y="65971"/>
-            <a:ext cx="2586207" cy="307777"/>
-          </a:xfrm>
-          <a:prstGeom prst="rect">
-            <a:avLst/>
-          </a:prstGeom>
-          <a:noFill/>
-        </p:spPr>
-        <p:txBody>
-          <a:bodyPr wrap="square">
-            <a:spAutoFit/>
-          </a:bodyPr>
-          <a:lstStyle/>
-          <a:p>
-            <a:r>
-              <a:rPr lang="ko-KR" altLang="en-US" sz="1400" dirty="0"/>
-              <a:t>시도별 에너지 소비 현황</a:t>
-            </a:r>
-          </a:p>
-        </p:txBody>
-      </p:sp>
-      <p:sp>
-        <p:nvSpPr>
-          <p:cNvPr id="10" name="TextBox 9">
-            <a:extLst>
-              <a:ext uri="{FF2B5EF4-FFF2-40B4-BE49-F238E27FC236}">
-                <a16:creationId xmlns:a16="http://schemas.microsoft.com/office/drawing/2014/main" id="{C354C8B5-BB6A-45DE-896E-22803F5F8C8C}"/>
-              </a:ext>
-            </a:extLst>
-          </p:cNvPr>
-          <p:cNvSpPr txBox="1"/>
-          <p:nvPr/>
-        </p:nvSpPr>
-        <p:spPr>
-          <a:xfrm>
-            <a:off x="281511" y="292045"/>
-            <a:ext cx="3296757" cy="246221"/>
-          </a:xfrm>
-          <a:prstGeom prst="rect">
-            <a:avLst/>
-          </a:prstGeom>
-          <a:noFill/>
-        </p:spPr>
-        <p:txBody>
-          <a:bodyPr wrap="square">
-            <a:spAutoFit/>
-          </a:bodyPr>
-          <a:lstStyle/>
-          <a:p>
-            <a:r>
-              <a:rPr lang="en-US" altLang="ko-KR" sz="500" b="1" dirty="0"/>
-              <a:t>1</a:t>
-            </a:r>
-            <a:r>
-              <a:rPr lang="ko-KR" altLang="en-US" sz="500" b="1" dirty="0"/>
-              <a:t>인당 및 </a:t>
-            </a:r>
-            <a:r>
-              <a:rPr lang="en-US" altLang="ko-KR" sz="500" b="1" dirty="0"/>
-              <a:t>GRDP</a:t>
-            </a:r>
-            <a:r>
-              <a:rPr lang="ko-KR" altLang="en-US" sz="500" b="1" dirty="0"/>
-              <a:t>당 에너지 소비현황 </a:t>
-            </a:r>
-            <a:r>
-              <a:rPr lang="en-US" altLang="ko-KR" sz="500" b="1" dirty="0"/>
-              <a:t>(</a:t>
-            </a:r>
-            <a:r>
-              <a:rPr lang="ko-KR" altLang="en-US" sz="500" b="1" dirty="0"/>
-              <a:t>오른쪽</a:t>
-            </a:r>
-            <a:r>
-              <a:rPr lang="en-US" altLang="ko-KR" sz="500" b="1" dirty="0"/>
-              <a:t>)</a:t>
-            </a:r>
-            <a:r>
-              <a:rPr lang="ko-KR" altLang="en-US" sz="500" b="1" dirty="0"/>
-              <a:t>을 살펴봅니다</a:t>
-            </a:r>
-            <a:r>
-              <a:rPr lang="en-US" altLang="ko-KR" sz="500" b="1" dirty="0"/>
-              <a:t>.</a:t>
-            </a:r>
-          </a:p>
-          <a:p>
-            <a:endParaRPr lang="en-US" altLang="ko-KR" sz="500" b="1" dirty="0"/>
-          </a:p>
-        </p:txBody>
-      </p:sp>
-    </p:spTree>
-    <p:extLst>
-      <p:ext uri="{BB962C8B-B14F-4D97-AF65-F5344CB8AC3E}">
-        <p14:creationId xmlns:p14="http://schemas.microsoft.com/office/powerpoint/2010/main" val="4051915398"/>
-      </p:ext>
-    </p:extLst>
-  </p:cSld>
-  <p:clrMapOvr>
-    <a:masterClrMapping/>
-  </p:clrMapOvr>
-</p:sld>
-</file>
-
-<file path=ppt/slides/slide8.xml><?xml version="1.0" encoding="utf-8"?>
-<p:sld xmlns:a="http://schemas.openxmlformats.org/drawingml/2006/main" xmlns:r="http://schemas.openxmlformats.org/officeDocument/2006/relationships" xmlns:p="http://schemas.openxmlformats.org/presentationml/2006/main">
-  <p:cSld>
-    <p:spTree>
-      <p:nvGrpSpPr>
-        <p:cNvPr id="1" name=""/>
-        <p:cNvGrpSpPr/>
-        <p:nvPr/>
-      </p:nvGrpSpPr>
-      <p:grpSpPr>
-        <a:xfrm>
-          <a:off x="0" y="0"/>
-          <a:ext cx="0" cy="0"/>
-          <a:chOff x="0" y="0"/>
-          <a:chExt cx="0" cy="0"/>
-        </a:xfrm>
-      </p:grpSpPr>
-      <p:sp>
-        <p:nvSpPr>
-          <p:cNvPr id="76" name="직사각형 75">
-            <a:extLst>
-              <a:ext uri="{FF2B5EF4-FFF2-40B4-BE49-F238E27FC236}">
-                <a16:creationId xmlns:a16="http://schemas.microsoft.com/office/drawing/2014/main" id="{01C60341-3B58-4FCD-0925-BB5BA330BB77}"/>
-              </a:ext>
-            </a:extLst>
-          </p:cNvPr>
-          <p:cNvSpPr/>
-          <p:nvPr/>
-        </p:nvSpPr>
-        <p:spPr>
-          <a:xfrm>
-            <a:off x="964293" y="135918"/>
-            <a:ext cx="1129247" cy="257347"/>
-          </a:xfrm>
-          <a:prstGeom prst="rect">
-            <a:avLst/>
-          </a:prstGeom>
-          <a:solidFill>
-            <a:schemeClr val="bg2"/>
-          </a:solidFill>
-          <a:ln>
-            <a:solidFill>
-              <a:schemeClr val="bg2"/>
-            </a:solidFill>
-          </a:ln>
-        </p:spPr>
-        <p:style>
-          <a:lnRef idx="2">
-            <a:schemeClr val="accent1">
-              <a:shade val="15000"/>
-            </a:schemeClr>
-          </a:lnRef>
-          <a:fillRef idx="1">
-            <a:schemeClr val="accent1"/>
-          </a:fillRef>
-          <a:effectRef idx="0">
-            <a:schemeClr val="accent1"/>
-          </a:effectRef>
-          <a:fontRef idx="minor">
-            <a:schemeClr val="lt1"/>
-          </a:fontRef>
-        </p:style>
-        <p:txBody>
-          <a:bodyPr rtlCol="0" anchor="ctr"/>
-          <a:lstStyle/>
-          <a:p>
-            <a:pPr algn="ctr"/>
-            <a:r>
-              <a:rPr lang="ko-KR" altLang="en-US" sz="1200" dirty="0"/>
-              <a:t>최종에너지 </a:t>
-            </a:r>
-            <a:endParaRPr lang="en-US" altLang="ko-KR" sz="1200" dirty="0"/>
-          </a:p>
-        </p:txBody>
-      </p:sp>
-      <p:sp>
-        <p:nvSpPr>
-          <p:cNvPr id="78" name="직사각형 77">
-            <a:extLst>
-              <a:ext uri="{FF2B5EF4-FFF2-40B4-BE49-F238E27FC236}">
-                <a16:creationId xmlns:a16="http://schemas.microsoft.com/office/drawing/2014/main" id="{BA7A35C0-5335-37CE-6526-FF4B0B81E55A}"/>
-              </a:ext>
-            </a:extLst>
-          </p:cNvPr>
-          <p:cNvSpPr/>
-          <p:nvPr/>
-        </p:nvSpPr>
-        <p:spPr>
-          <a:xfrm>
-            <a:off x="2135039" y="135918"/>
-            <a:ext cx="719374" cy="257347"/>
-          </a:xfrm>
-          <a:prstGeom prst="rect">
-            <a:avLst/>
-          </a:prstGeom>
-        </p:spPr>
-        <p:style>
-          <a:lnRef idx="2">
-            <a:schemeClr val="accent1">
-              <a:shade val="15000"/>
-            </a:schemeClr>
-          </a:lnRef>
-          <a:fillRef idx="1">
-            <a:schemeClr val="accent1"/>
-          </a:fillRef>
-          <a:effectRef idx="0">
-            <a:schemeClr val="accent1"/>
-          </a:effectRef>
-          <a:fontRef idx="minor">
-            <a:schemeClr val="lt1"/>
-          </a:fontRef>
-        </p:style>
-        <p:txBody>
-          <a:bodyPr rtlCol="0" anchor="ctr"/>
-          <a:lstStyle/>
-          <a:p>
-            <a:pPr algn="ctr"/>
-            <a:r>
-              <a:rPr lang="ko-KR" altLang="en-US" sz="1200" dirty="0"/>
-              <a:t>부문별 </a:t>
-            </a:r>
-            <a:endParaRPr lang="en-US" altLang="ko-KR" sz="1200" dirty="0"/>
-          </a:p>
-        </p:txBody>
-      </p:sp>
-      <p:sp>
-        <p:nvSpPr>
-          <p:cNvPr id="81" name="직사각형 80">
-            <a:extLst>
-              <a:ext uri="{FF2B5EF4-FFF2-40B4-BE49-F238E27FC236}">
-                <a16:creationId xmlns:a16="http://schemas.microsoft.com/office/drawing/2014/main" id="{6AEE7A44-69EB-4944-DF6A-589E0E742C76}"/>
-              </a:ext>
-            </a:extLst>
-          </p:cNvPr>
-          <p:cNvSpPr/>
-          <p:nvPr/>
-        </p:nvSpPr>
-        <p:spPr>
-          <a:xfrm>
-            <a:off x="2899976" y="135918"/>
-            <a:ext cx="1008590" cy="257347"/>
-          </a:xfrm>
-          <a:prstGeom prst="rect">
-            <a:avLst/>
-          </a:prstGeom>
-          <a:solidFill>
-            <a:schemeClr val="bg2"/>
-          </a:solidFill>
-          <a:ln>
-            <a:solidFill>
-              <a:schemeClr val="bg2"/>
-            </a:solidFill>
-          </a:ln>
-        </p:spPr>
-        <p:style>
-          <a:lnRef idx="2">
-            <a:schemeClr val="accent1">
-              <a:shade val="15000"/>
-            </a:schemeClr>
-          </a:lnRef>
-          <a:fillRef idx="1">
-            <a:schemeClr val="accent1"/>
-          </a:fillRef>
-          <a:effectRef idx="0">
-            <a:schemeClr val="accent1"/>
-          </a:effectRef>
-          <a:fontRef idx="minor">
-            <a:schemeClr val="lt1"/>
-          </a:fontRef>
-        </p:style>
-        <p:txBody>
-          <a:bodyPr rtlCol="0" anchor="ctr"/>
-          <a:lstStyle/>
-          <a:p>
-            <a:pPr algn="ctr"/>
-            <a:r>
-              <a:rPr lang="ko-KR" altLang="en-US" sz="1200" dirty="0"/>
-              <a:t>에너지원별</a:t>
-            </a:r>
-            <a:endParaRPr lang="en-US" altLang="ko-KR" sz="1200" dirty="0"/>
-          </a:p>
-        </p:txBody>
-      </p:sp>
-      <p:sp>
-        <p:nvSpPr>
-          <p:cNvPr id="82" name="직사각형 81">
-            <a:extLst>
-              <a:ext uri="{FF2B5EF4-FFF2-40B4-BE49-F238E27FC236}">
-                <a16:creationId xmlns:a16="http://schemas.microsoft.com/office/drawing/2014/main" id="{64BF5B8E-1340-4590-DBFF-6AB6BA63C2FB}"/>
-              </a:ext>
-            </a:extLst>
-          </p:cNvPr>
-          <p:cNvSpPr/>
-          <p:nvPr/>
-        </p:nvSpPr>
-        <p:spPr>
-          <a:xfrm>
-            <a:off x="382615" y="135918"/>
-            <a:ext cx="540180" cy="257347"/>
-          </a:xfrm>
-          <a:prstGeom prst="rect">
-            <a:avLst/>
-          </a:prstGeom>
-          <a:solidFill>
-            <a:schemeClr val="bg2"/>
-          </a:solidFill>
-          <a:ln>
-            <a:solidFill>
-              <a:schemeClr val="bg2"/>
-            </a:solidFill>
-          </a:ln>
-        </p:spPr>
-        <p:style>
-          <a:lnRef idx="2">
-            <a:schemeClr val="accent1">
-              <a:shade val="15000"/>
-            </a:schemeClr>
-          </a:lnRef>
-          <a:fillRef idx="1">
-            <a:schemeClr val="accent1"/>
-          </a:fillRef>
-          <a:effectRef idx="0">
-            <a:schemeClr val="accent1"/>
-          </a:effectRef>
-          <a:fontRef idx="minor">
-            <a:schemeClr val="lt1"/>
-          </a:fontRef>
-        </p:style>
-        <p:txBody>
-          <a:bodyPr rtlCol="0" anchor="ctr"/>
-          <a:lstStyle/>
-          <a:p>
-            <a:pPr algn="ctr"/>
-            <a:r>
-              <a:rPr lang="ko-KR" altLang="en-US" sz="1200" dirty="0"/>
-              <a:t>연도</a:t>
-            </a:r>
-            <a:endParaRPr lang="en-US" altLang="ko-KR" sz="1200" dirty="0"/>
-          </a:p>
-        </p:txBody>
-      </p:sp>
-      <p:pic>
-        <p:nvPicPr>
-          <p:cNvPr id="83" name="그림 82">
-            <a:extLst>
-              <a:ext uri="{FF2B5EF4-FFF2-40B4-BE49-F238E27FC236}">
-                <a16:creationId xmlns:a16="http://schemas.microsoft.com/office/drawing/2014/main" id="{052E91EF-07CE-2392-BFF9-ABF14EB3C32F}"/>
-              </a:ext>
-            </a:extLst>
-          </p:cNvPr>
-          <p:cNvPicPr>
-            <a:picLocks noChangeAspect="1"/>
-          </p:cNvPicPr>
-          <p:nvPr/>
-        </p:nvPicPr>
-        <p:blipFill>
-          <a:blip r:embed="rId2"/>
-          <a:stretch>
-            <a:fillRect/>
-          </a:stretch>
-        </p:blipFill>
-        <p:spPr>
-          <a:xfrm>
-            <a:off x="382615" y="487405"/>
-            <a:ext cx="4001414" cy="2483334"/>
-          </a:xfrm>
-          <a:prstGeom prst="rect">
-            <a:avLst/>
-          </a:prstGeom>
-        </p:spPr>
-      </p:pic>
-      <p:sp>
-        <p:nvSpPr>
-          <p:cNvPr id="92" name="직사각형 91">
-            <a:extLst>
-              <a:ext uri="{FF2B5EF4-FFF2-40B4-BE49-F238E27FC236}">
-                <a16:creationId xmlns:a16="http://schemas.microsoft.com/office/drawing/2014/main" id="{01C60341-3B58-4FCD-0925-BB5BA330BB77}"/>
-              </a:ext>
-            </a:extLst>
-          </p:cNvPr>
-          <p:cNvSpPr/>
-          <p:nvPr/>
-        </p:nvSpPr>
-        <p:spPr>
-          <a:xfrm>
-            <a:off x="6388909" y="135918"/>
-            <a:ext cx="1129247" cy="257347"/>
-          </a:xfrm>
-          <a:prstGeom prst="rect">
-            <a:avLst/>
-          </a:prstGeom>
-          <a:solidFill>
-            <a:schemeClr val="bg2"/>
-          </a:solidFill>
-          <a:ln>
-            <a:solidFill>
-              <a:schemeClr val="bg2"/>
-            </a:solidFill>
-          </a:ln>
-        </p:spPr>
-        <p:style>
-          <a:lnRef idx="2">
-            <a:schemeClr val="accent1">
-              <a:shade val="15000"/>
-            </a:schemeClr>
-          </a:lnRef>
-          <a:fillRef idx="1">
-            <a:schemeClr val="accent1"/>
-          </a:fillRef>
-          <a:effectRef idx="0">
-            <a:schemeClr val="accent1"/>
-          </a:effectRef>
-          <a:fontRef idx="minor">
-            <a:schemeClr val="lt1"/>
-          </a:fontRef>
-        </p:style>
-        <p:txBody>
-          <a:bodyPr rtlCol="0" anchor="ctr"/>
-          <a:lstStyle/>
-          <a:p>
-            <a:pPr algn="ctr"/>
-            <a:r>
-              <a:rPr lang="ko-KR" altLang="en-US" sz="1200" dirty="0"/>
-              <a:t>최종에너지 </a:t>
-            </a:r>
-            <a:endParaRPr lang="en-US" altLang="ko-KR" sz="1200" dirty="0"/>
-          </a:p>
-        </p:txBody>
-      </p:sp>
-      <p:sp>
-        <p:nvSpPr>
-          <p:cNvPr id="93" name="직사각형 92">
-            <a:extLst>
-              <a:ext uri="{FF2B5EF4-FFF2-40B4-BE49-F238E27FC236}">
-                <a16:creationId xmlns:a16="http://schemas.microsoft.com/office/drawing/2014/main" id="{BA7A35C0-5335-37CE-6526-FF4B0B81E55A}"/>
-              </a:ext>
-            </a:extLst>
-          </p:cNvPr>
-          <p:cNvSpPr/>
-          <p:nvPr/>
-        </p:nvSpPr>
-        <p:spPr>
-          <a:xfrm>
-            <a:off x="7559655" y="135918"/>
-            <a:ext cx="719374" cy="257347"/>
-          </a:xfrm>
-          <a:prstGeom prst="rect">
-            <a:avLst/>
-          </a:prstGeom>
-          <a:solidFill>
-            <a:schemeClr val="bg2"/>
-          </a:solidFill>
-          <a:ln>
-            <a:solidFill>
-              <a:schemeClr val="bg2"/>
-            </a:solidFill>
-          </a:ln>
-        </p:spPr>
-        <p:style>
-          <a:lnRef idx="2">
-            <a:schemeClr val="accent1">
-              <a:shade val="15000"/>
-            </a:schemeClr>
-          </a:lnRef>
-          <a:fillRef idx="1">
-            <a:schemeClr val="accent1"/>
-          </a:fillRef>
-          <a:effectRef idx="0">
-            <a:schemeClr val="accent1"/>
-          </a:effectRef>
-          <a:fontRef idx="minor">
-            <a:schemeClr val="lt1"/>
-          </a:fontRef>
-        </p:style>
-        <p:txBody>
-          <a:bodyPr rtlCol="0" anchor="ctr"/>
-          <a:lstStyle/>
-          <a:p>
-            <a:pPr algn="ctr"/>
-            <a:r>
-              <a:rPr lang="ko-KR" altLang="en-US" sz="1200" dirty="0"/>
-              <a:t>부문별 </a:t>
-            </a:r>
-            <a:endParaRPr lang="en-US" altLang="ko-KR" sz="1200" dirty="0"/>
-          </a:p>
-        </p:txBody>
-      </p:sp>
-      <p:sp>
-        <p:nvSpPr>
-          <p:cNvPr id="94" name="직사각형 93">
-            <a:extLst>
-              <a:ext uri="{FF2B5EF4-FFF2-40B4-BE49-F238E27FC236}">
-                <a16:creationId xmlns:a16="http://schemas.microsoft.com/office/drawing/2014/main" id="{6AEE7A44-69EB-4944-DF6A-589E0E742C76}"/>
-              </a:ext>
-            </a:extLst>
-          </p:cNvPr>
-          <p:cNvSpPr/>
-          <p:nvPr/>
-        </p:nvSpPr>
-        <p:spPr>
-          <a:xfrm>
-            <a:off x="8324592" y="135918"/>
-            <a:ext cx="1008590" cy="257347"/>
-          </a:xfrm>
-          <a:prstGeom prst="rect">
-            <a:avLst/>
-          </a:prstGeom>
-        </p:spPr>
-        <p:style>
-          <a:lnRef idx="2">
-            <a:schemeClr val="accent1">
-              <a:shade val="15000"/>
-            </a:schemeClr>
-          </a:lnRef>
-          <a:fillRef idx="1">
-            <a:schemeClr val="accent1"/>
-          </a:fillRef>
-          <a:effectRef idx="0">
-            <a:schemeClr val="accent1"/>
-          </a:effectRef>
-          <a:fontRef idx="minor">
-            <a:schemeClr val="lt1"/>
-          </a:fontRef>
-        </p:style>
-        <p:txBody>
-          <a:bodyPr rtlCol="0" anchor="ctr"/>
-          <a:lstStyle/>
-          <a:p>
-            <a:pPr algn="ctr"/>
-            <a:r>
-              <a:rPr lang="ko-KR" altLang="en-US" sz="1200" dirty="0"/>
-              <a:t>에너지원별</a:t>
-            </a:r>
-            <a:endParaRPr lang="en-US" altLang="ko-KR" sz="1200" dirty="0"/>
-          </a:p>
-        </p:txBody>
-      </p:sp>
-      <p:sp>
-        <p:nvSpPr>
-          <p:cNvPr id="95" name="직사각형 94">
-            <a:extLst>
-              <a:ext uri="{FF2B5EF4-FFF2-40B4-BE49-F238E27FC236}">
-                <a16:creationId xmlns:a16="http://schemas.microsoft.com/office/drawing/2014/main" id="{64BF5B8E-1340-4590-DBFF-6AB6BA63C2FB}"/>
-              </a:ext>
-            </a:extLst>
-          </p:cNvPr>
-          <p:cNvSpPr/>
-          <p:nvPr/>
-        </p:nvSpPr>
-        <p:spPr>
-          <a:xfrm>
-            <a:off x="5807231" y="135918"/>
-            <a:ext cx="540180" cy="257347"/>
-          </a:xfrm>
-          <a:prstGeom prst="rect">
-            <a:avLst/>
-          </a:prstGeom>
-          <a:solidFill>
-            <a:schemeClr val="bg2"/>
-          </a:solidFill>
-          <a:ln>
-            <a:solidFill>
-              <a:schemeClr val="bg2"/>
-            </a:solidFill>
-          </a:ln>
-        </p:spPr>
-        <p:style>
-          <a:lnRef idx="2">
-            <a:schemeClr val="accent1">
-              <a:shade val="15000"/>
-            </a:schemeClr>
-          </a:lnRef>
-          <a:fillRef idx="1">
-            <a:schemeClr val="accent1"/>
-          </a:fillRef>
-          <a:effectRef idx="0">
-            <a:schemeClr val="accent1"/>
-          </a:effectRef>
-          <a:fontRef idx="minor">
-            <a:schemeClr val="lt1"/>
-          </a:fontRef>
-        </p:style>
-        <p:txBody>
-          <a:bodyPr rtlCol="0" anchor="ctr"/>
-          <a:lstStyle/>
-          <a:p>
-            <a:pPr algn="ctr"/>
-            <a:r>
-              <a:rPr lang="ko-KR" altLang="en-US" sz="1200" dirty="0"/>
-              <a:t>연도</a:t>
-            </a:r>
-            <a:endParaRPr lang="en-US" altLang="ko-KR" sz="1200" dirty="0"/>
-          </a:p>
-        </p:txBody>
-      </p:sp>
-      <p:pic>
-        <p:nvPicPr>
-          <p:cNvPr id="102" name="그림 101">
-            <a:extLst>
-              <a:ext uri="{FF2B5EF4-FFF2-40B4-BE49-F238E27FC236}">
-                <a16:creationId xmlns:a16="http://schemas.microsoft.com/office/drawing/2014/main" id="{75C40BED-7973-F743-E999-F8505F875C83}"/>
-              </a:ext>
-            </a:extLst>
-          </p:cNvPr>
-          <p:cNvPicPr>
-            <a:picLocks noChangeAspect="1"/>
-          </p:cNvPicPr>
-          <p:nvPr/>
-        </p:nvPicPr>
-        <p:blipFill>
-          <a:blip r:embed="rId3"/>
-          <a:srcRect r="16143"/>
-          <a:stretch/>
-        </p:blipFill>
-        <p:spPr>
-          <a:xfrm>
-            <a:off x="5612207" y="488465"/>
-            <a:ext cx="3811897" cy="2610287"/>
-          </a:xfrm>
-          <a:prstGeom prst="rect">
-            <a:avLst/>
-          </a:prstGeom>
-        </p:spPr>
-      </p:pic>
-      <p:sp>
-        <p:nvSpPr>
-          <p:cNvPr id="103" name="직사각형 102"/>
-          <p:cNvSpPr/>
-          <p:nvPr/>
-        </p:nvSpPr>
-        <p:spPr>
-          <a:xfrm>
-            <a:off x="383163" y="3328584"/>
-            <a:ext cx="4000866" cy="763356"/>
-          </a:xfrm>
-          <a:prstGeom prst="rect">
-            <a:avLst/>
-          </a:prstGeom>
-          <a:solidFill>
-            <a:schemeClr val="accent2"/>
-          </a:solidFill>
-        </p:spPr>
-        <p:style>
-          <a:lnRef idx="2">
-            <a:schemeClr val="accent1">
-              <a:shade val="50000"/>
-            </a:schemeClr>
-          </a:lnRef>
-          <a:fillRef idx="1">
-            <a:schemeClr val="accent1"/>
-          </a:fillRef>
-          <a:effectRef idx="0">
-            <a:schemeClr val="accent1"/>
-          </a:effectRef>
-          <a:fontRef idx="minor">
-            <a:schemeClr val="lt1"/>
-          </a:fontRef>
-        </p:style>
-        <p:txBody>
-          <a:bodyPr rtlCol="0" anchor="ctr"/>
-          <a:lstStyle/>
-          <a:p>
-            <a:pPr algn="ctr"/>
-            <a:r>
-              <a:rPr lang="en-US" altLang="ko-KR" sz="1200" dirty="0"/>
-              <a:t>[</a:t>
-            </a:r>
-            <a:r>
-              <a:rPr lang="ko-KR" altLang="en-US" sz="1200" dirty="0"/>
-              <a:t>차트</a:t>
-            </a:r>
-            <a:r>
-              <a:rPr lang="en-US" altLang="ko-KR" sz="1200" dirty="0"/>
-              <a:t>] https://echarts.apache.org/examples/en/editor.html?c=treemap-disk</a:t>
-            </a:r>
-            <a:endParaRPr lang="ko-KR" altLang="en-US" sz="1200" dirty="0"/>
-          </a:p>
-        </p:txBody>
-      </p:sp>
-      <p:sp>
-        <p:nvSpPr>
-          <p:cNvPr id="104" name="직사각형 103"/>
-          <p:cNvSpPr/>
-          <p:nvPr/>
-        </p:nvSpPr>
-        <p:spPr>
-          <a:xfrm>
-            <a:off x="5807230" y="3328584"/>
-            <a:ext cx="3616873" cy="763356"/>
-          </a:xfrm>
-          <a:prstGeom prst="rect">
-            <a:avLst/>
-          </a:prstGeom>
-          <a:solidFill>
-            <a:schemeClr val="accent2"/>
-          </a:solidFill>
-        </p:spPr>
-        <p:style>
-          <a:lnRef idx="2">
-            <a:schemeClr val="accent1">
-              <a:shade val="50000"/>
-            </a:schemeClr>
-          </a:lnRef>
-          <a:fillRef idx="1">
-            <a:schemeClr val="accent1"/>
-          </a:fillRef>
-          <a:effectRef idx="0">
-            <a:schemeClr val="accent1"/>
-          </a:effectRef>
-          <a:fontRef idx="minor">
-            <a:schemeClr val="lt1"/>
-          </a:fontRef>
-        </p:style>
-        <p:txBody>
-          <a:bodyPr rtlCol="0" anchor="ctr"/>
-          <a:lstStyle/>
-          <a:p>
-            <a:pPr algn="ctr"/>
-            <a:r>
-              <a:rPr lang="en-US" altLang="ko-KR" sz="1200" dirty="0"/>
-              <a:t>[</a:t>
-            </a:r>
-            <a:r>
-              <a:rPr lang="ko-KR" altLang="en-US" sz="1200" dirty="0"/>
-              <a:t>차트</a:t>
-            </a:r>
-            <a:r>
-              <a:rPr lang="en-US" altLang="ko-KR" sz="1200" dirty="0"/>
-              <a:t>] https://echarts.apache.org/examples/en/editor.html?c=treemap-disk</a:t>
-            </a:r>
-            <a:endParaRPr lang="ko-KR" altLang="en-US" sz="1200" dirty="0"/>
-          </a:p>
-        </p:txBody>
-      </p:sp>
-      <p:sp>
-        <p:nvSpPr>
-          <p:cNvPr id="14" name="직사각형 13"/>
-          <p:cNvSpPr/>
-          <p:nvPr/>
-        </p:nvSpPr>
-        <p:spPr>
-          <a:xfrm>
-            <a:off x="382615" y="4186080"/>
-            <a:ext cx="4001414" cy="262645"/>
-          </a:xfrm>
-          <a:prstGeom prst="rect">
-            <a:avLst/>
-          </a:prstGeom>
-          <a:solidFill>
-            <a:srgbClr val="7030A0"/>
-          </a:solidFill>
-        </p:spPr>
-        <p:style>
-          <a:lnRef idx="2">
-            <a:schemeClr val="accent1">
-              <a:shade val="50000"/>
-            </a:schemeClr>
-          </a:lnRef>
-          <a:fillRef idx="1">
-            <a:schemeClr val="accent1"/>
-          </a:fillRef>
-          <a:effectRef idx="0">
-            <a:schemeClr val="accent1"/>
-          </a:effectRef>
-          <a:fontRef idx="minor">
-            <a:schemeClr val="lt1"/>
-          </a:fontRef>
-        </p:style>
-        <p:txBody>
-          <a:bodyPr rtlCol="0" anchor="ctr"/>
-          <a:lstStyle/>
-          <a:p>
-            <a:pPr algn="ctr"/>
-            <a:r>
-              <a:rPr lang="en-US" altLang="ko-KR" sz="1200" dirty="0"/>
-              <a:t>[</a:t>
-            </a:r>
-            <a:r>
-              <a:rPr lang="ko-KR" altLang="en-US" sz="1200" dirty="0"/>
-              <a:t>자료</a:t>
-            </a:r>
-            <a:r>
-              <a:rPr lang="en-US" altLang="ko-KR" sz="1200" dirty="0"/>
-              <a:t>] </a:t>
-            </a:r>
-            <a:r>
-              <a:rPr lang="ko-KR" altLang="en-US" sz="1200" dirty="0"/>
-              <a:t>지역에너지통계연보 </a:t>
-            </a:r>
-            <a:r>
-              <a:rPr lang="en-US" altLang="ko-KR" sz="1200" dirty="0"/>
-              <a:t>I-7</a:t>
-            </a:r>
-            <a:endParaRPr lang="ko-KR" altLang="en-US" sz="1200" dirty="0"/>
-          </a:p>
-        </p:txBody>
-      </p:sp>
-      <p:sp>
-        <p:nvSpPr>
-          <p:cNvPr id="16" name="직사각형 15"/>
-          <p:cNvSpPr/>
-          <p:nvPr/>
-        </p:nvSpPr>
-        <p:spPr>
-          <a:xfrm>
-            <a:off x="5807231" y="4186080"/>
-            <a:ext cx="3616872" cy="262645"/>
-          </a:xfrm>
-          <a:prstGeom prst="rect">
-            <a:avLst/>
-          </a:prstGeom>
-          <a:solidFill>
-            <a:srgbClr val="7030A0"/>
-          </a:solidFill>
-        </p:spPr>
-        <p:style>
-          <a:lnRef idx="2">
-            <a:schemeClr val="accent1">
-              <a:shade val="50000"/>
-            </a:schemeClr>
-          </a:lnRef>
-          <a:fillRef idx="1">
-            <a:schemeClr val="accent1"/>
-          </a:fillRef>
-          <a:effectRef idx="0">
-            <a:schemeClr val="accent1"/>
-          </a:effectRef>
-          <a:fontRef idx="minor">
-            <a:schemeClr val="lt1"/>
-          </a:fontRef>
-        </p:style>
-        <p:txBody>
-          <a:bodyPr rtlCol="0" anchor="ctr"/>
-          <a:lstStyle/>
-          <a:p>
-            <a:pPr algn="ctr"/>
-            <a:r>
-              <a:rPr lang="en-US" altLang="ko-KR" sz="1200" dirty="0"/>
-              <a:t>[</a:t>
-            </a:r>
-            <a:r>
-              <a:rPr lang="ko-KR" altLang="en-US" sz="1200" dirty="0"/>
-              <a:t>자료</a:t>
-            </a:r>
-            <a:r>
-              <a:rPr lang="en-US" altLang="ko-KR" sz="1200" dirty="0"/>
-              <a:t>] </a:t>
-            </a:r>
-            <a:r>
-              <a:rPr lang="ko-KR" altLang="en-US" sz="1200" dirty="0"/>
-              <a:t>지역에너지통계연보 </a:t>
-            </a:r>
-            <a:r>
-              <a:rPr lang="en-US" altLang="ko-KR" sz="1200" dirty="0"/>
-              <a:t>I-6</a:t>
-            </a:r>
-            <a:endParaRPr lang="ko-KR" altLang="en-US" sz="1200" dirty="0"/>
-          </a:p>
-        </p:txBody>
-      </p:sp>
-    </p:spTree>
-    <p:extLst>
-      <p:ext uri="{BB962C8B-B14F-4D97-AF65-F5344CB8AC3E}">
-        <p14:creationId xmlns:p14="http://schemas.microsoft.com/office/powerpoint/2010/main" val="1103707925"/>
-      </p:ext>
-    </p:extLst>
-  </p:cSld>
-  <p:clrMapOvr>
-    <a:masterClrMapping/>
-  </p:clrMapOvr>
-</p:sld>
-</file>
-
-<file path=ppt/slides/slide9.xml><?xml version="1.0" encoding="utf-8"?>
-<p:sld xmlns:a="http://schemas.openxmlformats.org/drawingml/2006/main" xmlns:r="http://schemas.openxmlformats.org/officeDocument/2006/relationships" xmlns:p="http://schemas.openxmlformats.org/presentationml/2006/main">
-  <p:cSld>
-    <p:spTree>
-      <p:nvGrpSpPr>
-        <p:cNvPr id="1" name=""/>
-        <p:cNvGrpSpPr/>
-        <p:nvPr/>
-      </p:nvGrpSpPr>
-      <p:grpSpPr>
-        <a:xfrm>
-          <a:off x="0" y="0"/>
-          <a:ext cx="0" cy="0"/>
-          <a:chOff x="0" y="0"/>
-          <a:chExt cx="0" cy="0"/>
-        </a:xfrm>
-      </p:grpSpPr>
-      <p:pic>
-        <p:nvPicPr>
-          <p:cNvPr id="2" name="그림 1">
-            <a:extLst>
-              <a:ext uri="{FF2B5EF4-FFF2-40B4-BE49-F238E27FC236}">
-                <a16:creationId xmlns:a16="http://schemas.microsoft.com/office/drawing/2014/main" id="{BCA85596-BF7F-3B9C-644F-E0D962DBD2BE}"/>
-              </a:ext>
-            </a:extLst>
-          </p:cNvPr>
-          <p:cNvPicPr>
-            <a:picLocks noChangeAspect="1"/>
-          </p:cNvPicPr>
-          <p:nvPr/>
-        </p:nvPicPr>
-        <p:blipFill>
-          <a:blip r:embed="rId2"/>
-          <a:stretch>
-            <a:fillRect/>
-          </a:stretch>
-        </p:blipFill>
-        <p:spPr>
-          <a:xfrm>
-            <a:off x="1716356" y="1022213"/>
-            <a:ext cx="5227052" cy="3419612"/>
-          </a:xfrm>
-          <a:prstGeom prst="rect">
-            <a:avLst/>
-          </a:prstGeom>
-        </p:spPr>
-      </p:pic>
-      <p:sp>
-        <p:nvSpPr>
-          <p:cNvPr id="3" name="TextBox 2">
-            <a:extLst>
-              <a:ext uri="{FF2B5EF4-FFF2-40B4-BE49-F238E27FC236}">
-                <a16:creationId xmlns:a16="http://schemas.microsoft.com/office/drawing/2014/main" id="{BDDAB908-8E6F-C648-590B-3F17B3F684B4}"/>
-              </a:ext>
-            </a:extLst>
-          </p:cNvPr>
-          <p:cNvSpPr txBox="1"/>
-          <p:nvPr/>
-        </p:nvSpPr>
-        <p:spPr>
-          <a:xfrm>
-            <a:off x="1716356" y="964182"/>
-            <a:ext cx="368697" cy="169277"/>
-          </a:xfrm>
-          <a:prstGeom prst="rect">
-            <a:avLst/>
-          </a:prstGeom>
-          <a:solidFill>
-            <a:schemeClr val="bg1"/>
-          </a:solidFill>
-        </p:spPr>
-        <p:txBody>
-          <a:bodyPr wrap="square">
-            <a:spAutoFit/>
-          </a:bodyPr>
-          <a:lstStyle/>
-          <a:p>
-            <a:r>
-              <a:rPr lang="en-US" altLang="ko-KR" sz="500" b="1" dirty="0"/>
-              <a:t>KTOE</a:t>
-            </a:r>
-          </a:p>
-        </p:txBody>
-      </p:sp>
-      <p:sp>
-        <p:nvSpPr>
-          <p:cNvPr id="4" name="직사각형 3">
-            <a:extLst>
-              <a:ext uri="{FF2B5EF4-FFF2-40B4-BE49-F238E27FC236}">
-                <a16:creationId xmlns:a16="http://schemas.microsoft.com/office/drawing/2014/main" id="{88FBC44B-3D4D-D84D-EFC2-B0FDCFE64C9D}"/>
-              </a:ext>
-            </a:extLst>
-          </p:cNvPr>
-          <p:cNvSpPr/>
-          <p:nvPr/>
-        </p:nvSpPr>
-        <p:spPr>
-          <a:xfrm>
-            <a:off x="468343" y="4757391"/>
-            <a:ext cx="3462898" cy="281449"/>
-          </a:xfrm>
-          <a:prstGeom prst="rect">
-            <a:avLst/>
-          </a:prstGeom>
-          <a:solidFill>
-            <a:srgbClr val="7030A0"/>
-          </a:solidFill>
-        </p:spPr>
-        <p:style>
-          <a:lnRef idx="2">
-            <a:schemeClr val="accent1">
-              <a:shade val="50000"/>
-            </a:schemeClr>
-          </a:lnRef>
-          <a:fillRef idx="1">
-            <a:schemeClr val="accent1"/>
-          </a:fillRef>
-          <a:effectRef idx="0">
-            <a:schemeClr val="accent1"/>
-          </a:effectRef>
-          <a:fontRef idx="minor">
-            <a:schemeClr val="lt1"/>
-          </a:fontRef>
-        </p:style>
-        <p:txBody>
-          <a:bodyPr rtlCol="0" anchor="ctr"/>
-          <a:lstStyle/>
-          <a:p>
-            <a:pPr algn="ctr"/>
-            <a:r>
-              <a:rPr lang="en-US" altLang="ko-KR" sz="1200" dirty="0"/>
-              <a:t>[</a:t>
-            </a:r>
-            <a:r>
-              <a:rPr lang="ko-KR" altLang="en-US" sz="1200" dirty="0"/>
-              <a:t>자료</a:t>
-            </a:r>
-            <a:r>
-              <a:rPr lang="en-US" altLang="ko-KR" sz="1200" dirty="0"/>
-              <a:t>] </a:t>
-            </a:r>
-            <a:r>
-              <a:rPr lang="ko-KR" altLang="en-US" sz="1200" dirty="0"/>
-              <a:t>지역에너지통계연보 </a:t>
-            </a:r>
-            <a:r>
-              <a:rPr lang="en-US" altLang="ko-KR" sz="1200" dirty="0"/>
-              <a:t>I-5</a:t>
-            </a:r>
-            <a:endParaRPr lang="ko-KR" altLang="en-US" sz="1200" dirty="0"/>
-          </a:p>
-        </p:txBody>
-      </p:sp>
-      <p:sp>
-        <p:nvSpPr>
-          <p:cNvPr id="5" name="직사각형 4">
-            <a:extLst>
-              <a:ext uri="{FF2B5EF4-FFF2-40B4-BE49-F238E27FC236}">
-                <a16:creationId xmlns:a16="http://schemas.microsoft.com/office/drawing/2014/main" id="{5CEBD2DA-2D81-6EF5-82C3-16C5A4E44B0D}"/>
-              </a:ext>
-            </a:extLst>
-          </p:cNvPr>
-          <p:cNvSpPr/>
-          <p:nvPr/>
-        </p:nvSpPr>
-        <p:spPr>
-          <a:xfrm>
-            <a:off x="468343" y="6039745"/>
-            <a:ext cx="4108537" cy="805210"/>
-          </a:xfrm>
-          <a:prstGeom prst="rect">
-            <a:avLst/>
-          </a:prstGeom>
-          <a:solidFill>
-            <a:srgbClr val="7030A0"/>
-          </a:solidFill>
-        </p:spPr>
-        <p:style>
-          <a:lnRef idx="2">
-            <a:schemeClr val="accent1">
-              <a:shade val="50000"/>
-            </a:schemeClr>
-          </a:lnRef>
-          <a:fillRef idx="1">
-            <a:schemeClr val="accent1"/>
-          </a:fillRef>
-          <a:effectRef idx="0">
-            <a:schemeClr val="accent1"/>
-          </a:effectRef>
-          <a:fontRef idx="minor">
-            <a:schemeClr val="lt1"/>
-          </a:fontRef>
-        </p:style>
-        <p:txBody>
-          <a:bodyPr rtlCol="0" anchor="ctr"/>
-          <a:lstStyle/>
-          <a:p>
-            <a:pPr algn="ctr"/>
-            <a:r>
-              <a:rPr lang="en-US" altLang="ko-KR" sz="1200" dirty="0"/>
-              <a:t>[</a:t>
-            </a:r>
-            <a:r>
-              <a:rPr lang="ko-KR" altLang="en-US" sz="1200" dirty="0"/>
-              <a:t>자료</a:t>
-            </a:r>
-            <a:r>
-              <a:rPr lang="en-US" altLang="ko-KR" sz="1200" dirty="0"/>
-              <a:t>] </a:t>
-            </a:r>
-            <a:r>
-              <a:rPr lang="ko-KR" altLang="en-US" sz="1200" dirty="0"/>
-              <a:t>지역에너지통계연보 </a:t>
-            </a:r>
-            <a:r>
-              <a:rPr lang="en-US" altLang="ko-KR" sz="1200" dirty="0"/>
-              <a:t>I-1 </a:t>
-            </a:r>
-            <a:br>
-              <a:rPr lang="en-US" altLang="ko-KR" sz="1200" dirty="0"/>
-            </a:br>
-            <a:r>
-              <a:rPr lang="en-US" altLang="ko-KR" sz="1200" dirty="0"/>
-              <a:t>GRDP</a:t>
-            </a:r>
-            <a:r>
-              <a:rPr lang="ko-KR" altLang="en-US" sz="1200" dirty="0"/>
-              <a:t>당 최종에너지소비</a:t>
-            </a:r>
-            <a:r>
-              <a:rPr lang="en-US" altLang="ko-KR" sz="1200" dirty="0"/>
-              <a:t>(Q</a:t>
-            </a:r>
-            <a:r>
-              <a:rPr lang="ko-KR" altLang="en-US" sz="1200" dirty="0"/>
-              <a:t>열</a:t>
-            </a:r>
-            <a:r>
-              <a:rPr lang="en-US" altLang="ko-KR" sz="1200" dirty="0"/>
-              <a:t>)</a:t>
-            </a:r>
-            <a:endParaRPr lang="ko-KR" altLang="en-US" sz="1200" dirty="0"/>
-          </a:p>
-        </p:txBody>
-      </p:sp>
-      <p:sp>
-        <p:nvSpPr>
-          <p:cNvPr id="6" name="직사각형 5">
-            <a:extLst>
-              <a:ext uri="{FF2B5EF4-FFF2-40B4-BE49-F238E27FC236}">
-                <a16:creationId xmlns:a16="http://schemas.microsoft.com/office/drawing/2014/main" id="{275BEEC3-E259-AC25-4AB4-B5E223F66505}"/>
-              </a:ext>
-            </a:extLst>
-          </p:cNvPr>
-          <p:cNvSpPr/>
-          <p:nvPr/>
-        </p:nvSpPr>
-        <p:spPr>
-          <a:xfrm>
-            <a:off x="468343" y="5096871"/>
-            <a:ext cx="4108537" cy="805210"/>
-          </a:xfrm>
-          <a:prstGeom prst="rect">
-            <a:avLst/>
-          </a:prstGeom>
-          <a:solidFill>
-            <a:srgbClr val="7030A0"/>
-          </a:solidFill>
-        </p:spPr>
-        <p:style>
-          <a:lnRef idx="2">
-            <a:schemeClr val="accent1">
-              <a:shade val="50000"/>
-            </a:schemeClr>
-          </a:lnRef>
-          <a:fillRef idx="1">
-            <a:schemeClr val="accent1"/>
-          </a:fillRef>
-          <a:effectRef idx="0">
-            <a:schemeClr val="accent1"/>
-          </a:effectRef>
-          <a:fontRef idx="minor">
-            <a:schemeClr val="lt1"/>
-          </a:fontRef>
-        </p:style>
-        <p:txBody>
-          <a:bodyPr rtlCol="0" anchor="ctr"/>
-          <a:lstStyle/>
-          <a:p>
-            <a:pPr algn="ctr"/>
-            <a:r>
-              <a:rPr lang="en-US" altLang="ko-KR" sz="1200" dirty="0"/>
-              <a:t>[</a:t>
-            </a:r>
-            <a:r>
-              <a:rPr lang="ko-KR" altLang="en-US" sz="1200" dirty="0"/>
-              <a:t>자료</a:t>
-            </a:r>
-            <a:r>
-              <a:rPr lang="en-US" altLang="ko-KR" sz="1200" dirty="0"/>
-              <a:t>] </a:t>
-            </a:r>
-            <a:r>
-              <a:rPr lang="ko-KR" altLang="en-US" sz="1200" dirty="0"/>
-              <a:t>지역에너지통계연보 </a:t>
-            </a:r>
-            <a:r>
-              <a:rPr lang="en-US" altLang="ko-KR" sz="1200" dirty="0"/>
-              <a:t>I-1 </a:t>
-            </a:r>
-            <a:br>
-              <a:rPr lang="en-US" altLang="ko-KR" sz="1200" dirty="0"/>
-            </a:br>
-            <a:r>
-              <a:rPr lang="en-US" altLang="ko-KR" sz="1200" dirty="0"/>
-              <a:t>1</a:t>
-            </a:r>
-            <a:r>
-              <a:rPr lang="ko-KR" altLang="en-US" sz="1200" dirty="0"/>
-              <a:t>인당 최종에너지 소비</a:t>
-            </a:r>
-            <a:r>
-              <a:rPr lang="en-US" altLang="ko-KR" sz="1200" dirty="0"/>
-              <a:t>(L</a:t>
-            </a:r>
-            <a:r>
-              <a:rPr lang="ko-KR" altLang="en-US" sz="1200" dirty="0"/>
-              <a:t>열</a:t>
-            </a:r>
-            <a:r>
-              <a:rPr lang="en-US" altLang="ko-KR" sz="1200" dirty="0"/>
-              <a:t>)</a:t>
-            </a:r>
-            <a:endParaRPr lang="ko-KR" altLang="en-US" sz="1200" dirty="0"/>
-          </a:p>
-        </p:txBody>
-      </p:sp>
-      <p:sp>
-        <p:nvSpPr>
-          <p:cNvPr id="7" name="직사각형 6">
-            <a:extLst>
-              <a:ext uri="{FF2B5EF4-FFF2-40B4-BE49-F238E27FC236}">
-                <a16:creationId xmlns:a16="http://schemas.microsoft.com/office/drawing/2014/main" id="{4641F9FF-4223-5BD0-1E72-1315604D9049}"/>
-              </a:ext>
-            </a:extLst>
-          </p:cNvPr>
-          <p:cNvSpPr/>
-          <p:nvPr/>
-        </p:nvSpPr>
-        <p:spPr>
-          <a:xfrm>
-            <a:off x="5178948" y="5096871"/>
-            <a:ext cx="2494769" cy="1247576"/>
-          </a:xfrm>
-          <a:prstGeom prst="rect">
-            <a:avLst/>
-          </a:prstGeom>
-          <a:solidFill>
-            <a:schemeClr val="accent2"/>
-          </a:solidFill>
-        </p:spPr>
-        <p:style>
-          <a:lnRef idx="2">
-            <a:schemeClr val="accent1">
-              <a:shade val="50000"/>
-            </a:schemeClr>
-          </a:lnRef>
-          <a:fillRef idx="1">
-            <a:schemeClr val="accent1"/>
-          </a:fillRef>
-          <a:effectRef idx="0">
-            <a:schemeClr val="accent1"/>
-          </a:effectRef>
-          <a:fontRef idx="minor">
-            <a:schemeClr val="lt1"/>
-          </a:fontRef>
-        </p:style>
-        <p:txBody>
-          <a:bodyPr rtlCol="0" anchor="ctr"/>
-          <a:lstStyle/>
-          <a:p>
-            <a:pPr algn="ctr"/>
-            <a:r>
-              <a:rPr lang="en-US" altLang="ko-KR" sz="1200" dirty="0"/>
-              <a:t>[</a:t>
-            </a:r>
-            <a:r>
-              <a:rPr lang="ko-KR" altLang="en-US" sz="1200" dirty="0"/>
-              <a:t>차트</a:t>
-            </a:r>
-            <a:r>
-              <a:rPr lang="en-US" altLang="ko-KR" sz="1200" dirty="0"/>
-              <a:t>] https://echarts.apache.org/examples/en/editor.html?c=line-race</a:t>
-            </a:r>
-            <a:endParaRPr lang="ko-KR" altLang="en-US" sz="1200" dirty="0"/>
-          </a:p>
-        </p:txBody>
-      </p:sp>
-      <p:sp>
-        <p:nvSpPr>
-          <p:cNvPr id="8" name="말풍선: 사각형 7">
-            <a:extLst>
-              <a:ext uri="{FF2B5EF4-FFF2-40B4-BE49-F238E27FC236}">
-                <a16:creationId xmlns:a16="http://schemas.microsoft.com/office/drawing/2014/main" id="{8950CE47-F5F9-713A-13E4-DD7264B1157B}"/>
-              </a:ext>
-            </a:extLst>
-          </p:cNvPr>
-          <p:cNvSpPr/>
-          <p:nvPr/>
-        </p:nvSpPr>
-        <p:spPr>
-          <a:xfrm>
-            <a:off x="3802137" y="-540345"/>
-            <a:ext cx="5946969" cy="1106779"/>
-          </a:xfrm>
-          <a:prstGeom prst="wedgeRectCallout">
-            <a:avLst>
-              <a:gd name="adj1" fmla="val -24907"/>
-              <a:gd name="adj2" fmla="val 71714"/>
-            </a:avLst>
-          </a:prstGeom>
-          <a:solidFill>
-            <a:srgbClr val="FFFF00"/>
-          </a:solidFill>
-          <a:ln>
-            <a:prstDash val="sysDot"/>
-          </a:ln>
-        </p:spPr>
-        <p:style>
-          <a:lnRef idx="2">
-            <a:schemeClr val="accent1">
-              <a:shade val="15000"/>
-            </a:schemeClr>
-          </a:lnRef>
-          <a:fillRef idx="1">
-            <a:schemeClr val="accent1"/>
-          </a:fillRef>
-          <a:effectRef idx="0">
-            <a:schemeClr val="accent1"/>
-          </a:effectRef>
-          <a:fontRef idx="minor">
-            <a:schemeClr val="lt1"/>
-          </a:fontRef>
-        </p:style>
-        <p:txBody>
-          <a:bodyPr rtlCol="0" anchor="ctr"/>
-          <a:lstStyle/>
-          <a:p>
-            <a:pPr algn="just"/>
-            <a:r>
-              <a:rPr lang="ko-KR" altLang="en-US" sz="1100" b="1" dirty="0">
-                <a:solidFill>
-                  <a:schemeClr val="tx1"/>
-                </a:solidFill>
-              </a:rPr>
-              <a:t>참고사항</a:t>
-            </a:r>
-            <a:r>
-              <a:rPr lang="en-US" altLang="ko-KR" sz="1100" dirty="0">
-                <a:solidFill>
-                  <a:schemeClr val="tx1"/>
-                </a:solidFill>
-              </a:rPr>
-              <a:t>.</a:t>
-            </a:r>
-          </a:p>
-          <a:p>
-            <a:pPr marL="228600" indent="-228600" algn="just">
-              <a:buAutoNum type="arabicPeriod"/>
-            </a:pPr>
-            <a:r>
-              <a:rPr lang="en-US" altLang="ko-KR" sz="1100" dirty="0">
-                <a:solidFill>
-                  <a:schemeClr val="tx1"/>
-                </a:solidFill>
-              </a:rPr>
-              <a:t>2011</a:t>
-            </a:r>
-            <a:r>
-              <a:rPr lang="ko-KR" altLang="en-US" sz="1100" dirty="0">
-                <a:solidFill>
-                  <a:schemeClr val="tx1"/>
-                </a:solidFill>
-              </a:rPr>
-              <a:t>년부터 </a:t>
-            </a:r>
-            <a:r>
-              <a:rPr lang="en-US" altLang="ko-KR" sz="1100" dirty="0">
-                <a:solidFill>
-                  <a:schemeClr val="tx1"/>
-                </a:solidFill>
-              </a:rPr>
-              <a:t>2022</a:t>
-            </a:r>
-            <a:r>
-              <a:rPr lang="ko-KR" altLang="en-US" sz="1100" dirty="0">
-                <a:solidFill>
-                  <a:schemeClr val="tx1"/>
-                </a:solidFill>
-              </a:rPr>
-              <a:t>년까지 데이터가 있습니다</a:t>
-            </a:r>
-            <a:r>
-              <a:rPr lang="en-US" altLang="ko-KR" sz="1100" dirty="0">
-                <a:solidFill>
-                  <a:schemeClr val="tx1"/>
-                </a:solidFill>
-              </a:rPr>
-              <a:t>. </a:t>
-            </a:r>
-          </a:p>
-          <a:p>
-            <a:pPr algn="just"/>
-            <a:r>
-              <a:rPr lang="en-US" altLang="ko-KR" sz="1100" dirty="0">
-                <a:solidFill>
-                  <a:schemeClr val="tx1"/>
-                </a:solidFill>
-              </a:rPr>
-              <a:t>      2011-2013</a:t>
-            </a:r>
-            <a:r>
-              <a:rPr lang="ko-KR" altLang="en-US" sz="1100" dirty="0">
-                <a:solidFill>
-                  <a:schemeClr val="tx1"/>
-                </a:solidFill>
-              </a:rPr>
-              <a:t>년</a:t>
-            </a:r>
-            <a:r>
-              <a:rPr lang="en-US" altLang="ko-KR" sz="1100" dirty="0">
-                <a:solidFill>
-                  <a:schemeClr val="tx1"/>
-                </a:solidFill>
-              </a:rPr>
-              <a:t>: </a:t>
-            </a:r>
-            <a:r>
-              <a:rPr lang="ko-KR" altLang="en-US" sz="1100" dirty="0">
-                <a:solidFill>
-                  <a:schemeClr val="tx1"/>
-                </a:solidFill>
-              </a:rPr>
-              <a:t>세종이 없고 </a:t>
-            </a:r>
-            <a:r>
-              <a:rPr lang="en-US" altLang="ko-KR" sz="1100" dirty="0">
-                <a:solidFill>
-                  <a:schemeClr val="tx1"/>
-                </a:solidFill>
-              </a:rPr>
-              <a:t>16</a:t>
-            </a:r>
-            <a:r>
-              <a:rPr lang="ko-KR" altLang="en-US" sz="1100" dirty="0">
-                <a:solidFill>
-                  <a:schemeClr val="tx1"/>
-                </a:solidFill>
-              </a:rPr>
-              <a:t>개 시도</a:t>
-            </a:r>
-            <a:r>
-              <a:rPr lang="en-US" altLang="ko-KR" sz="1100" dirty="0">
-                <a:solidFill>
-                  <a:schemeClr val="tx1"/>
-                </a:solidFill>
-              </a:rPr>
-              <a:t>, 2014-2022</a:t>
-            </a:r>
-            <a:r>
-              <a:rPr lang="ko-KR" altLang="en-US" sz="1100" dirty="0">
-                <a:solidFill>
-                  <a:schemeClr val="tx1"/>
-                </a:solidFill>
-              </a:rPr>
-              <a:t>년</a:t>
-            </a:r>
-            <a:r>
-              <a:rPr lang="en-US" altLang="ko-KR" sz="1100" dirty="0">
-                <a:solidFill>
-                  <a:schemeClr val="tx1"/>
-                </a:solidFill>
-              </a:rPr>
-              <a:t>: </a:t>
-            </a:r>
-            <a:r>
-              <a:rPr lang="ko-KR" altLang="en-US" sz="1100" dirty="0">
-                <a:solidFill>
-                  <a:schemeClr val="tx1"/>
-                </a:solidFill>
-              </a:rPr>
-              <a:t>세종 포함 </a:t>
-            </a:r>
-            <a:r>
-              <a:rPr lang="en-US" altLang="ko-KR" sz="1100" dirty="0">
-                <a:solidFill>
-                  <a:schemeClr val="tx1"/>
-                </a:solidFill>
-              </a:rPr>
-              <a:t>17</a:t>
-            </a:r>
-            <a:r>
-              <a:rPr lang="ko-KR" altLang="en-US" sz="1100" dirty="0">
-                <a:solidFill>
-                  <a:schemeClr val="tx1"/>
-                </a:solidFill>
-              </a:rPr>
-              <a:t>개 시도</a:t>
-            </a:r>
-            <a:r>
-              <a:rPr lang="en-US" altLang="ko-KR" sz="1100" dirty="0">
-                <a:solidFill>
-                  <a:schemeClr val="tx1"/>
-                </a:solidFill>
-              </a:rPr>
-              <a:t>.</a:t>
-            </a:r>
-          </a:p>
-          <a:p>
-            <a:pPr marL="228600" indent="-228600" algn="just">
-              <a:buAutoNum type="arabicPeriod"/>
-            </a:pPr>
-            <a:r>
-              <a:rPr lang="en-US" altLang="ko-KR" sz="1100" dirty="0">
-                <a:solidFill>
-                  <a:schemeClr val="tx1"/>
-                </a:solidFill>
-              </a:rPr>
-              <a:t>17</a:t>
-            </a:r>
-            <a:r>
-              <a:rPr lang="ko-KR" altLang="en-US" sz="1100" dirty="0">
-                <a:solidFill>
-                  <a:schemeClr val="tx1"/>
-                </a:solidFill>
-              </a:rPr>
-              <a:t>개의 선이 </a:t>
-            </a:r>
-            <a:r>
-              <a:rPr lang="ko-KR" altLang="en-US" sz="1100" dirty="0" err="1">
-                <a:solidFill>
-                  <a:schemeClr val="tx1"/>
-                </a:solidFill>
-              </a:rPr>
-              <a:t>생길텐데</a:t>
-            </a:r>
-            <a:r>
-              <a:rPr lang="en-US" altLang="ko-KR" sz="1100" dirty="0">
-                <a:solidFill>
-                  <a:schemeClr val="tx1"/>
-                </a:solidFill>
-              </a:rPr>
-              <a:t>, </a:t>
-            </a:r>
-            <a:r>
-              <a:rPr lang="ko-KR" altLang="en-US" sz="1100" dirty="0">
-                <a:solidFill>
-                  <a:schemeClr val="tx1"/>
-                </a:solidFill>
-              </a:rPr>
-              <a:t>경기도는 눈에 띄었으면 좋겠음</a:t>
-            </a:r>
-            <a:endParaRPr lang="en-US" altLang="ko-KR" sz="1100" dirty="0">
-              <a:solidFill>
-                <a:schemeClr val="tx1"/>
-              </a:solidFill>
-            </a:endParaRPr>
-          </a:p>
-          <a:p>
-            <a:pPr marL="228600" indent="-228600" algn="just">
-              <a:buAutoNum type="arabicPeriod"/>
-            </a:pPr>
-            <a:r>
-              <a:rPr lang="ko-KR" altLang="en-US" sz="1100" dirty="0">
-                <a:solidFill>
-                  <a:schemeClr val="tx1"/>
-                </a:solidFill>
-              </a:rPr>
-              <a:t>그래프 옵션이 </a:t>
-            </a:r>
-            <a:r>
-              <a:rPr lang="en-US" altLang="ko-KR" sz="1100" dirty="0">
-                <a:solidFill>
-                  <a:schemeClr val="tx1"/>
-                </a:solidFill>
-              </a:rPr>
-              <a:t>3</a:t>
-            </a:r>
-            <a:r>
-              <a:rPr lang="ko-KR" altLang="en-US" sz="1100" dirty="0">
-                <a:solidFill>
-                  <a:schemeClr val="tx1"/>
-                </a:solidFill>
-              </a:rPr>
-              <a:t>가지 였으면 좋겠음 </a:t>
-            </a:r>
-            <a:r>
-              <a:rPr lang="en-US" altLang="ko-KR" sz="1100" dirty="0">
-                <a:solidFill>
-                  <a:schemeClr val="tx1"/>
-                </a:solidFill>
-              </a:rPr>
-              <a:t>(</a:t>
-            </a:r>
-            <a:r>
-              <a:rPr lang="ko-KR" altLang="en-US" sz="1100" dirty="0">
-                <a:solidFill>
-                  <a:schemeClr val="tx1"/>
-                </a:solidFill>
-              </a:rPr>
-              <a:t>최종에너지소비</a:t>
-            </a:r>
-            <a:r>
-              <a:rPr lang="en-US" altLang="ko-KR" sz="1100" dirty="0">
-                <a:solidFill>
-                  <a:schemeClr val="tx1"/>
-                </a:solidFill>
-              </a:rPr>
-              <a:t>, 1</a:t>
-            </a:r>
-            <a:r>
-              <a:rPr lang="ko-KR" altLang="en-US" sz="1100" dirty="0">
-                <a:solidFill>
-                  <a:schemeClr val="tx1"/>
-                </a:solidFill>
-              </a:rPr>
-              <a:t>인당 에너지 소비</a:t>
-            </a:r>
-            <a:r>
-              <a:rPr lang="en-US" altLang="ko-KR" sz="1100" dirty="0">
-                <a:solidFill>
-                  <a:schemeClr val="tx1"/>
-                </a:solidFill>
-              </a:rPr>
-              <a:t>, GRDP</a:t>
-            </a:r>
-            <a:r>
-              <a:rPr lang="ko-KR" altLang="en-US" sz="1100" dirty="0">
-                <a:solidFill>
-                  <a:schemeClr val="tx1"/>
-                </a:solidFill>
-              </a:rPr>
-              <a:t>당 에너지 소비</a:t>
-            </a:r>
-            <a:r>
-              <a:rPr lang="en-US" altLang="ko-KR" sz="1100" dirty="0">
-                <a:solidFill>
-                  <a:schemeClr val="tx1"/>
-                </a:solidFill>
-              </a:rPr>
-              <a:t>)</a:t>
-            </a:r>
-          </a:p>
-        </p:txBody>
-      </p:sp>
-      <p:sp>
-        <p:nvSpPr>
-          <p:cNvPr id="9" name="TextBox 8">
-            <a:extLst>
-              <a:ext uri="{FF2B5EF4-FFF2-40B4-BE49-F238E27FC236}">
-                <a16:creationId xmlns:a16="http://schemas.microsoft.com/office/drawing/2014/main" id="{3803F304-4CD6-41C4-456D-23AA3622048B}"/>
-              </a:ext>
-            </a:extLst>
-          </p:cNvPr>
-          <p:cNvSpPr txBox="1"/>
-          <p:nvPr/>
-        </p:nvSpPr>
-        <p:spPr>
-          <a:xfrm>
-            <a:off x="468343" y="197327"/>
-            <a:ext cx="2115503" cy="353943"/>
-          </a:xfrm>
-          <a:prstGeom prst="rect">
-            <a:avLst/>
-          </a:prstGeom>
-          <a:noFill/>
-        </p:spPr>
-        <p:txBody>
-          <a:bodyPr wrap="square">
-            <a:spAutoFit/>
-          </a:bodyPr>
-          <a:lstStyle/>
-          <a:p>
-            <a:r>
-              <a:rPr lang="ko-KR" altLang="en-US" sz="700" b="1" dirty="0"/>
-              <a:t>시도별 에너지 소비 현황 추이</a:t>
-            </a:r>
-            <a:endParaRPr lang="en-US" altLang="ko-KR" sz="700" b="1" dirty="0"/>
-          </a:p>
-          <a:p>
-            <a:r>
-              <a:rPr lang="ko-KR" altLang="en-US" sz="500" b="1" dirty="0"/>
-              <a:t>전국 </a:t>
-            </a:r>
-            <a:r>
-              <a:rPr lang="en-US" altLang="ko-KR" sz="500" b="1" dirty="0"/>
-              <a:t>17</a:t>
-            </a:r>
-            <a:r>
-              <a:rPr lang="ko-KR" altLang="en-US" sz="500" b="1" dirty="0"/>
-              <a:t>개 시도별 에너지 소비 현황 추이 </a:t>
-            </a:r>
-            <a:r>
-              <a:rPr lang="en-US" altLang="ko-KR" sz="500" b="1" dirty="0"/>
-              <a:t>(2011~2022)</a:t>
-            </a:r>
-            <a:r>
-              <a:rPr lang="ko-KR" altLang="en-US" sz="500" b="1" dirty="0"/>
-              <a:t>를 최종에너지</a:t>
-            </a:r>
-            <a:r>
-              <a:rPr lang="en-US" altLang="ko-KR" sz="500" b="1" dirty="0"/>
-              <a:t>, </a:t>
-            </a:r>
-            <a:r>
-              <a:rPr lang="ko-KR" altLang="en-US" sz="500" b="1" dirty="0"/>
-              <a:t>부문별</a:t>
-            </a:r>
-            <a:r>
-              <a:rPr lang="en-US" altLang="ko-KR" sz="500" b="1" dirty="0"/>
-              <a:t>, </a:t>
-            </a:r>
-            <a:r>
-              <a:rPr lang="ko-KR" altLang="en-US" sz="500" b="1" dirty="0"/>
-              <a:t>에너지원별 측면에서 살펴봅니다</a:t>
-            </a:r>
-            <a:r>
-              <a:rPr lang="en-US" altLang="ko-KR" sz="500" b="1" dirty="0"/>
-              <a:t>.</a:t>
-            </a:r>
-          </a:p>
-        </p:txBody>
-      </p:sp>
-      <p:sp>
-        <p:nvSpPr>
-          <p:cNvPr id="10" name="직사각형 9">
-            <a:extLst>
-              <a:ext uri="{FF2B5EF4-FFF2-40B4-BE49-F238E27FC236}">
-                <a16:creationId xmlns:a16="http://schemas.microsoft.com/office/drawing/2014/main" id="{633590B1-8C60-7B76-4EA0-10C1501CA87E}"/>
-              </a:ext>
-            </a:extLst>
-          </p:cNvPr>
-          <p:cNvSpPr/>
-          <p:nvPr/>
-        </p:nvSpPr>
-        <p:spPr>
-          <a:xfrm>
-            <a:off x="2522611" y="850321"/>
-            <a:ext cx="1408630" cy="195242"/>
-          </a:xfrm>
-          <a:prstGeom prst="rect">
-            <a:avLst/>
-          </a:prstGeom>
-          <a:solidFill>
-            <a:schemeClr val="bg2"/>
-          </a:solidFill>
-          <a:ln>
-            <a:solidFill>
-              <a:schemeClr val="bg2"/>
-            </a:solidFill>
-          </a:ln>
-        </p:spPr>
-        <p:style>
-          <a:lnRef idx="2">
-            <a:schemeClr val="accent1">
-              <a:shade val="15000"/>
-            </a:schemeClr>
-          </a:lnRef>
-          <a:fillRef idx="1">
-            <a:schemeClr val="accent1"/>
-          </a:fillRef>
-          <a:effectRef idx="0">
-            <a:schemeClr val="accent1"/>
-          </a:effectRef>
-          <a:fontRef idx="minor">
-            <a:schemeClr val="lt1"/>
-          </a:fontRef>
-        </p:style>
-        <p:txBody>
-          <a:bodyPr rtlCol="0" anchor="ctr"/>
-          <a:lstStyle/>
-          <a:p>
-            <a:pPr algn="ctr"/>
-            <a:r>
-              <a:rPr lang="ko-KR" altLang="en-US" sz="1200" dirty="0">
-                <a:solidFill>
-                  <a:schemeClr val="tx1"/>
-                </a:solidFill>
-              </a:rPr>
-              <a:t>최종에너지 소비</a:t>
-            </a:r>
-            <a:endParaRPr lang="en-US" altLang="ko-KR" sz="1200" dirty="0">
-              <a:solidFill>
-                <a:schemeClr val="tx1"/>
-              </a:solidFill>
-            </a:endParaRPr>
-          </a:p>
-        </p:txBody>
-      </p:sp>
-      <p:sp>
-        <p:nvSpPr>
-          <p:cNvPr id="11" name="직사각형 10">
-            <a:extLst>
-              <a:ext uri="{FF2B5EF4-FFF2-40B4-BE49-F238E27FC236}">
-                <a16:creationId xmlns:a16="http://schemas.microsoft.com/office/drawing/2014/main" id="{83291EDD-1B6D-1747-4F5E-1DEE50303A39}"/>
-              </a:ext>
-            </a:extLst>
-          </p:cNvPr>
-          <p:cNvSpPr/>
-          <p:nvPr/>
-        </p:nvSpPr>
-        <p:spPr>
-          <a:xfrm>
-            <a:off x="4028694" y="850321"/>
-            <a:ext cx="1408630" cy="195242"/>
-          </a:xfrm>
-          <a:prstGeom prst="rect">
-            <a:avLst/>
-          </a:prstGeom>
-          <a:solidFill>
-            <a:schemeClr val="bg2"/>
-          </a:solidFill>
-          <a:ln>
-            <a:solidFill>
-              <a:schemeClr val="bg2"/>
-            </a:solidFill>
-          </a:ln>
-        </p:spPr>
-        <p:style>
-          <a:lnRef idx="2">
-            <a:schemeClr val="accent1">
-              <a:shade val="15000"/>
-            </a:schemeClr>
-          </a:lnRef>
-          <a:fillRef idx="1">
-            <a:schemeClr val="accent1"/>
-          </a:fillRef>
-          <a:effectRef idx="0">
-            <a:schemeClr val="accent1"/>
-          </a:effectRef>
-          <a:fontRef idx="minor">
-            <a:schemeClr val="lt1"/>
-          </a:fontRef>
-        </p:style>
-        <p:txBody>
-          <a:bodyPr rtlCol="0" anchor="ctr"/>
-          <a:lstStyle/>
-          <a:p>
-            <a:pPr algn="ctr"/>
-            <a:r>
-              <a:rPr lang="en-US" altLang="ko-KR" sz="1200" dirty="0">
-                <a:solidFill>
-                  <a:schemeClr val="tx1"/>
-                </a:solidFill>
-              </a:rPr>
-              <a:t>1</a:t>
-            </a:r>
-            <a:r>
-              <a:rPr lang="ko-KR" altLang="en-US" sz="1200" dirty="0">
-                <a:solidFill>
-                  <a:schemeClr val="tx1"/>
-                </a:solidFill>
-              </a:rPr>
-              <a:t>인당 에너지 소비</a:t>
-            </a:r>
-            <a:endParaRPr lang="en-US" altLang="ko-KR" sz="1200" dirty="0">
-              <a:solidFill>
-                <a:schemeClr val="tx1"/>
-              </a:solidFill>
-            </a:endParaRPr>
-          </a:p>
-        </p:txBody>
-      </p:sp>
-      <p:sp>
-        <p:nvSpPr>
-          <p:cNvPr id="12" name="직사각형 11">
-            <a:extLst>
-              <a:ext uri="{FF2B5EF4-FFF2-40B4-BE49-F238E27FC236}">
-                <a16:creationId xmlns:a16="http://schemas.microsoft.com/office/drawing/2014/main" id="{BC8C3510-3F75-F6ED-300B-3ED1008C5122}"/>
-              </a:ext>
-            </a:extLst>
-          </p:cNvPr>
-          <p:cNvSpPr/>
-          <p:nvPr/>
-        </p:nvSpPr>
-        <p:spPr>
-          <a:xfrm>
-            <a:off x="5511531" y="850321"/>
-            <a:ext cx="1529330" cy="195242"/>
-          </a:xfrm>
-          <a:prstGeom prst="rect">
-            <a:avLst/>
-          </a:prstGeom>
-          <a:solidFill>
-            <a:schemeClr val="bg2"/>
-          </a:solidFill>
-          <a:ln>
-            <a:solidFill>
-              <a:schemeClr val="bg2"/>
-            </a:solidFill>
-          </a:ln>
-        </p:spPr>
-        <p:style>
-          <a:lnRef idx="2">
-            <a:schemeClr val="accent1">
-              <a:shade val="15000"/>
-            </a:schemeClr>
-          </a:lnRef>
-          <a:fillRef idx="1">
-            <a:schemeClr val="accent1"/>
-          </a:fillRef>
-          <a:effectRef idx="0">
-            <a:schemeClr val="accent1"/>
-          </a:effectRef>
-          <a:fontRef idx="minor">
-            <a:schemeClr val="lt1"/>
-          </a:fontRef>
-        </p:style>
-        <p:txBody>
-          <a:bodyPr rtlCol="0" anchor="ctr"/>
-          <a:lstStyle/>
-          <a:p>
-            <a:pPr algn="ctr"/>
-            <a:r>
-              <a:rPr lang="en-US" altLang="ko-KR" sz="1200" dirty="0">
-                <a:solidFill>
-                  <a:schemeClr val="tx1"/>
-                </a:solidFill>
-              </a:rPr>
-              <a:t>GRDP</a:t>
-            </a:r>
-            <a:r>
-              <a:rPr lang="ko-KR" altLang="en-US" sz="1200" dirty="0">
-                <a:solidFill>
-                  <a:schemeClr val="tx1"/>
-                </a:solidFill>
-              </a:rPr>
-              <a:t>당 에너지 소비</a:t>
-            </a:r>
-            <a:endParaRPr lang="en-US" altLang="ko-KR" sz="1200" dirty="0">
-              <a:solidFill>
-                <a:schemeClr val="tx1"/>
-              </a:solidFill>
-            </a:endParaRPr>
-          </a:p>
-        </p:txBody>
-      </p:sp>
-    </p:spTree>
-    <p:extLst>
-      <p:ext uri="{BB962C8B-B14F-4D97-AF65-F5344CB8AC3E}">
-        <p14:creationId xmlns:p14="http://schemas.microsoft.com/office/powerpoint/2010/main" val="2228389787"/>
       </p:ext>
     </p:extLst>
   </p:cSld>
